--- a/IntroToGitHub&SmartGit-v4.1.pptx
+++ b/IntroToGitHub&SmartGit-v4.1.pptx
@@ -5,7 +5,7 @@
     <p:sldMasterId id="2147483713" r:id="rId1"/>
   </p:sldMasterIdLst>
   <p:notesMasterIdLst>
-    <p:notesMasterId r:id="rId21"/>
+    <p:notesMasterId r:id="rId25"/>
   </p:notesMasterIdLst>
   <p:sldIdLst>
     <p:sldId id="256" r:id="rId2"/>
@@ -17,16 +17,20 @@
     <p:sldId id="262" r:id="rId8"/>
     <p:sldId id="263" r:id="rId9"/>
     <p:sldId id="264" r:id="rId10"/>
-    <p:sldId id="265" r:id="rId11"/>
-    <p:sldId id="266" r:id="rId12"/>
-    <p:sldId id="267" r:id="rId13"/>
-    <p:sldId id="268" r:id="rId14"/>
+    <p:sldId id="266" r:id="rId11"/>
+    <p:sldId id="267" r:id="rId12"/>
+    <p:sldId id="268" r:id="rId13"/>
+    <p:sldId id="265" r:id="rId14"/>
     <p:sldId id="269" r:id="rId15"/>
     <p:sldId id="270" r:id="rId16"/>
     <p:sldId id="271" r:id="rId17"/>
-    <p:sldId id="275" r:id="rId18"/>
-    <p:sldId id="276" r:id="rId19"/>
-    <p:sldId id="274" r:id="rId20"/>
+    <p:sldId id="277" r:id="rId18"/>
+    <p:sldId id="275" r:id="rId19"/>
+    <p:sldId id="276" r:id="rId20"/>
+    <p:sldId id="278" r:id="rId21"/>
+    <p:sldId id="279" r:id="rId22"/>
+    <p:sldId id="274" r:id="rId23"/>
+    <p:sldId id="280" r:id="rId24"/>
   </p:sldIdLst>
   <p:sldSz cx="12192000" cy="6858000"/>
   <p:notesSz cx="6858000" cy="9144000"/>
@@ -809,7 +813,7 @@
                   <a:spcPct val="100000"/>
                 </a:lnSpc>
               </a:pPr>
-              <a:t>11</a:t>
+              <a:t>10</a:t>
             </a:fld>
             <a:endParaRPr/>
           </a:p>
@@ -909,7 +913,7 @@
                   <a:spcPct val="100000"/>
                 </a:lnSpc>
               </a:pPr>
-              <a:t>12</a:t>
+              <a:t>11</a:t>
             </a:fld>
             <a:endParaRPr/>
           </a:p>
@@ -2034,7 +2038,7 @@
           <a:bodyPr/>
           <a:lstStyle/>
           <a:p>
-            <a:endParaRPr lang="en-US"/>
+            <a:endParaRPr lang="en-US" dirty="0"/>
           </a:p>
         </p:txBody>
       </p:sp>
@@ -2373,7 +2377,7 @@
           <a:bodyPr/>
           <a:lstStyle/>
           <a:p>
-            <a:endParaRPr lang="en-US"/>
+            <a:endParaRPr lang="en-US" dirty="0"/>
           </a:p>
         </p:txBody>
       </p:sp>
@@ -2739,7 +2743,7 @@
           <a:bodyPr/>
           <a:lstStyle/>
           <a:p>
-            <a:endParaRPr lang="en-US"/>
+            <a:endParaRPr lang="en-US" dirty="0"/>
           </a:p>
         </p:txBody>
       </p:sp>
@@ -3078,7 +3082,7 @@
           <a:bodyPr/>
           <a:lstStyle/>
           <a:p>
-            <a:endParaRPr lang="en-US"/>
+            <a:endParaRPr lang="en-US" dirty="0"/>
           </a:p>
         </p:txBody>
       </p:sp>
@@ -3496,7 +3500,7 @@
           <a:bodyPr/>
           <a:lstStyle/>
           <a:p>
-            <a:endParaRPr lang="en-US"/>
+            <a:endParaRPr lang="en-US" dirty="0"/>
           </a:p>
         </p:txBody>
       </p:sp>
@@ -3691,7 +3695,7 @@
           <a:bodyPr/>
           <a:lstStyle/>
           <a:p>
-            <a:endParaRPr lang="en-US"/>
+            <a:endParaRPr lang="en-US" dirty="0"/>
           </a:p>
         </p:txBody>
       </p:sp>
@@ -3896,7 +3900,7 @@
           <a:bodyPr/>
           <a:lstStyle/>
           <a:p>
-            <a:endParaRPr lang="en-US"/>
+            <a:endParaRPr lang="en-US" dirty="0"/>
           </a:p>
         </p:txBody>
       </p:sp>
@@ -4097,7 +4101,7 @@
           <a:bodyPr/>
           <a:lstStyle/>
           <a:p>
-            <a:endParaRPr lang="en-US"/>
+            <a:endParaRPr lang="en-US" dirty="0"/>
           </a:p>
         </p:txBody>
       </p:sp>
@@ -4369,7 +4373,7 @@
           <a:bodyPr/>
           <a:lstStyle/>
           <a:p>
-            <a:endParaRPr lang="en-US"/>
+            <a:endParaRPr lang="en-US" dirty="0"/>
           </a:p>
         </p:txBody>
       </p:sp>
@@ -4626,7 +4630,7 @@
           <a:bodyPr/>
           <a:lstStyle/>
           <a:p>
-            <a:endParaRPr lang="en-US"/>
+            <a:endParaRPr lang="en-US" dirty="0"/>
           </a:p>
         </p:txBody>
       </p:sp>
@@ -5025,7 +5029,7 @@
           <a:bodyPr/>
           <a:lstStyle/>
           <a:p>
-            <a:endParaRPr lang="en-US"/>
+            <a:endParaRPr lang="en-US" dirty="0"/>
           </a:p>
         </p:txBody>
       </p:sp>
@@ -5270,7 +5274,7 @@
           <a:bodyPr/>
           <a:lstStyle/>
           <a:p>
-            <a:endParaRPr lang="en-US"/>
+            <a:endParaRPr lang="en-US" dirty="0"/>
           </a:p>
         </p:txBody>
       </p:sp>
@@ -5550,7 +5554,7 @@
           <a:bodyPr/>
           <a:lstStyle/>
           <a:p>
-            <a:endParaRPr lang="en-US"/>
+            <a:endParaRPr lang="en-US" dirty="0"/>
           </a:p>
         </p:txBody>
       </p:sp>
@@ -5716,7 +5720,7 @@
           </a:lstStyle>
           <a:p>
             <a:r>
-              <a:rPr lang="en-US" smtClean="0"/>
+              <a:rPr lang="en-US" dirty="0" smtClean="0"/>
               <a:t>Click icon to add picture</a:t>
             </a:r>
             <a:endParaRPr lang="en-US" dirty="0"/>
@@ -5838,7 +5842,7 @@
           <a:bodyPr/>
           <a:lstStyle/>
           <a:p>
-            <a:endParaRPr lang="en-US"/>
+            <a:endParaRPr lang="en-US" dirty="0"/>
           </a:p>
         </p:txBody>
       </p:sp>
@@ -6624,7 +6628,7 @@
             </a:lvl1pPr>
           </a:lstStyle>
           <a:p>
-            <a:endParaRPr lang="en-US"/>
+            <a:endParaRPr lang="en-US" dirty="0"/>
           </a:p>
         </p:txBody>
       </p:sp>
@@ -7155,25 +7159,7 @@
                 </a:solidFill>
                 <a:latin typeface="Trebuchet MS"/>
               </a:rPr>
-              <a:t>Introduction to </a:t>
-            </a:r>
-            <a:r>
-              <a:rPr lang="en-US" sz="5400" dirty="0" err="1">
-                <a:solidFill>
-                  <a:srgbClr val="A5300F"/>
-                </a:solidFill>
-                <a:latin typeface="Trebuchet MS"/>
-              </a:rPr>
-              <a:t>Git</a:t>
-            </a:r>
-            <a:r>
-              <a:rPr lang="en-US" sz="5400" dirty="0">
-                <a:solidFill>
-                  <a:srgbClr val="A5300F"/>
-                </a:solidFill>
-                <a:latin typeface="Trebuchet MS"/>
-              </a:rPr>
-              <a:t> and </a:t>
+              <a:t>Introduction to Git and </a:t>
             </a:r>
             <a:r>
               <a:rPr lang="en-US" sz="5400" dirty="0" smtClean="0">
@@ -7319,41 +7305,157 @@
           <a:chExt cx="0" cy="0"/>
         </a:xfrm>
       </p:grpSpPr>
+      <p:sp>
+        <p:nvSpPr>
+          <p:cNvPr id="302" name="TextShape 1"/>
+          <p:cNvSpPr txBox="1"/>
+          <p:nvPr/>
+        </p:nvSpPr>
+        <p:spPr>
+          <a:xfrm>
+            <a:off x="387360" y="0"/>
+            <a:ext cx="8596440" cy="830160"/>
+          </a:xfrm>
+          <a:prstGeom prst="rect">
+            <a:avLst/>
+          </a:prstGeom>
+        </p:spPr>
+        <p:txBody>
+          <a:bodyPr/>
+          <a:lstStyle/>
+          <a:p>
+            <a:pPr>
+              <a:lnSpc>
+                <a:spcPct val="100000"/>
+              </a:lnSpc>
+            </a:pPr>
+            <a:r>
+              <a:rPr lang="en-US" sz="3600" dirty="0">
+                <a:solidFill>
+                  <a:srgbClr val="A5300F"/>
+                </a:solidFill>
+                <a:latin typeface="Trebuchet MS"/>
+              </a:rPr>
+              <a:t>Commit</a:t>
+            </a:r>
+            <a:endParaRPr dirty="0"/>
+          </a:p>
+        </p:txBody>
+      </p:sp>
+      <p:sp>
+        <p:nvSpPr>
+          <p:cNvPr id="303" name="TextShape 2"/>
+          <p:cNvSpPr txBox="1"/>
+          <p:nvPr/>
+        </p:nvSpPr>
+        <p:spPr>
+          <a:xfrm>
+            <a:off x="300240" y="667440"/>
+            <a:ext cx="10814040" cy="5537520"/>
+          </a:xfrm>
+          <a:prstGeom prst="rect">
+            <a:avLst/>
+          </a:prstGeom>
+        </p:spPr>
+        <p:txBody>
+          <a:bodyPr/>
+          <a:lstStyle/>
+          <a:p>
+            <a:pPr>
+              <a:lnSpc>
+                <a:spcPct val="100000"/>
+              </a:lnSpc>
+              <a:buSzPct val="80000"/>
+              <a:buFont typeface="Wingdings 3" charset="2"/>
+              <a:buChar char=""/>
+            </a:pPr>
+            <a:r>
+              <a:rPr lang="en-US" sz="2400" dirty="0">
+                <a:solidFill>
+                  <a:srgbClr val="000000"/>
+                </a:solidFill>
+                <a:latin typeface="Trebuchet MS"/>
+              </a:rPr>
+              <a:t>Tells Git that the current state of all your files is important</a:t>
+            </a:r>
+            <a:endParaRPr dirty="0"/>
+          </a:p>
+          <a:p>
+            <a:pPr>
+              <a:lnSpc>
+                <a:spcPct val="100000"/>
+              </a:lnSpc>
+              <a:buSzPct val="80000"/>
+              <a:buFont typeface="Wingdings 3" charset="2"/>
+              <a:buChar char=""/>
+            </a:pPr>
+            <a:r>
+              <a:rPr lang="en-US" sz="2400" dirty="0">
+                <a:solidFill>
+                  <a:srgbClr val="000000"/>
+                </a:solidFill>
+                <a:latin typeface="Trebuchet MS"/>
+              </a:rPr>
+              <a:t>Make sure that new files have been added first</a:t>
+            </a:r>
+            <a:endParaRPr dirty="0"/>
+          </a:p>
+          <a:p>
+            <a:pPr>
+              <a:lnSpc>
+                <a:spcPct val="100000"/>
+              </a:lnSpc>
+            </a:pPr>
+            <a:endParaRPr/>
+          </a:p>
+          <a:p>
+            <a:pPr>
+              <a:lnSpc>
+                <a:spcPct val="100000"/>
+              </a:lnSpc>
+            </a:pPr>
+            <a:endParaRPr/>
+          </a:p>
+          <a:p>
+            <a:endParaRPr/>
+          </a:p>
+        </p:txBody>
+      </p:sp>
       <p:pic>
         <p:nvPicPr>
-          <p:cNvPr id="299" name="Picture 2"/>
-          <p:cNvPicPr/>
+          <p:cNvPr id="8" name="Picture 7" descr="Commit, push, pull 1.png"/>
+          <p:cNvPicPr>
+            <a:picLocks noChangeAspect="1"/>
+          </p:cNvPicPr>
           <p:nvPr/>
         </p:nvPicPr>
         <p:blipFill>
-          <a:blip r:embed="rId2"/>
+          <a:blip r:embed="rId3"/>
+          <a:srcRect b="43879"/>
           <a:stretch>
             <a:fillRect/>
           </a:stretch>
         </p:blipFill>
         <p:spPr>
           <a:xfrm>
-            <a:off x="0" y="0"/>
-            <a:ext cx="12191760" cy="6857640"/>
+            <a:off x="7699" y="2085545"/>
+            <a:ext cx="12184301" cy="4772455"/>
           </a:xfrm>
           <a:prstGeom prst="rect">
             <a:avLst/>
           </a:prstGeom>
-          <a:ln>
-            <a:noFill/>
-          </a:ln>
         </p:spPr>
       </p:pic>
       <p:sp>
         <p:nvSpPr>
-          <p:cNvPr id="300" name="CustomShape 1"/>
+          <p:cNvPr id="305" name="CustomShape 3"/>
           <p:cNvSpPr/>
           <p:nvPr/>
         </p:nvSpPr>
         <p:spPr>
           <a:xfrm>
-            <a:off x="8407440" y="0"/>
-            <a:ext cx="3352320" cy="4088880"/>
+            <a:off x="8458440" y="0"/>
+            <a:ext cx="3733560" cy="3327120"/>
           </a:xfrm>
           <a:prstGeom prst="irregularSeal1">
             <a:avLst/>
@@ -7371,14 +7473,14 @@
       </p:sp>
       <p:sp>
         <p:nvSpPr>
-          <p:cNvPr id="301" name="CustomShape 2"/>
+          <p:cNvPr id="306" name="CustomShape 4"/>
           <p:cNvSpPr/>
           <p:nvPr/>
         </p:nvSpPr>
         <p:spPr>
           <a:xfrm>
-            <a:off x="8991720" y="1473120"/>
-            <a:ext cx="2260080" cy="1187640"/>
+            <a:off x="9113060" y="1221912"/>
+            <a:ext cx="2463480" cy="821880"/>
           </a:xfrm>
           <a:prstGeom prst="rect">
             <a:avLst/>
@@ -7404,11 +7506,47 @@
                 </a:solidFill>
                 <a:latin typeface="Trebuchet MS"/>
               </a:rPr>
-              <a:t>Zoom in and look at the ‘Branches’ tab</a:t>
+              <a:t>Step 1: Click on ‘Commit’</a:t>
             </a:r>
             <a:endParaRPr/>
           </a:p>
         </p:txBody>
+      </p:sp>
+      <p:sp>
+        <p:nvSpPr>
+          <p:cNvPr id="307" name="CustomShape 5"/>
+          <p:cNvSpPr/>
+          <p:nvPr/>
+        </p:nvSpPr>
+        <p:spPr>
+          <a:xfrm>
+            <a:off x="4124775" y="3143322"/>
+            <a:ext cx="406080" cy="3098520"/>
+          </a:xfrm>
+          <a:prstGeom prst="upArrow">
+            <a:avLst>
+              <a:gd name="adj1" fmla="val 50000"/>
+              <a:gd name="adj2" fmla="val 50000"/>
+            </a:avLst>
+          </a:prstGeom>
+          <a:gradFill>
+            <a:gsLst>
+              <a:gs pos="0">
+                <a:srgbClr val="962B0D"/>
+              </a:gs>
+              <a:gs pos="100000">
+                <a:srgbClr val="A94B3F"/>
+              </a:gs>
+            </a:gsLst>
+            <a:lin ang="16200000"/>
+          </a:gradFill>
+          <a:ln w="12600">
+            <a:solidFill>
+              <a:srgbClr val="A5300F"/>
+            </a:solidFill>
+            <a:round/>
+          </a:ln>
+        </p:spPr>
       </p:sp>
     </p:spTree>
   </p:cSld>
@@ -7464,155 +7602,14 @@
       </p:grpSpPr>
       <p:sp>
         <p:nvSpPr>
-          <p:cNvPr id="302" name="TextShape 1"/>
-          <p:cNvSpPr txBox="1"/>
-          <p:nvPr/>
-        </p:nvSpPr>
-        <p:spPr>
-          <a:xfrm>
-            <a:off x="387360" y="0"/>
-            <a:ext cx="8596440" cy="830160"/>
-          </a:xfrm>
-          <a:prstGeom prst="rect">
-            <a:avLst/>
-          </a:prstGeom>
-        </p:spPr>
-        <p:txBody>
-          <a:bodyPr/>
-          <a:lstStyle/>
-          <a:p>
-            <a:pPr>
-              <a:lnSpc>
-                <a:spcPct val="100000"/>
-              </a:lnSpc>
-            </a:pPr>
-            <a:r>
-              <a:rPr lang="en-US" sz="3600">
-                <a:solidFill>
-                  <a:srgbClr val="A5300F"/>
-                </a:solidFill>
-                <a:latin typeface="Trebuchet MS"/>
-              </a:rPr>
-              <a:t>Commit</a:t>
-            </a:r>
-            <a:endParaRPr/>
-          </a:p>
-        </p:txBody>
-      </p:sp>
-      <p:sp>
-        <p:nvSpPr>
-          <p:cNvPr id="303" name="TextShape 2"/>
-          <p:cNvSpPr txBox="1"/>
-          <p:nvPr/>
-        </p:nvSpPr>
-        <p:spPr>
-          <a:xfrm>
-            <a:off x="300240" y="667440"/>
-            <a:ext cx="10814040" cy="5537520"/>
-          </a:xfrm>
-          <a:prstGeom prst="rect">
-            <a:avLst/>
-          </a:prstGeom>
-        </p:spPr>
-        <p:txBody>
-          <a:bodyPr/>
-          <a:lstStyle/>
-          <a:p>
-            <a:pPr>
-              <a:lnSpc>
-                <a:spcPct val="100000"/>
-              </a:lnSpc>
-              <a:buSzPct val="80000"/>
-              <a:buFont typeface="Wingdings 3" charset="2"/>
-              <a:buChar char=""/>
-            </a:pPr>
-            <a:r>
-              <a:rPr lang="en-US" sz="2400">
-                <a:solidFill>
-                  <a:srgbClr val="000000"/>
-                </a:solidFill>
-                <a:latin typeface="Trebuchet MS"/>
-              </a:rPr>
-              <a:t>Tells Git that the current state of all your files is important</a:t>
-            </a:r>
-            <a:endParaRPr/>
-          </a:p>
-          <a:p>
-            <a:pPr>
-              <a:lnSpc>
-                <a:spcPct val="100000"/>
-              </a:lnSpc>
-              <a:buSzPct val="80000"/>
-              <a:buFont typeface="Wingdings 3" charset="2"/>
-              <a:buChar char=""/>
-            </a:pPr>
-            <a:r>
-              <a:rPr lang="en-US" sz="2400">
-                <a:solidFill>
-                  <a:srgbClr val="000000"/>
-                </a:solidFill>
-                <a:latin typeface="Trebuchet MS"/>
-              </a:rPr>
-              <a:t>Make sure that new files have been added first</a:t>
-            </a:r>
-            <a:endParaRPr/>
-          </a:p>
-          <a:p>
-            <a:pPr>
-              <a:lnSpc>
-                <a:spcPct val="100000"/>
-              </a:lnSpc>
-            </a:pPr>
-            <a:endParaRPr/>
-          </a:p>
-          <a:p>
-            <a:pPr>
-              <a:lnSpc>
-                <a:spcPct val="100000"/>
-              </a:lnSpc>
-            </a:pPr>
-            <a:endParaRPr/>
-          </a:p>
-          <a:p>
-            <a:endParaRPr/>
-          </a:p>
-        </p:txBody>
-      </p:sp>
-      <p:pic>
-        <p:nvPicPr>
-          <p:cNvPr id="304" name="Picture 3"/>
-          <p:cNvPicPr/>
-          <p:nvPr/>
-        </p:nvPicPr>
-        <p:blipFill>
-          <a:blip r:embed="rId3"/>
-          <a:stretch>
-            <a:fillRect/>
-          </a:stretch>
-        </p:blipFill>
-        <p:spPr>
-          <a:xfrm>
-            <a:off x="0" y="2203560"/>
-            <a:ext cx="12191760" cy="4654080"/>
-          </a:xfrm>
-          <a:prstGeom prst="rect">
-            <a:avLst/>
-          </a:prstGeom>
-          <a:ln>
-            <a:noFill/>
-          </a:ln>
-        </p:spPr>
-      </p:pic>
-      <p:sp>
-        <p:nvSpPr>
-          <p:cNvPr id="305" name="CustomShape 3"/>
+          <p:cNvPr id="309" name="CustomShape 1"/>
           <p:cNvSpPr/>
           <p:nvPr/>
         </p:nvSpPr>
         <p:spPr>
           <a:xfrm>
-            <a:off x="7467480" y="3530520"/>
-            <a:ext cx="3733560" cy="3327120"/>
+            <a:off x="0" y="374915"/>
+            <a:ext cx="4190760" cy="3936600"/>
           </a:xfrm>
           <a:prstGeom prst="irregularSeal1">
             <a:avLst/>
@@ -7630,14 +7627,14 @@
       </p:sp>
       <p:sp>
         <p:nvSpPr>
-          <p:cNvPr id="306" name="CustomShape 4"/>
+          <p:cNvPr id="310" name="CustomShape 2"/>
           <p:cNvSpPr/>
           <p:nvPr/>
         </p:nvSpPr>
         <p:spPr>
           <a:xfrm>
-            <a:off x="8102520" y="4724280"/>
-            <a:ext cx="2463480" cy="821880"/>
+            <a:off x="952297" y="1961172"/>
+            <a:ext cx="2209320" cy="639000"/>
           </a:xfrm>
           <a:prstGeom prst="rect">
             <a:avLst/>
@@ -7657,54 +7654,42 @@
               </a:lnSpc>
             </a:pPr>
             <a:r>
-              <a:rPr lang="en-ZA" sz="2400" b="1">
+              <a:rPr lang="en-ZA" sz="3600" b="1">
                 <a:solidFill>
                   <a:srgbClr val="000000"/>
                 </a:solidFill>
                 <a:latin typeface="Trebuchet MS"/>
               </a:rPr>
-              <a:t>Step 1: Click on ‘Commit’</a:t>
+              <a:t>Step 2</a:t>
             </a:r>
             <a:endParaRPr/>
           </a:p>
         </p:txBody>
       </p:sp>
-      <p:sp>
-        <p:nvSpPr>
-          <p:cNvPr id="307" name="CustomShape 5"/>
-          <p:cNvSpPr/>
+      <p:pic>
+        <p:nvPicPr>
+          <p:cNvPr id="5" name="Picture 4" descr="Commit 2.png"/>
+          <p:cNvPicPr>
+            <a:picLocks noChangeAspect="1"/>
+          </p:cNvPicPr>
           <p:nvPr/>
-        </p:nvSpPr>
+        </p:nvPicPr>
+        <p:blipFill>
+          <a:blip r:embed="rId3"/>
+          <a:stretch>
+            <a:fillRect/>
+          </a:stretch>
+        </p:blipFill>
         <p:spPr>
           <a:xfrm>
-            <a:off x="4394160" y="3124080"/>
-            <a:ext cx="406080" cy="3098520"/>
-          </a:xfrm>
-          <a:prstGeom prst="upArrow">
-            <a:avLst>
-              <a:gd name="adj1" fmla="val 50000"/>
-              <a:gd name="adj2" fmla="val 50000"/>
-            </a:avLst>
+            <a:off x="4338283" y="0"/>
+            <a:ext cx="7853717" cy="6858000"/>
+          </a:xfrm>
+          <a:prstGeom prst="rect">
+            <a:avLst/>
           </a:prstGeom>
-          <a:gradFill>
-            <a:gsLst>
-              <a:gs pos="0">
-                <a:srgbClr val="962B0D"/>
-              </a:gs>
-              <a:gs pos="100000">
-                <a:srgbClr val="A94B3F"/>
-              </a:gs>
-            </a:gsLst>
-            <a:lin ang="16200000"/>
-          </a:gradFill>
-          <a:ln w="12600">
-            <a:solidFill>
-              <a:srgbClr val="A5300F"/>
-            </a:solidFill>
-            <a:round/>
-          </a:ln>
-        </p:spPr>
-      </p:sp>
+        </p:spPr>
+      </p:pic>
     </p:spTree>
   </p:cSld>
   <p:clrMapOvr>
@@ -7759,39 +7744,38 @@
       </p:grpSpPr>
       <p:pic>
         <p:nvPicPr>
-          <p:cNvPr id="308" name="Picture 12"/>
-          <p:cNvPicPr/>
+          <p:cNvPr id="5" name="Picture 4" descr="Commit 3.png"/>
+          <p:cNvPicPr>
+            <a:picLocks noChangeAspect="1"/>
+          </p:cNvPicPr>
           <p:nvPr/>
         </p:nvPicPr>
         <p:blipFill>
-          <a:blip r:embed="rId3"/>
+          <a:blip r:embed="rId2"/>
           <a:stretch>
             <a:fillRect/>
           </a:stretch>
         </p:blipFill>
         <p:spPr>
           <a:xfrm>
-            <a:off x="0" y="0"/>
-            <a:ext cx="12191760" cy="6857640"/>
+            <a:off x="0" y="2201007"/>
+            <a:ext cx="12213041" cy="4656993"/>
           </a:xfrm>
           <a:prstGeom prst="rect">
             <a:avLst/>
           </a:prstGeom>
-          <a:ln>
-            <a:noFill/>
-          </a:ln>
         </p:spPr>
       </p:pic>
       <p:sp>
         <p:nvSpPr>
-          <p:cNvPr id="309" name="CustomShape 1"/>
+          <p:cNvPr id="312" name="CustomShape 1"/>
           <p:cNvSpPr/>
           <p:nvPr/>
         </p:nvSpPr>
         <p:spPr>
           <a:xfrm>
-            <a:off x="7670880" y="1625760"/>
-            <a:ext cx="4190760" cy="3936600"/>
+            <a:off x="5867880" y="0"/>
+            <a:ext cx="6324120" cy="3428640"/>
           </a:xfrm>
           <a:prstGeom prst="irregularSeal1">
             <a:avLst/>
@@ -7809,14 +7793,14 @@
       </p:sp>
       <p:sp>
         <p:nvSpPr>
-          <p:cNvPr id="310" name="CustomShape 2"/>
+          <p:cNvPr id="313" name="CustomShape 2"/>
           <p:cNvSpPr/>
           <p:nvPr/>
         </p:nvSpPr>
         <p:spPr>
           <a:xfrm>
-            <a:off x="8610480" y="3327480"/>
-            <a:ext cx="2209320" cy="639000"/>
+            <a:off x="7245224" y="927328"/>
+            <a:ext cx="3530160" cy="1553400"/>
           </a:xfrm>
           <a:prstGeom prst="rect">
             <a:avLst/>
@@ -7836,13 +7820,13 @@
               </a:lnSpc>
             </a:pPr>
             <a:r>
-              <a:rPr lang="en-ZA" sz="3600" b="1">
+              <a:rPr lang="en-ZA" sz="2400" b="1">
                 <a:solidFill>
                   <a:srgbClr val="000000"/>
                 </a:solidFill>
                 <a:latin typeface="Trebuchet MS"/>
               </a:rPr>
-              <a:t>Step 2</a:t>
+              <a:t>Step 3: View the Output Tab to confirm changes have been ‘Committed’</a:t>
             </a:r>
             <a:endParaRPr/>
           </a:p>
@@ -7902,8 +7886,10 @@
       </p:grpSpPr>
       <p:pic>
         <p:nvPicPr>
-          <p:cNvPr id="311" name="Picture 1"/>
-          <p:cNvPicPr/>
+          <p:cNvPr id="5" name="Picture 4" descr="Branches.png"/>
+          <p:cNvPicPr>
+            <a:picLocks noChangeAspect="1"/>
+          </p:cNvPicPr>
           <p:nvPr/>
         </p:nvPicPr>
         <p:blipFill>
@@ -7914,27 +7900,24 @@
         </p:blipFill>
         <p:spPr>
           <a:xfrm>
-            <a:off x="0" y="0"/>
-            <a:ext cx="12191760" cy="6857640"/>
+            <a:off x="0" y="-1"/>
+            <a:ext cx="12192000" cy="4614203"/>
           </a:xfrm>
           <a:prstGeom prst="rect">
             <a:avLst/>
           </a:prstGeom>
-          <a:ln>
-            <a:noFill/>
-          </a:ln>
         </p:spPr>
       </p:pic>
       <p:sp>
         <p:nvSpPr>
-          <p:cNvPr id="312" name="CustomShape 1"/>
+          <p:cNvPr id="300" name="CustomShape 1"/>
           <p:cNvSpPr/>
           <p:nvPr/>
         </p:nvSpPr>
         <p:spPr>
           <a:xfrm>
-            <a:off x="355680" y="0"/>
-            <a:ext cx="6324120" cy="3428640"/>
+            <a:off x="537599" y="3983460"/>
+            <a:ext cx="3352320" cy="2874539"/>
           </a:xfrm>
           <a:prstGeom prst="irregularSeal1">
             <a:avLst/>
@@ -7952,14 +7935,14 @@
       </p:sp>
       <p:sp>
         <p:nvSpPr>
-          <p:cNvPr id="313" name="CustomShape 2"/>
+          <p:cNvPr id="301" name="CustomShape 2"/>
           <p:cNvSpPr/>
           <p:nvPr/>
         </p:nvSpPr>
         <p:spPr>
           <a:xfrm>
-            <a:off x="1600200" y="888840"/>
-            <a:ext cx="3530160" cy="1553400"/>
+            <a:off x="1064153" y="4783049"/>
+            <a:ext cx="2260080" cy="1187640"/>
           </a:xfrm>
           <a:prstGeom prst="rect">
             <a:avLst/>
@@ -7985,7 +7968,7 @@
                 </a:solidFill>
                 <a:latin typeface="Trebuchet MS"/>
               </a:rPr>
-              <a:t>Step 3: View the Output Tab to confirm changes have been ‘Committed’</a:t>
+              <a:t>Zoom in and look at the ‘Branches’ tab</a:t>
             </a:r>
             <a:endParaRPr/>
           </a:p>
@@ -8068,7 +8051,7 @@
               </a:lnSpc>
             </a:pPr>
             <a:r>
-              <a:rPr lang="en-US" sz="3600">
+              <a:rPr lang="en-US" sz="3600" dirty="0">
                 <a:solidFill>
                   <a:srgbClr val="A5300F"/>
                 </a:solidFill>
@@ -8076,7 +8059,7 @@
               </a:rPr>
               <a:t>Push/Pull</a:t>
             </a:r>
-            <a:endParaRPr/>
+            <a:endParaRPr dirty="0"/>
           </a:p>
         </p:txBody>
       </p:sp>
@@ -8150,31 +8133,6 @@
           </a:p>
         </p:txBody>
       </p:sp>
-      <p:pic>
-        <p:nvPicPr>
-          <p:cNvPr id="316" name="Picture 13"/>
-          <p:cNvPicPr/>
-          <p:nvPr/>
-        </p:nvPicPr>
-        <p:blipFill>
-          <a:blip r:embed="rId3"/>
-          <a:stretch>
-            <a:fillRect/>
-          </a:stretch>
-        </p:blipFill>
-        <p:spPr>
-          <a:xfrm>
-            <a:off x="0" y="1822320"/>
-            <a:ext cx="12191760" cy="5035320"/>
-          </a:xfrm>
-          <a:prstGeom prst="rect">
-            <a:avLst/>
-          </a:prstGeom>
-          <a:ln>
-            <a:noFill/>
-          </a:ln>
-        </p:spPr>
-      </p:pic>
       <p:sp>
         <p:nvSpPr>
           <p:cNvPr id="317" name="CustomShape 3"/>
@@ -8183,7 +8141,7 @@
         </p:nvSpPr>
         <p:spPr>
           <a:xfrm>
-            <a:off x="7467480" y="3530520"/>
+            <a:off x="8458440" y="2298919"/>
             <a:ext cx="3733560" cy="3327120"/>
           </a:xfrm>
           <a:prstGeom prst="irregularSeal1">
@@ -8208,7 +8166,7 @@
         </p:nvSpPr>
         <p:spPr>
           <a:xfrm>
-            <a:off x="8102520" y="4724280"/>
+            <a:off x="9083845" y="3531167"/>
             <a:ext cx="2463480" cy="821880"/>
           </a:xfrm>
           <a:prstGeom prst="rect">
@@ -8241,6 +8199,31 @@
           </a:p>
         </p:txBody>
       </p:sp>
+      <p:pic>
+        <p:nvPicPr>
+          <p:cNvPr id="8" name="Picture 7" descr="Commit, push, pull 1.png"/>
+          <p:cNvPicPr>
+            <a:picLocks noChangeAspect="1"/>
+          </p:cNvPicPr>
+          <p:nvPr/>
+        </p:nvPicPr>
+        <p:blipFill>
+          <a:blip r:embed="rId3"/>
+          <a:srcRect r="45068" b="51175"/>
+          <a:stretch>
+            <a:fillRect/>
+          </a:stretch>
+        </p:blipFill>
+        <p:spPr>
+          <a:xfrm>
+            <a:off x="0" y="1866646"/>
+            <a:ext cx="8043016" cy="4989439"/>
+          </a:xfrm>
+          <a:prstGeom prst="rect">
+            <a:avLst/>
+          </a:prstGeom>
+        </p:spPr>
+      </p:pic>
       <p:sp>
         <p:nvSpPr>
           <p:cNvPr id="319" name="CustomShape 5"/>
@@ -8249,7 +8232,7 @@
         </p:nvSpPr>
         <p:spPr>
           <a:xfrm>
-            <a:off x="1676520" y="2768760"/>
+            <a:off x="1580311" y="3213710"/>
             <a:ext cx="406080" cy="3098520"/>
           </a:xfrm>
           <a:prstGeom prst="upArrow">
@@ -8331,8 +8314,10 @@
       </p:grpSpPr>
       <p:pic>
         <p:nvPicPr>
-          <p:cNvPr id="320" name="Picture 1"/>
-          <p:cNvPicPr/>
+          <p:cNvPr id="5" name="Picture 4" descr="Push 2.png"/>
+          <p:cNvPicPr>
+            <a:picLocks noChangeAspect="1"/>
+          </p:cNvPicPr>
           <p:nvPr/>
         </p:nvPicPr>
         <p:blipFill>
@@ -8344,14 +8329,11 @@
         <p:spPr>
           <a:xfrm>
             <a:off x="0" y="0"/>
-            <a:ext cx="12191760" cy="6857640"/>
+            <a:ext cx="12192000" cy="4988978"/>
           </a:xfrm>
           <a:prstGeom prst="rect">
             <a:avLst/>
           </a:prstGeom>
-          <a:ln>
-            <a:noFill/>
-          </a:ln>
         </p:spPr>
       </p:pic>
       <p:sp>
@@ -8362,7 +8344,7 @@
         </p:nvSpPr>
         <p:spPr>
           <a:xfrm>
-            <a:off x="1320840" y="3454560"/>
+            <a:off x="2398373" y="3810240"/>
             <a:ext cx="3860280" cy="3047760"/>
           </a:xfrm>
           <a:prstGeom prst="irregularSeal1">
@@ -8395,7 +8377,7 @@
         </p:nvSpPr>
         <p:spPr>
           <a:xfrm>
-            <a:off x="2082960" y="4495680"/>
+            <a:off x="3184305" y="4976775"/>
             <a:ext cx="2184120" cy="639000"/>
           </a:xfrm>
           <a:prstGeom prst="rect">
@@ -8488,6 +8470,7 @@
         </p:nvPicPr>
         <p:blipFill>
           <a:blip r:embed="rId2"/>
+          <a:srcRect r="21561" b="10488"/>
           <a:stretch>
             <a:fillRect/>
           </a:stretch>
@@ -8495,7 +8478,7 @@
         <p:spPr>
           <a:xfrm>
             <a:off x="0" y="0"/>
-            <a:ext cx="12191760" cy="6857640"/>
+            <a:ext cx="9005099" cy="6858000"/>
           </a:xfrm>
           <a:prstGeom prst="rect">
             <a:avLst/>
@@ -8513,8 +8496,8 @@
         </p:nvSpPr>
         <p:spPr>
           <a:xfrm>
-            <a:off x="8915400" y="0"/>
-            <a:ext cx="3276360" cy="6857640"/>
+            <a:off x="8119983" y="0"/>
+            <a:ext cx="4072017" cy="6292714"/>
           </a:xfrm>
           <a:prstGeom prst="irregularSeal1">
             <a:avLst/>
@@ -8538,7 +8521,7 @@
         </p:nvSpPr>
         <p:spPr>
           <a:xfrm>
-            <a:off x="9659520" y="1901520"/>
+            <a:off x="9236203" y="1632107"/>
             <a:ext cx="1777680" cy="3016440"/>
           </a:xfrm>
           <a:prstGeom prst="rect">
@@ -8565,7 +8548,7 @@
                 </a:solidFill>
                 <a:latin typeface="Trebuchet MS"/>
               </a:rPr>
-              <a:t>Step 3: You may have to enter your GitHub Username and Password!</a:t>
+              <a:t>Step 3: You may have to enter your GitHub username and password!</a:t>
             </a:r>
             <a:endParaRPr/>
           </a:p>
@@ -8623,48 +8606,24 @@
           <a:chExt cx="0" cy="0"/>
         </a:xfrm>
       </p:grpSpPr>
-      <p:sp>
-        <p:nvSpPr>
-          <p:cNvPr id="2" name="Title 1"/>
-          <p:cNvSpPr>
-            <a:spLocks noGrp="1"/>
-          </p:cNvSpPr>
-          <p:nvPr>
-            <p:ph type="title"/>
-          </p:nvPr>
-        </p:nvSpPr>
-        <p:spPr/>
-        <p:txBody>
-          <a:bodyPr/>
-          <a:lstStyle/>
-          <a:p>
-            <a:r>
-              <a:rPr lang="en-US" dirty="0" smtClean="0"/>
-              <a:t>Pull</a:t>
-            </a:r>
-            <a:endParaRPr lang="en-US" dirty="0"/>
-          </a:p>
-        </p:txBody>
-      </p:sp>
       <p:pic>
         <p:nvPicPr>
-          <p:cNvPr id="4" name="Content Placeholder 3"/>
+          <p:cNvPr id="2" name="Picture 1" descr="Push 3.png"/>
           <p:cNvPicPr>
-            <a:picLocks noGrp="1" noChangeAspect="1"/>
+            <a:picLocks noChangeAspect="1"/>
           </p:cNvPicPr>
-          <p:nvPr>
-            <p:ph idx="1"/>
-          </p:nvPr>
+          <p:nvPr/>
         </p:nvPicPr>
-        <p:blipFill rotWithShape="1">
+        <p:blipFill>
           <a:blip r:embed="rId2"/>
-          <a:srcRect b="24826"/>
-          <a:stretch/>
+          <a:stretch>
+            <a:fillRect/>
+          </a:stretch>
         </p:blipFill>
         <p:spPr>
           <a:xfrm>
-            <a:off x="0" y="1244740"/>
-            <a:ext cx="12192000" cy="5613259"/>
+            <a:off x="9530" y="0"/>
+            <a:ext cx="12182470" cy="4560774"/>
           </a:xfrm>
           <a:prstGeom prst="rect">
             <a:avLst/>
@@ -8673,67 +8632,27 @@
       </p:pic>
       <p:sp>
         <p:nvSpPr>
-          <p:cNvPr id="5" name="Up Arrow 4"/>
+          <p:cNvPr id="3" name="Explosion 1 2"/>
           <p:cNvSpPr/>
           <p:nvPr/>
         </p:nvSpPr>
         <p:spPr>
           <a:xfrm>
-            <a:off x="214775" y="2255874"/>
-            <a:ext cx="166468" cy="1944077"/>
-          </a:xfrm>
-          <a:prstGeom prst="upArrow">
-            <a:avLst/>
-          </a:prstGeom>
-        </p:spPr>
-        <p:style>
-          <a:lnRef idx="1">
-            <a:schemeClr val="accent1"/>
-          </a:lnRef>
-          <a:fillRef idx="3">
-            <a:schemeClr val="accent1"/>
-          </a:fillRef>
-          <a:effectRef idx="2">
-            <a:schemeClr val="accent1"/>
-          </a:effectRef>
-          <a:fontRef idx="minor">
-            <a:schemeClr val="lt1"/>
-          </a:fontRef>
-        </p:style>
-        <p:txBody>
-          <a:bodyPr rtlCol="0" anchor="ctr"/>
-          <a:lstStyle/>
-          <a:p>
-            <a:pPr algn="ctr"/>
-            <a:endParaRPr lang="en-US"/>
-          </a:p>
-        </p:txBody>
-      </p:sp>
-      <p:sp>
-        <p:nvSpPr>
-          <p:cNvPr id="6" name="Explosion 1 5"/>
-          <p:cNvSpPr/>
-          <p:nvPr/>
-        </p:nvSpPr>
-        <p:spPr>
-          <a:xfrm>
-            <a:off x="5540202" y="2922365"/>
-            <a:ext cx="3733800" cy="3327400"/>
+            <a:off x="7169925" y="2905810"/>
+            <a:ext cx="5022075" cy="3952190"/>
           </a:xfrm>
           <a:prstGeom prst="irregularSeal1">
             <a:avLst/>
           </a:prstGeom>
         </p:spPr>
         <p:style>
-          <a:lnRef idx="2">
-            <a:schemeClr val="accent3">
-              <a:shade val="50000"/>
-            </a:schemeClr>
+          <a:lnRef idx="1">
+            <a:schemeClr val="accent3"/>
           </a:lnRef>
-          <a:fillRef idx="1">
+          <a:fillRef idx="3">
             <a:schemeClr val="accent3"/>
           </a:fillRef>
-          <a:effectRef idx="0">
+          <a:effectRef idx="2">
             <a:schemeClr val="accent3"/>
           </a:effectRef>
           <a:fontRef idx="minor">
@@ -8745,36 +8664,46 @@
           <a:lstStyle/>
           <a:p>
             <a:pPr algn="ctr"/>
-            <a:r>
-              <a:rPr lang="en-US" sz="2400" b="1" dirty="0">
-                <a:solidFill>
-                  <a:schemeClr val="tx1"/>
+            <a:endParaRPr lang="en-US" dirty="0"/>
+          </a:p>
+        </p:txBody>
+      </p:sp>
+      <p:sp>
+        <p:nvSpPr>
+          <p:cNvPr id="4" name="TextBox 3"/>
+          <p:cNvSpPr txBox="1"/>
+          <p:nvPr/>
+        </p:nvSpPr>
+        <p:spPr>
+          <a:xfrm>
+            <a:off x="8466333" y="4060436"/>
+            <a:ext cx="2462933" cy="1631216"/>
+          </a:xfrm>
+          <a:prstGeom prst="rect">
+            <a:avLst/>
+          </a:prstGeom>
+          <a:noFill/>
+        </p:spPr>
+        <p:txBody>
+          <a:bodyPr wrap="square" rtlCol="0">
+            <a:spAutoFit/>
+          </a:bodyPr>
+          <a:lstStyle/>
+          <a:p>
+            <a:pPr algn="ctr"/>
+            <a:r>
+              <a:rPr lang="en-ZA" sz="2000" b="1">
+                <a:solidFill>
+                  <a:srgbClr val="000000"/>
                 </a:solidFill>
               </a:rPr>
-              <a:t>Step 1: Click on </a:t>
-            </a:r>
-            <a:r>
-              <a:rPr lang="en-US" sz="2400" b="1" dirty="0" smtClean="0">
-                <a:solidFill>
-                  <a:schemeClr val="tx1"/>
-                </a:solidFill>
-              </a:rPr>
-              <a:t>‘Pull’</a:t>
-            </a:r>
-            <a:endParaRPr lang="en-US" sz="2400" b="1" dirty="0">
-              <a:solidFill>
-                <a:schemeClr val="tx1"/>
-              </a:solidFill>
-            </a:endParaRPr>
+              <a:t>Step 4: View the Output Tab to confirm your updated files were pushed to GitHub</a:t>
+            </a:r>
+            <a:endParaRPr lang="en-US" sz="2000" dirty="0"/>
           </a:p>
         </p:txBody>
       </p:sp>
     </p:spTree>
-    <p:extLst>
-      <p:ext uri="{BB962C8B-B14F-4D97-AF65-F5344CB8AC3E}">
-        <p14:creationId xmlns:p14="http://schemas.microsoft.com/office/powerpoint/2010/main" xmlns:p="http://schemas.openxmlformats.org/presentationml/2006/main" xmlns:r="http://schemas.openxmlformats.org/officeDocument/2006/relationships" xmlns:a="http://schemas.openxmlformats.org/drawingml/2006/main" xmlns="" val="1926353899"/>
-      </p:ext>
-    </p:extLst>
   </p:cSld>
   <p:clrMapOvr>
     <a:masterClrMapping/>
@@ -8806,25 +8735,50 @@
           <a:chExt cx="0" cy="0"/>
         </a:xfrm>
       </p:grpSpPr>
+      <p:sp>
+        <p:nvSpPr>
+          <p:cNvPr id="2" name="Title 1"/>
+          <p:cNvSpPr>
+            <a:spLocks noGrp="1"/>
+          </p:cNvSpPr>
+          <p:nvPr>
+            <p:ph type="title"/>
+          </p:nvPr>
+        </p:nvSpPr>
+        <p:spPr/>
+        <p:txBody>
+          <a:bodyPr>
+            <a:normAutofit/>
+          </a:bodyPr>
+          <a:lstStyle/>
+          <a:p>
+            <a:r>
+              <a:rPr lang="en-US" sz="4000" dirty="0" smtClean="0"/>
+              <a:t>Pull</a:t>
+            </a:r>
+            <a:endParaRPr lang="en-US" sz="4000" dirty="0"/>
+          </a:p>
+        </p:txBody>
+      </p:sp>
       <p:pic>
         <p:nvPicPr>
-          <p:cNvPr id="6" name="Content Placeholder 5"/>
+          <p:cNvPr id="8" name="Picture 7" descr="Commit, push, pull 1.png"/>
           <p:cNvPicPr>
-            <a:picLocks noGrp="1" noChangeAspect="1"/>
+            <a:picLocks noChangeAspect="1"/>
           </p:cNvPicPr>
-          <p:nvPr>
-            <p:ph idx="1"/>
-          </p:nvPr>
+          <p:nvPr/>
         </p:nvPicPr>
-        <p:blipFill rotWithShape="1">
+        <p:blipFill>
           <a:blip r:embed="rId2"/>
-          <a:srcRect b="45122"/>
-          <a:stretch/>
+          <a:srcRect r="48303" b="45282"/>
+          <a:stretch>
+            <a:fillRect/>
+          </a:stretch>
         </p:blipFill>
         <p:spPr>
           <a:xfrm>
-            <a:off x="0" y="0"/>
-            <a:ext cx="12192000" cy="6858000"/>
+            <a:off x="2847766" y="0"/>
+            <a:ext cx="9344234" cy="6902748"/>
           </a:xfrm>
           <a:prstGeom prst="rect">
             <a:avLst/>
@@ -8833,13 +8787,51 @@
       </p:pic>
       <p:sp>
         <p:nvSpPr>
-          <p:cNvPr id="8" name="Explosion 1 7"/>
+          <p:cNvPr id="5" name="Up Arrow 4"/>
           <p:cNvSpPr/>
           <p:nvPr/>
         </p:nvSpPr>
         <p:spPr>
           <a:xfrm>
-            <a:off x="8458200" y="2668115"/>
+            <a:off x="3139506" y="1524610"/>
+            <a:ext cx="381717" cy="1944077"/>
+          </a:xfrm>
+          <a:prstGeom prst="upArrow">
+            <a:avLst/>
+          </a:prstGeom>
+        </p:spPr>
+        <p:style>
+          <a:lnRef idx="1">
+            <a:schemeClr val="accent1"/>
+          </a:lnRef>
+          <a:fillRef idx="3">
+            <a:schemeClr val="accent1"/>
+          </a:fillRef>
+          <a:effectRef idx="2">
+            <a:schemeClr val="accent1"/>
+          </a:effectRef>
+          <a:fontRef idx="minor">
+            <a:schemeClr val="lt1"/>
+          </a:fontRef>
+        </p:style>
+        <p:txBody>
+          <a:bodyPr rtlCol="0" anchor="ctr"/>
+          <a:lstStyle/>
+          <a:p>
+            <a:pPr algn="ctr"/>
+            <a:endParaRPr lang="en-US" dirty="0"/>
+          </a:p>
+        </p:txBody>
+      </p:sp>
+      <p:sp>
+        <p:nvSpPr>
+          <p:cNvPr id="6" name="Explosion 1 5"/>
+          <p:cNvSpPr/>
+          <p:nvPr/>
+        </p:nvSpPr>
+        <p:spPr>
+          <a:xfrm>
+            <a:off x="7829961" y="3164968"/>
             <a:ext cx="3733800" cy="3327400"/>
           </a:xfrm>
           <a:prstGeom prst="irregularSeal1">
@@ -8873,7 +8865,7 @@
                   <a:schemeClr val="tx1"/>
                 </a:solidFill>
               </a:rPr>
-              <a:t>Step 2: In the dialogue box, click </a:t>
+              <a:t>Step 1: Click on </a:t>
             </a:r>
             <a:r>
               <a:rPr lang="en-US" sz="2400" b="1" dirty="0" smtClean="0">
@@ -8894,7 +8886,7 @@
     </p:spTree>
     <p:extLst>
       <p:ext uri="{BB962C8B-B14F-4D97-AF65-F5344CB8AC3E}">
-        <p14:creationId xmlns:p14="http://schemas.microsoft.com/office/powerpoint/2010/main" xmlns:p="http://schemas.openxmlformats.org/presentationml/2006/main" xmlns:r="http://schemas.openxmlformats.org/officeDocument/2006/relationships" xmlns:a="http://schemas.openxmlformats.org/drawingml/2006/main" xmlns="" val="2664379960"/>
+        <p14:creationId xmlns:p14="http://schemas.microsoft.com/office/powerpoint/2010/main" xmlns:p="http://schemas.openxmlformats.org/presentationml/2006/main" xmlns:r="http://schemas.openxmlformats.org/officeDocument/2006/relationships" xmlns:a="http://schemas.openxmlformats.org/drawingml/2006/main" xmlns="" val="1926353899"/>
       </p:ext>
     </p:extLst>
   </p:cSld>
@@ -8928,16 +8920,137 @@
           <a:chExt cx="0" cy="0"/>
         </a:xfrm>
       </p:grpSpPr>
-      <p:sp>
-        <p:nvSpPr>
-          <p:cNvPr id="332" name="TextShape 1"/>
+      <p:pic>
+        <p:nvPicPr>
+          <p:cNvPr id="5" name="Picture 4" descr="Pull 2.png"/>
+          <p:cNvPicPr>
+            <a:picLocks noChangeAspect="1"/>
+          </p:cNvPicPr>
+          <p:nvPr/>
+        </p:nvPicPr>
+        <p:blipFill>
+          <a:blip r:embed="rId2"/>
+          <a:stretch>
+            <a:fillRect/>
+          </a:stretch>
+        </p:blipFill>
+        <p:spPr>
+          <a:xfrm>
+            <a:off x="0" y="-1"/>
+            <a:ext cx="11335375" cy="5830865"/>
+          </a:xfrm>
+          <a:prstGeom prst="rect">
+            <a:avLst/>
+          </a:prstGeom>
+        </p:spPr>
+      </p:pic>
+      <p:sp>
+        <p:nvSpPr>
+          <p:cNvPr id="8" name="Explosion 1 7"/>
+          <p:cNvSpPr/>
+          <p:nvPr/>
+        </p:nvSpPr>
+        <p:spPr>
+          <a:xfrm>
+            <a:off x="8458200" y="538826"/>
+            <a:ext cx="3733800" cy="3259414"/>
+          </a:xfrm>
+          <a:prstGeom prst="irregularSeal1">
+            <a:avLst/>
+          </a:prstGeom>
+        </p:spPr>
+        <p:style>
+          <a:lnRef idx="2">
+            <a:schemeClr val="accent3">
+              <a:shade val="50000"/>
+            </a:schemeClr>
+          </a:lnRef>
+          <a:fillRef idx="1">
+            <a:schemeClr val="accent3"/>
+          </a:fillRef>
+          <a:effectRef idx="0">
+            <a:schemeClr val="accent3"/>
+          </a:effectRef>
+          <a:fontRef idx="minor">
+            <a:schemeClr val="lt1"/>
+          </a:fontRef>
+        </p:style>
+        <p:txBody>
+          <a:bodyPr rtlCol="0" anchor="ctr"/>
+          <a:lstStyle/>
+          <a:p>
+            <a:pPr algn="ctr"/>
+            <a:r>
+              <a:rPr lang="en-US" sz="2000" b="1" dirty="0">
+                <a:solidFill>
+                  <a:schemeClr val="tx1"/>
+                </a:solidFill>
+              </a:rPr>
+              <a:t>Step 2: In the dialogue box, click </a:t>
+            </a:r>
+            <a:r>
+              <a:rPr lang="en-US" sz="2000" b="1" dirty="0" smtClean="0">
+                <a:solidFill>
+                  <a:schemeClr val="tx1"/>
+                </a:solidFill>
+              </a:rPr>
+              <a:t>‘Rebase’ and ‘Configure’</a:t>
+            </a:r>
+            <a:endParaRPr lang="en-US" sz="2000" b="1" dirty="0">
+              <a:solidFill>
+                <a:schemeClr val="tx1"/>
+              </a:solidFill>
+            </a:endParaRPr>
+          </a:p>
+        </p:txBody>
+      </p:sp>
+    </p:spTree>
+    <p:extLst>
+      <p:ext uri="{BB962C8B-B14F-4D97-AF65-F5344CB8AC3E}">
+        <p14:creationId xmlns:p14="http://schemas.microsoft.com/office/powerpoint/2010/main" xmlns:p="http://schemas.openxmlformats.org/presentationml/2006/main" xmlns:r="http://schemas.openxmlformats.org/officeDocument/2006/relationships" xmlns:a="http://schemas.openxmlformats.org/drawingml/2006/main" xmlns="" val="2664379960"/>
+      </p:ext>
+    </p:extLst>
+  </p:cSld>
+  <p:clrMapOvr>
+    <a:masterClrMapping/>
+  </p:clrMapOvr>
+  <p:timing>
+    <p:tnLst>
+      <p:par>
+        <p:cTn id="1" dur="indefinite" restart="never" nodeType="tmRoot"/>
+      </p:par>
+    </p:tnLst>
+  </p:timing>
+</p:sld>
+</file>
+
+<file path=ppt/slides/slide2.xml><?xml version="1.0" encoding="utf-8"?>
+<p:sld xmlns:a="http://schemas.openxmlformats.org/drawingml/2006/main" xmlns:r="http://schemas.openxmlformats.org/officeDocument/2006/relationships" xmlns:mc="http://schemas.openxmlformats.org/markup-compatibility/2006" xmlns:mv="urn:schemas-microsoft-com:mac:vml" xmlns:p="http://schemas.openxmlformats.org/presentationml/2006/main" mc:Ignorable="mv" mc:PreserveAttributes="mv:*">
+  <p:cSld>
+    <p:spTree>
+      <p:nvGrpSpPr>
+        <p:cNvPr id="1" name=""/>
+        <p:cNvGrpSpPr/>
+        <p:nvPr/>
+      </p:nvGrpSpPr>
+      <p:grpSpPr>
+        <a:xfrm>
+          <a:off x="0" y="0"/>
+          <a:ext cx="0" cy="0"/>
+          <a:chOff x="0" y="0"/>
+          <a:chExt cx="0" cy="0"/>
+        </a:xfrm>
+      </p:grpSpPr>
+      <p:sp>
+        <p:nvSpPr>
+          <p:cNvPr id="263" name="TextShape 1"/>
           <p:cNvSpPr txBox="1"/>
           <p:nvPr/>
         </p:nvSpPr>
         <p:spPr>
           <a:xfrm>
-            <a:off x="0" y="304920"/>
-            <a:ext cx="8596440" cy="1320480"/>
+            <a:off x="637560" y="1919160"/>
+            <a:ext cx="8596440" cy="875880"/>
           </a:xfrm>
           <a:prstGeom prst="rect">
             <a:avLst/>
@@ -8953,13 +9066,13 @@
               </a:lnSpc>
             </a:pPr>
             <a:r>
-              <a:rPr lang="en-US" sz="3600">
+              <a:rPr lang="en-US" sz="3600" dirty="0">
                 <a:solidFill>
                   <a:srgbClr val="A5300F"/>
                 </a:solidFill>
                 <a:latin typeface="Trebuchet MS"/>
               </a:rPr>
-              <a:t>Your GitHub Wiki, Profile and more</a:t>
+              <a:t>Why version control?</a:t>
             </a:r>
             <a:endParaRPr/>
           </a:p>
@@ -8967,14 +9080,14 @@
       </p:sp>
       <p:sp>
         <p:nvSpPr>
-          <p:cNvPr id="333" name="TextShape 2"/>
+          <p:cNvPr id="264" name="TextShape 2"/>
           <p:cNvSpPr txBox="1"/>
           <p:nvPr/>
         </p:nvSpPr>
         <p:spPr>
           <a:xfrm>
-            <a:off x="0" y="1164240"/>
-            <a:ext cx="6273360" cy="5693400"/>
+            <a:off x="717120" y="2764440"/>
+            <a:ext cx="8596440" cy="4430520"/>
           </a:xfrm>
           <a:prstGeom prst="rect">
             <a:avLst/>
@@ -8999,86 +9112,8 @@
                 </a:solidFill>
                 <a:latin typeface="Trebuchet MS"/>
               </a:rPr>
-              <a:t>Create a </a:t>
-            </a:r>
-            <a:r>
-              <a:rPr lang="en-US" sz="2400" dirty="0">
-                <a:solidFill>
-                  <a:srgbClr val="0000C0"/>
-                </a:solidFill>
-                <a:latin typeface="Trebuchet MS"/>
-              </a:rPr>
-              <a:t>wiki page</a:t>
-            </a:r>
-            <a:endParaRPr dirty="0"/>
-          </a:p>
-          <a:p>
-            <a:pPr lvl="1">
-              <a:lnSpc>
-                <a:spcPct val="100000"/>
-              </a:lnSpc>
-              <a:buSzPct val="80000"/>
-              <a:buFont typeface="Wingdings 3" charset="2"/>
-              <a:buChar char=""/>
-            </a:pPr>
-            <a:r>
-              <a:rPr lang="en-US" sz="2400" dirty="0">
-                <a:solidFill>
-                  <a:srgbClr val="000000"/>
-                </a:solidFill>
-                <a:latin typeface="Trebuchet MS"/>
-              </a:rPr>
-              <a:t>Page 1 (Home): Self Introduction</a:t>
-            </a:r>
-            <a:endParaRPr dirty="0"/>
-          </a:p>
-          <a:p>
-            <a:pPr lvl="1">
-              <a:lnSpc>
-                <a:spcPct val="100000"/>
-              </a:lnSpc>
-              <a:buSzPct val="80000"/>
-              <a:buFont typeface="Wingdings 3" charset="2"/>
-              <a:buChar char=""/>
-            </a:pPr>
-            <a:r>
-              <a:rPr lang="en-US" sz="2400" dirty="0">
-                <a:solidFill>
-                  <a:srgbClr val="000000"/>
-                </a:solidFill>
-                <a:latin typeface="Trebuchet MS"/>
-              </a:rPr>
-              <a:t>Page 2: Research interests</a:t>
-            </a:r>
-            <a:endParaRPr dirty="0"/>
-          </a:p>
-          <a:p>
-            <a:pPr lvl="1">
-              <a:lnSpc>
-                <a:spcPct val="100000"/>
-              </a:lnSpc>
-              <a:buSzPct val="80000"/>
-              <a:buFont typeface="Wingdings 3" charset="2"/>
-              <a:buChar char=""/>
-            </a:pPr>
-            <a:r>
-              <a:rPr lang="en-US" sz="2400" dirty="0">
-                <a:solidFill>
-                  <a:srgbClr val="000000"/>
-                </a:solidFill>
-                <a:latin typeface="Trebuchet MS"/>
-              </a:rPr>
-              <a:t>Page 3: MMED expectations</a:t>
-            </a:r>
-            <a:endParaRPr dirty="0"/>
-          </a:p>
-          <a:p>
-            <a:pPr>
-              <a:lnSpc>
-                <a:spcPct val="100000"/>
-              </a:lnSpc>
-            </a:pPr>
-            <a:endParaRPr dirty="0"/>
+              <a:t>Multiple people can work on one project, simultaneously without getting 'conflicted copies‘</a:t>
+            </a:r>
           </a:p>
           <a:p>
             <a:pPr>
@@ -9089,87 +9124,7 @@
               <a:buFont typeface="Wingdings 3" charset="2"/>
               <a:buChar char=""/>
             </a:pPr>
-            <a:r>
-              <a:rPr lang="en-US" sz="2400" dirty="0">
-                <a:solidFill>
-                  <a:srgbClr val="404040"/>
-                </a:solidFill>
-                <a:latin typeface="Trebuchet MS"/>
-              </a:rPr>
-              <a:t>Edit your </a:t>
-            </a:r>
-            <a:r>
-              <a:rPr lang="en-US" sz="2400" dirty="0" err="1">
-                <a:solidFill>
-                  <a:srgbClr val="404040"/>
-                </a:solidFill>
-                <a:latin typeface="Trebuchet MS"/>
-              </a:rPr>
-              <a:t>github</a:t>
-            </a:r>
-            <a:r>
-              <a:rPr lang="en-US" sz="2400" dirty="0">
-                <a:solidFill>
-                  <a:srgbClr val="404040"/>
-                </a:solidFill>
-                <a:latin typeface="Trebuchet MS"/>
-              </a:rPr>
-              <a:t> </a:t>
-            </a:r>
-            <a:r>
-              <a:rPr lang="en-US" sz="2400" dirty="0">
-                <a:solidFill>
-                  <a:srgbClr val="FF0000"/>
-                </a:solidFill>
-                <a:latin typeface="Trebuchet MS"/>
-              </a:rPr>
-              <a:t>profile</a:t>
-            </a:r>
-            <a:endParaRPr dirty="0"/>
-          </a:p>
-          <a:p>
-            <a:pPr>
-              <a:lnSpc>
-                <a:spcPct val="100000"/>
-              </a:lnSpc>
-            </a:pPr>
-            <a:r>
-              <a:rPr lang="en-US" sz="2400" dirty="0">
-                <a:solidFill>
-                  <a:srgbClr val="FF0000"/>
-                </a:solidFill>
-                <a:latin typeface="Trebuchet MS"/>
-              </a:rPr>
-              <a:t>   </a:t>
-            </a:r>
-            <a:r>
-              <a:rPr lang="en-US" sz="2400" dirty="0">
-                <a:solidFill>
-                  <a:srgbClr val="323232"/>
-                </a:solidFill>
-                <a:latin typeface="Trebuchet MS"/>
-              </a:rPr>
-              <a:t>Click on your </a:t>
-            </a:r>
-            <a:r>
-              <a:rPr lang="en-US" sz="2400" dirty="0">
-                <a:solidFill>
-                  <a:srgbClr val="FF0000"/>
-                </a:solidFill>
-                <a:latin typeface="Trebuchet MS"/>
-              </a:rPr>
-              <a:t>username</a:t>
-            </a:r>
-            <a:r>
-              <a:rPr lang="en-US" sz="2400" dirty="0">
-                <a:solidFill>
-                  <a:srgbClr val="323232"/>
-                </a:solidFill>
-                <a:latin typeface="Trebuchet MS"/>
-              </a:rPr>
-              <a:t> and then on “Edit Profile”</a:t>
-            </a:r>
-            <a:endParaRPr dirty="0"/>
+            <a:endParaRPr sz="2400" dirty="0"/>
           </a:p>
           <a:p>
             <a:pPr>
@@ -9183,13 +9138,12 @@
             <a:r>
               <a:rPr lang="en-US" sz="2400" dirty="0">
                 <a:solidFill>
-                  <a:srgbClr val="323232"/>
+                  <a:srgbClr val="404040"/>
                 </a:solidFill>
                 <a:latin typeface="Trebuchet MS"/>
               </a:rPr>
-              <a:t>Upload a picture </a:t>
-            </a:r>
-            <a:endParaRPr dirty="0"/>
+              <a:t>Access to historical versions of the file before different edits were made</a:t>
+            </a:r>
           </a:p>
           <a:p>
             <a:pPr>
@@ -9200,6 +9154,17 @@
               <a:buFont typeface="Wingdings 3" charset="2"/>
               <a:buChar char=""/>
             </a:pPr>
+            <a:endParaRPr sz="2400" dirty="0"/>
+          </a:p>
+          <a:p>
+            <a:pPr>
+              <a:lnSpc>
+                <a:spcPct val="100000"/>
+              </a:lnSpc>
+              <a:buSzPct val="80000"/>
+              <a:buFont typeface="Wingdings 3" charset="2"/>
+              <a:buChar char=""/>
+            </a:pPr>
             <a:r>
               <a:rPr lang="en-US" sz="2400" dirty="0">
                 <a:solidFill>
@@ -9207,19 +9172,64 @@
                 </a:solidFill>
                 <a:latin typeface="Trebuchet MS"/>
               </a:rPr>
-              <a:t>Modify your GitHub </a:t>
-            </a:r>
+              <a:t>Undo specific edits without loosing all work that has been done previously</a:t>
+            </a:r>
+          </a:p>
+          <a:p>
+            <a:pPr>
+              <a:lnSpc>
+                <a:spcPct val="100000"/>
+              </a:lnSpc>
+              <a:buSzPct val="80000"/>
+              <a:buFont typeface="Wingdings 3" charset="2"/>
+              <a:buChar char=""/>
+            </a:pPr>
+            <a:endParaRPr sz="2400" dirty="0"/>
+          </a:p>
+          <a:p>
+            <a:pPr>
+              <a:lnSpc>
+                <a:spcPct val="100000"/>
+              </a:lnSpc>
+              <a:buSzPct val="80000"/>
+              <a:buFont typeface="Wingdings 3" charset="2"/>
+              <a:buChar char=""/>
+            </a:pPr>
             <a:r>
               <a:rPr lang="en-US" sz="2400" dirty="0">
                 <a:solidFill>
-                  <a:srgbClr val="0DF501"/>
+                  <a:srgbClr val="404040"/>
                 </a:solidFill>
                 <a:latin typeface="Trebuchet MS"/>
               </a:rPr>
-              <a:t>settings</a:t>
-            </a:r>
-            <a:endParaRPr dirty="0"/>
-          </a:p>
+              <a:t>At any point in time you can see who made what edits and when</a:t>
+            </a:r>
+            <a:endParaRPr sz="2400" dirty="0"/>
+          </a:p>
+        </p:txBody>
+      </p:sp>
+      <p:sp>
+        <p:nvSpPr>
+          <p:cNvPr id="265" name="CustomShape 3"/>
+          <p:cNvSpPr/>
+          <p:nvPr/>
+        </p:nvSpPr>
+        <p:spPr>
+          <a:xfrm>
+            <a:off x="674640" y="376920"/>
+            <a:ext cx="8910000" cy="1680480"/>
+          </a:xfrm>
+          <a:prstGeom prst="rect">
+            <a:avLst/>
+          </a:prstGeom>
+          <a:noFill/>
+          <a:ln>
+            <a:noFill/>
+          </a:ln>
+        </p:spPr>
+        <p:txBody>
+          <a:bodyPr lIns="90000" tIns="45000" rIns="90000" bIns="45000"/>
+          <a:lstStyle/>
           <a:p>
             <a:pPr>
               <a:lnSpc>
@@ -9227,22 +9237,13 @@
               </a:lnSpc>
             </a:pPr>
             <a:r>
-              <a:rPr lang="en-US" sz="2400" dirty="0">
-                <a:solidFill>
-                  <a:srgbClr val="0DF501"/>
+              <a:rPr lang="en-ZA" sz="3600" dirty="0">
+                <a:solidFill>
+                  <a:srgbClr val="A5300F"/>
                 </a:solidFill>
                 <a:latin typeface="Trebuchet MS"/>
               </a:rPr>
-              <a:t>   </a:t>
-            </a:r>
-            <a:r>
-              <a:rPr lang="en-US" sz="2400" dirty="0">
-                <a:solidFill>
-                  <a:srgbClr val="323232"/>
-                </a:solidFill>
-                <a:latin typeface="Trebuchet MS"/>
-              </a:rPr>
-              <a:t>Go through the different settings.</a:t>
+              <a:t>What is Git?</a:t>
             </a:r>
             <a:endParaRPr dirty="0"/>
           </a:p>
@@ -9259,132 +9260,30 @@
               <a:lnSpc>
                 <a:spcPct val="100000"/>
               </a:lnSpc>
+              <a:buSzPct val="80000"/>
+              <a:buFont typeface="Wingdings 3" charset="2"/>
+              <a:buChar char=""/>
+            </a:pPr>
+            <a:r>
+              <a:rPr lang="en-ZA" sz="2400" dirty="0">
+                <a:solidFill>
+                  <a:srgbClr val="404040"/>
+                </a:solidFill>
+                <a:latin typeface="Trebuchet MS"/>
+              </a:rPr>
+              <a:t>Git is an open source version control system/software. </a:t>
+            </a:r>
+            <a:endParaRPr dirty="0"/>
+          </a:p>
+          <a:p>
+            <a:pPr>
+              <a:lnSpc>
+                <a:spcPct val="100000"/>
+              </a:lnSpc>
             </a:pPr>
             <a:endParaRPr dirty="0"/>
           </a:p>
         </p:txBody>
-      </p:sp>
-      <p:pic>
-        <p:nvPicPr>
-          <p:cNvPr id="334" name="Content Placeholder 1"/>
-          <p:cNvPicPr/>
-          <p:nvPr/>
-        </p:nvPicPr>
-        <p:blipFill>
-          <a:blip r:embed="rId2"/>
-          <a:stretch>
-            <a:fillRect/>
-          </a:stretch>
-        </p:blipFill>
-        <p:spPr>
-          <a:xfrm>
-            <a:off x="5491800" y="1008000"/>
-            <a:ext cx="6532200" cy="5633640"/>
-          </a:xfrm>
-          <a:prstGeom prst="rect">
-            <a:avLst/>
-          </a:prstGeom>
-          <a:ln w="88920">
-            <a:solidFill>
-              <a:srgbClr val="000000"/>
-            </a:solidFill>
-            <a:miter/>
-          </a:ln>
-        </p:spPr>
-      </p:pic>
-      <p:sp>
-        <p:nvSpPr>
-          <p:cNvPr id="335" name="CustomShape 3"/>
-          <p:cNvSpPr/>
-          <p:nvPr/>
-        </p:nvSpPr>
-        <p:spPr>
-          <a:xfrm>
-            <a:off x="10308600" y="1005840"/>
-            <a:ext cx="779040" cy="280080"/>
-          </a:xfrm>
-          <a:prstGeom prst="roundRect">
-            <a:avLst>
-              <a:gd name="adj" fmla="val 16667"/>
-            </a:avLst>
-          </a:prstGeom>
-          <a:noFill/>
-          <a:ln w="28440">
-            <a:solidFill>
-              <a:srgbClr val="FF0000"/>
-            </a:solidFill>
-            <a:round/>
-          </a:ln>
-        </p:spPr>
-      </p:sp>
-      <p:sp>
-        <p:nvSpPr>
-          <p:cNvPr id="336" name="CustomShape 4"/>
-          <p:cNvSpPr/>
-          <p:nvPr/>
-        </p:nvSpPr>
-        <p:spPr>
-          <a:xfrm>
-            <a:off x="10662840" y="3704760"/>
-            <a:ext cx="690480" cy="209160"/>
-          </a:xfrm>
-          <a:prstGeom prst="ellipse">
-            <a:avLst/>
-          </a:prstGeom>
-          <a:noFill/>
-          <a:ln w="28440">
-            <a:solidFill>
-              <a:srgbClr val="0000C0"/>
-            </a:solidFill>
-            <a:round/>
-          </a:ln>
-        </p:spPr>
-      </p:sp>
-      <p:sp>
-        <p:nvSpPr>
-          <p:cNvPr id="337" name="CustomShape 5"/>
-          <p:cNvSpPr/>
-          <p:nvPr/>
-        </p:nvSpPr>
-        <p:spPr>
-          <a:xfrm>
-            <a:off x="11438640" y="981720"/>
-            <a:ext cx="228240" cy="280080"/>
-          </a:xfrm>
-          <a:prstGeom prst="rect">
-            <a:avLst/>
-          </a:prstGeom>
-          <a:noFill/>
-          <a:ln w="28440">
-            <a:solidFill>
-              <a:srgbClr val="0DF501"/>
-            </a:solidFill>
-            <a:round/>
-          </a:ln>
-        </p:spPr>
-      </p:sp>
-      <p:sp>
-        <p:nvSpPr>
-          <p:cNvPr id="338" name="CustomShape 6"/>
-          <p:cNvSpPr/>
-          <p:nvPr/>
-        </p:nvSpPr>
-        <p:spPr>
-          <a:xfrm>
-            <a:off x="10698480" y="5144400"/>
-            <a:ext cx="750240" cy="280080"/>
-          </a:xfrm>
-          <a:prstGeom prst="rect">
-            <a:avLst/>
-          </a:prstGeom>
-          <a:noFill/>
-          <a:ln w="28440">
-            <a:solidFill>
-              <a:srgbClr val="0DF501"/>
-            </a:solidFill>
-            <a:round/>
-          </a:ln>
-        </p:spPr>
       </p:sp>
     </p:spTree>
   </p:cSld>
@@ -9421,7 +9320,7 @@
 </p:sld>
 </file>
 
-<file path=ppt/slides/slide2.xml><?xml version="1.0" encoding="utf-8"?>
+<file path=ppt/slides/slide20.xml><?xml version="1.0" encoding="utf-8"?>
 <p:sld xmlns:a="http://schemas.openxmlformats.org/drawingml/2006/main" xmlns:r="http://schemas.openxmlformats.org/officeDocument/2006/relationships" xmlns:mc="http://schemas.openxmlformats.org/markup-compatibility/2006" xmlns:mv="urn:schemas-microsoft-com:mac:vml" xmlns:p="http://schemas.openxmlformats.org/presentationml/2006/main" mc:Ignorable="mv" mc:PreserveAttributes="mv:*">
   <p:cSld>
     <p:spTree>
@@ -9438,16 +9337,280 @@
           <a:chExt cx="0" cy="0"/>
         </a:xfrm>
       </p:grpSpPr>
-      <p:sp>
-        <p:nvSpPr>
-          <p:cNvPr id="263" name="TextShape 1"/>
+      <p:pic>
+        <p:nvPicPr>
+          <p:cNvPr id="4" name="Picture 3" descr="Pull 3.png"/>
+          <p:cNvPicPr>
+            <a:picLocks noChangeAspect="1"/>
+          </p:cNvPicPr>
+          <p:nvPr/>
+        </p:nvPicPr>
+        <p:blipFill>
+          <a:blip r:embed="rId2"/>
+          <a:stretch>
+            <a:fillRect/>
+          </a:stretch>
+        </p:blipFill>
+        <p:spPr>
+          <a:xfrm>
+            <a:off x="0" y="0"/>
+            <a:ext cx="12192000" cy="5399314"/>
+          </a:xfrm>
+          <a:prstGeom prst="rect">
+            <a:avLst/>
+          </a:prstGeom>
+        </p:spPr>
+      </p:pic>
+      <p:sp>
+        <p:nvSpPr>
+          <p:cNvPr id="5" name="Explosion 1 4"/>
+          <p:cNvSpPr/>
+          <p:nvPr/>
+        </p:nvSpPr>
+        <p:spPr>
+          <a:xfrm>
+            <a:off x="461799" y="4291362"/>
+            <a:ext cx="4079233" cy="2566638"/>
+          </a:xfrm>
+          <a:prstGeom prst="irregularSeal1">
+            <a:avLst/>
+          </a:prstGeom>
+        </p:spPr>
+        <p:style>
+          <a:lnRef idx="1">
+            <a:schemeClr val="accent3"/>
+          </a:lnRef>
+          <a:fillRef idx="3">
+            <a:schemeClr val="accent3"/>
+          </a:fillRef>
+          <a:effectRef idx="2">
+            <a:schemeClr val="accent3"/>
+          </a:effectRef>
+          <a:fontRef idx="minor">
+            <a:schemeClr val="lt1"/>
+          </a:fontRef>
+        </p:style>
+        <p:txBody>
+          <a:bodyPr rtlCol="0" anchor="ctr"/>
+          <a:lstStyle/>
+          <a:p>
+            <a:pPr algn="ctr"/>
+            <a:endParaRPr lang="en-US" dirty="0"/>
+          </a:p>
+        </p:txBody>
+      </p:sp>
+      <p:sp>
+        <p:nvSpPr>
+          <p:cNvPr id="6" name="TextBox 5"/>
           <p:cNvSpPr txBox="1"/>
           <p:nvPr/>
         </p:nvSpPr>
         <p:spPr>
           <a:xfrm>
-            <a:off x="637560" y="1919160"/>
-            <a:ext cx="8596440" cy="875880"/>
+            <a:off x="1635542" y="5311282"/>
+            <a:ext cx="1597058" cy="523220"/>
+          </a:xfrm>
+          <a:prstGeom prst="rect">
+            <a:avLst/>
+          </a:prstGeom>
+          <a:noFill/>
+        </p:spPr>
+        <p:txBody>
+          <a:bodyPr wrap="square" rtlCol="0">
+            <a:spAutoFit/>
+          </a:bodyPr>
+          <a:lstStyle/>
+          <a:p>
+            <a:pPr algn="ctr"/>
+            <a:r>
+              <a:rPr lang="en-US" sz="2800" b="1" dirty="0"/>
+              <a:t>Step 3</a:t>
+            </a:r>
+          </a:p>
+        </p:txBody>
+      </p:sp>
+    </p:spTree>
+  </p:cSld>
+  <p:clrMapOvr>
+    <a:masterClrMapping/>
+  </p:clrMapOvr>
+  <p:timing>
+    <p:tnLst>
+      <p:par>
+        <p:cTn id="1" dur="indefinite" restart="never" nodeType="tmRoot"/>
+      </p:par>
+    </p:tnLst>
+  </p:timing>
+</p:sld>
+</file>
+
+<file path=ppt/slides/slide21.xml><?xml version="1.0" encoding="utf-8"?>
+<p:sld xmlns:a="http://schemas.openxmlformats.org/drawingml/2006/main" xmlns:r="http://schemas.openxmlformats.org/officeDocument/2006/relationships" xmlns:mc="http://schemas.openxmlformats.org/markup-compatibility/2006" xmlns:mv="urn:schemas-microsoft-com:mac:vml" xmlns:p="http://schemas.openxmlformats.org/presentationml/2006/main" mc:Ignorable="mv" mc:PreserveAttributes="mv:*">
+  <p:cSld>
+    <p:spTree>
+      <p:nvGrpSpPr>
+        <p:cNvPr id="1" name=""/>
+        <p:cNvGrpSpPr/>
+        <p:nvPr/>
+      </p:nvGrpSpPr>
+      <p:grpSpPr>
+        <a:xfrm>
+          <a:off x="0" y="0"/>
+          <a:ext cx="0" cy="0"/>
+          <a:chOff x="0" y="0"/>
+          <a:chExt cx="0" cy="0"/>
+        </a:xfrm>
+      </p:grpSpPr>
+      <p:pic>
+        <p:nvPicPr>
+          <p:cNvPr id="4" name="Picture 3" descr="Pull 4.png"/>
+          <p:cNvPicPr>
+            <a:picLocks noChangeAspect="1"/>
+          </p:cNvPicPr>
+          <p:nvPr/>
+        </p:nvPicPr>
+        <p:blipFill>
+          <a:blip r:embed="rId2"/>
+          <a:stretch>
+            <a:fillRect/>
+          </a:stretch>
+        </p:blipFill>
+        <p:spPr>
+          <a:xfrm>
+            <a:off x="-1" y="-1"/>
+            <a:ext cx="12244357" cy="4676237"/>
+          </a:xfrm>
+          <a:prstGeom prst="rect">
+            <a:avLst/>
+          </a:prstGeom>
+        </p:spPr>
+      </p:pic>
+      <p:sp>
+        <p:nvSpPr>
+          <p:cNvPr id="5" name="Explosion 1 4"/>
+          <p:cNvSpPr/>
+          <p:nvPr/>
+        </p:nvSpPr>
+        <p:spPr>
+          <a:xfrm>
+            <a:off x="5137524" y="2039840"/>
+            <a:ext cx="6445957" cy="4818161"/>
+          </a:xfrm>
+          <a:prstGeom prst="irregularSeal1">
+            <a:avLst/>
+          </a:prstGeom>
+        </p:spPr>
+        <p:style>
+          <a:lnRef idx="1">
+            <a:schemeClr val="accent3"/>
+          </a:lnRef>
+          <a:fillRef idx="3">
+            <a:schemeClr val="accent3"/>
+          </a:fillRef>
+          <a:effectRef idx="2">
+            <a:schemeClr val="accent3"/>
+          </a:effectRef>
+          <a:fontRef idx="minor">
+            <a:schemeClr val="lt1"/>
+          </a:fontRef>
+        </p:style>
+        <p:txBody>
+          <a:bodyPr rtlCol="0" anchor="ctr"/>
+          <a:lstStyle/>
+          <a:p>
+            <a:pPr algn="ctr"/>
+            <a:endParaRPr lang="en-US" dirty="0"/>
+          </a:p>
+        </p:txBody>
+      </p:sp>
+      <p:sp>
+        <p:nvSpPr>
+          <p:cNvPr id="6" name="TextBox 5"/>
+          <p:cNvSpPr txBox="1"/>
+          <p:nvPr/>
+        </p:nvSpPr>
+        <p:spPr>
+          <a:xfrm>
+            <a:off x="6522924" y="3329174"/>
+            <a:ext cx="3694399" cy="2215991"/>
+          </a:xfrm>
+          <a:prstGeom prst="rect">
+            <a:avLst/>
+          </a:prstGeom>
+          <a:noFill/>
+        </p:spPr>
+        <p:txBody>
+          <a:bodyPr wrap="square" rtlCol="0">
+            <a:spAutoFit/>
+          </a:bodyPr>
+          <a:lstStyle/>
+          <a:p>
+            <a:pPr algn="ctr"/>
+            <a:r>
+              <a:rPr lang="en-ZA" sz="2400" b="1">
+                <a:solidFill>
+                  <a:srgbClr val="000000"/>
+                </a:solidFill>
+              </a:rPr>
+              <a:t>Step 4: View the Output Tab to confirm </a:t>
+            </a:r>
+            <a:r>
+              <a:rPr lang="en-US" sz="2400" b="1" dirty="0">
+                <a:solidFill>
+                  <a:srgbClr val="000000"/>
+                </a:solidFill>
+              </a:rPr>
+              <a:t>that you pulled the most recent version of the repository from GitHub</a:t>
+            </a:r>
+            <a:endParaRPr lang="en-US" sz="2400" dirty="0"/>
+          </a:p>
+          <a:p>
+            <a:endParaRPr lang="en-US" dirty="0"/>
+          </a:p>
+        </p:txBody>
+      </p:sp>
+    </p:spTree>
+  </p:cSld>
+  <p:clrMapOvr>
+    <a:masterClrMapping/>
+  </p:clrMapOvr>
+  <p:timing>
+    <p:tnLst>
+      <p:par>
+        <p:cTn id="1" dur="indefinite" restart="never" nodeType="tmRoot"/>
+      </p:par>
+    </p:tnLst>
+  </p:timing>
+</p:sld>
+</file>
+
+<file path=ppt/slides/slide22.xml><?xml version="1.0" encoding="utf-8"?>
+<p:sld xmlns:a="http://schemas.openxmlformats.org/drawingml/2006/main" xmlns:r="http://schemas.openxmlformats.org/officeDocument/2006/relationships" xmlns:mc="http://schemas.openxmlformats.org/markup-compatibility/2006" xmlns:mv="urn:schemas-microsoft-com:mac:vml" xmlns:p="http://schemas.openxmlformats.org/presentationml/2006/main" mc:Ignorable="mv" mc:PreserveAttributes="mv:*">
+  <p:cSld>
+    <p:spTree>
+      <p:nvGrpSpPr>
+        <p:cNvPr id="1" name=""/>
+        <p:cNvGrpSpPr/>
+        <p:nvPr/>
+      </p:nvGrpSpPr>
+      <p:grpSpPr>
+        <a:xfrm>
+          <a:off x="0" y="0"/>
+          <a:ext cx="0" cy="0"/>
+          <a:chOff x="0" y="0"/>
+          <a:chExt cx="0" cy="0"/>
+        </a:xfrm>
+      </p:grpSpPr>
+      <p:sp>
+        <p:nvSpPr>
+          <p:cNvPr id="332" name="TextShape 1"/>
+          <p:cNvSpPr txBox="1"/>
+          <p:nvPr/>
+        </p:nvSpPr>
+        <p:spPr>
+          <a:xfrm>
+            <a:off x="0" y="304920"/>
+            <a:ext cx="8596440" cy="1320480"/>
           </a:xfrm>
           <a:prstGeom prst="rect">
             <a:avLst/>
@@ -9463,28 +9626,28 @@
               </a:lnSpc>
             </a:pPr>
             <a:r>
-              <a:rPr lang="en-US" sz="3600">
+              <a:rPr lang="en-US" sz="3600" dirty="0">
                 <a:solidFill>
                   <a:srgbClr val="A5300F"/>
                 </a:solidFill>
                 <a:latin typeface="Trebuchet MS"/>
               </a:rPr>
-              <a:t>Why version control?</a:t>
-            </a:r>
-            <a:endParaRPr/>
-          </a:p>
-        </p:txBody>
-      </p:sp>
-      <p:sp>
-        <p:nvSpPr>
-          <p:cNvPr id="264" name="TextShape 2"/>
+              <a:t>Your GitHub Wiki, Profile and more</a:t>
+            </a:r>
+            <a:endParaRPr dirty="0"/>
+          </a:p>
+        </p:txBody>
+      </p:sp>
+      <p:sp>
+        <p:nvSpPr>
+          <p:cNvPr id="333" name="TextShape 2"/>
           <p:cNvSpPr txBox="1"/>
           <p:nvPr/>
         </p:nvSpPr>
         <p:spPr>
           <a:xfrm>
-            <a:off x="717120" y="2764440"/>
-            <a:ext cx="8596440" cy="4430520"/>
+            <a:off x="461799" y="1164600"/>
+            <a:ext cx="10864325" cy="5693400"/>
           </a:xfrm>
           <a:prstGeom prst="rect">
             <a:avLst/>
@@ -9503,15 +9666,92 @@
               <a:buChar char=""/>
             </a:pPr>
             <a:r>
-              <a:rPr lang="en-US" sz="2400" dirty="0">
+              <a:rPr lang="en-US" sz="2800" dirty="0">
                 <a:solidFill>
                   <a:srgbClr val="404040"/>
                 </a:solidFill>
                 <a:latin typeface="Trebuchet MS"/>
               </a:rPr>
-              <a:t>Multiple people can work on one project, simultaneously without getting 'conflicted copies‘</a:t>
-            </a:r>
-            <a:endParaRPr dirty="0"/>
+              <a:t>Create a </a:t>
+            </a:r>
+            <a:r>
+              <a:rPr lang="en-US" sz="2800" dirty="0">
+                <a:solidFill>
+                  <a:srgbClr val="0000C0"/>
+                </a:solidFill>
+                <a:latin typeface="Trebuchet MS"/>
+              </a:rPr>
+              <a:t>wiki page</a:t>
+            </a:r>
+            <a:endParaRPr sz="2800" dirty="0"/>
+          </a:p>
+          <a:p>
+            <a:pPr lvl="1">
+              <a:lnSpc>
+                <a:spcPct val="100000"/>
+              </a:lnSpc>
+              <a:buSzPct val="80000"/>
+              <a:buFont typeface="Wingdings 3" charset="2"/>
+              <a:buChar char=""/>
+            </a:pPr>
+            <a:r>
+              <a:rPr lang="en-US" sz="2800" dirty="0">
+                <a:solidFill>
+                  <a:srgbClr val="000000"/>
+                </a:solidFill>
+                <a:latin typeface="Trebuchet MS"/>
+              </a:rPr>
+              <a:t>Page 1 (Home): Self Introduction</a:t>
+            </a:r>
+            <a:endParaRPr sz="2800" dirty="0"/>
+          </a:p>
+          <a:p>
+            <a:pPr lvl="1">
+              <a:lnSpc>
+                <a:spcPct val="100000"/>
+              </a:lnSpc>
+              <a:buSzPct val="80000"/>
+              <a:buFont typeface="Wingdings 3" charset="2"/>
+              <a:buChar char=""/>
+            </a:pPr>
+            <a:r>
+              <a:rPr lang="en-US" sz="2800" dirty="0">
+                <a:solidFill>
+                  <a:srgbClr val="000000"/>
+                </a:solidFill>
+                <a:latin typeface="Trebuchet MS"/>
+              </a:rPr>
+              <a:t>Page 2: Research interests</a:t>
+            </a:r>
+            <a:endParaRPr sz="2800" dirty="0"/>
+          </a:p>
+          <a:p>
+            <a:pPr lvl="1">
+              <a:lnSpc>
+                <a:spcPct val="100000"/>
+              </a:lnSpc>
+              <a:buSzPct val="80000"/>
+              <a:buFont typeface="Wingdings 3" charset="2"/>
+              <a:buChar char=""/>
+            </a:pPr>
+            <a:r>
+              <a:rPr lang="en-US" sz="2800" dirty="0">
+                <a:solidFill>
+                  <a:srgbClr val="000000"/>
+                </a:solidFill>
+                <a:latin typeface="Trebuchet MS"/>
+              </a:rPr>
+              <a:t>Page 3: MMED expectations</a:t>
+            </a:r>
+            <a:endParaRPr sz="2800" dirty="0"/>
+          </a:p>
+          <a:p>
+            <a:pPr>
+              <a:lnSpc>
+                <a:spcPct val="100000"/>
+              </a:lnSpc>
+            </a:pPr>
+            <a:endParaRPr sz="2800" dirty="0"/>
           </a:p>
           <a:p>
             <a:pPr>
@@ -9523,15 +9763,75 @@
               <a:buChar char=""/>
             </a:pPr>
             <a:r>
-              <a:rPr lang="en-US" sz="2400" dirty="0">
+              <a:rPr lang="en-US" sz="2800" dirty="0">
                 <a:solidFill>
                   <a:srgbClr val="404040"/>
                 </a:solidFill>
                 <a:latin typeface="Trebuchet MS"/>
               </a:rPr>
-              <a:t>Access to historical versions of the file before different edits were made</a:t>
-            </a:r>
-            <a:endParaRPr dirty="0"/>
+              <a:t>Edit your github </a:t>
+            </a:r>
+            <a:r>
+              <a:rPr lang="en-US" sz="2800" dirty="0">
+                <a:solidFill>
+                  <a:srgbClr val="FF0000"/>
+                </a:solidFill>
+                <a:latin typeface="Trebuchet MS"/>
+              </a:rPr>
+              <a:t>profile</a:t>
+            </a:r>
+            <a:endParaRPr sz="2800" dirty="0"/>
+          </a:p>
+          <a:p>
+            <a:pPr>
+              <a:lnSpc>
+                <a:spcPct val="100000"/>
+              </a:lnSpc>
+            </a:pPr>
+            <a:r>
+              <a:rPr lang="en-US" sz="2800" dirty="0">
+                <a:solidFill>
+                  <a:srgbClr val="FF0000"/>
+                </a:solidFill>
+                <a:latin typeface="Trebuchet MS"/>
+              </a:rPr>
+              <a:t>   </a:t>
+            </a:r>
+            <a:r>
+              <a:rPr lang="en-US" sz="2800" dirty="0">
+                <a:solidFill>
+                  <a:srgbClr val="323232"/>
+                </a:solidFill>
+                <a:latin typeface="Trebuchet MS"/>
+              </a:rPr>
+              <a:t>Click on your </a:t>
+            </a:r>
+            <a:r>
+              <a:rPr lang="en-US" sz="2800" dirty="0">
+                <a:solidFill>
+                  <a:srgbClr val="FF0000"/>
+                </a:solidFill>
+                <a:latin typeface="Trebuchet MS"/>
+              </a:rPr>
+              <a:t>username</a:t>
+            </a:r>
+            <a:r>
+              <a:rPr lang="en-US" sz="2800" dirty="0">
+                <a:solidFill>
+                  <a:srgbClr val="323232"/>
+                </a:solidFill>
+                <a:latin typeface="Trebuchet MS"/>
+              </a:rPr>
+              <a:t> and then on “Edit Profile”</a:t>
+            </a:r>
+          </a:p>
+          <a:p>
+            <a:pPr>
+              <a:lnSpc>
+                <a:spcPct val="100000"/>
+              </a:lnSpc>
+            </a:pPr>
+            <a:endParaRPr sz="2800" dirty="0"/>
           </a:p>
           <a:p>
             <a:pPr>
@@ -9543,15 +9843,14 @@
               <a:buChar char=""/>
             </a:pPr>
             <a:r>
-              <a:rPr lang="en-US" sz="2400" dirty="0">
-                <a:solidFill>
-                  <a:srgbClr val="404040"/>
+              <a:rPr lang="en-US" sz="2800" dirty="0">
+                <a:solidFill>
+                  <a:srgbClr val="323232"/>
                 </a:solidFill>
                 <a:latin typeface="Trebuchet MS"/>
               </a:rPr>
-              <a:t>Undo specific edits without loosing all work that has been done previously</a:t>
-            </a:r>
-            <a:endParaRPr dirty="0"/>
+              <a:t>Upload a picture </a:t>
+            </a:r>
           </a:p>
           <a:p>
             <a:pPr>
@@ -9562,65 +9861,7 @@
               <a:buFont typeface="Wingdings 3" charset="2"/>
               <a:buChar char=""/>
             </a:pPr>
-            <a:r>
-              <a:rPr lang="en-US" sz="2400" dirty="0">
-                <a:solidFill>
-                  <a:srgbClr val="404040"/>
-                </a:solidFill>
-                <a:latin typeface="Trebuchet MS"/>
-              </a:rPr>
-              <a:t>At any point in time you can see who made what edits and when</a:t>
-            </a:r>
-            <a:endParaRPr dirty="0"/>
-          </a:p>
-        </p:txBody>
-      </p:sp>
-      <p:sp>
-        <p:nvSpPr>
-          <p:cNvPr id="265" name="CustomShape 3"/>
-          <p:cNvSpPr/>
-          <p:nvPr/>
-        </p:nvSpPr>
-        <p:spPr>
-          <a:xfrm>
-            <a:off x="674640" y="376920"/>
-            <a:ext cx="8910000" cy="1680480"/>
-          </a:xfrm>
-          <a:prstGeom prst="rect">
-            <a:avLst/>
-          </a:prstGeom>
-          <a:noFill/>
-          <a:ln>
-            <a:noFill/>
-          </a:ln>
-        </p:spPr>
-        <p:txBody>
-          <a:bodyPr lIns="90000" tIns="45000" rIns="90000" bIns="45000"/>
-          <a:lstStyle/>
-          <a:p>
-            <a:pPr>
-              <a:lnSpc>
-                <a:spcPct val="100000"/>
-              </a:lnSpc>
-            </a:pPr>
-            <a:r>
-              <a:rPr lang="en-ZA" sz="3600" dirty="0">
-                <a:solidFill>
-                  <a:srgbClr val="A5300F"/>
-                </a:solidFill>
-                <a:latin typeface="Trebuchet MS"/>
-              </a:rPr>
-              <a:t>What is Git?</a:t>
-            </a:r>
-            <a:endParaRPr dirty="0"/>
-          </a:p>
-          <a:p>
-            <a:pPr>
-              <a:lnSpc>
-                <a:spcPct val="100000"/>
-              </a:lnSpc>
-            </a:pPr>
-            <a:endParaRPr dirty="0"/>
+            <a:endParaRPr sz="2800" dirty="0"/>
           </a:p>
           <a:p>
             <a:pPr>
@@ -9632,14 +9873,57 @@
               <a:buChar char=""/>
             </a:pPr>
             <a:r>
-              <a:rPr lang="en-ZA" sz="2400" dirty="0">
+              <a:rPr lang="en-US" sz="2800" dirty="0">
                 <a:solidFill>
                   <a:srgbClr val="404040"/>
                 </a:solidFill>
                 <a:latin typeface="Trebuchet MS"/>
               </a:rPr>
-              <a:t>Git is an open source version control system/software. </a:t>
-            </a:r>
+              <a:t>Modify your GitHub </a:t>
+            </a:r>
+            <a:r>
+              <a:rPr lang="en-US" sz="2800" dirty="0">
+                <a:solidFill>
+                  <a:srgbClr val="0DF501"/>
+                </a:solidFill>
+                <a:latin typeface="Trebuchet MS"/>
+              </a:rPr>
+              <a:t>settings</a:t>
+            </a:r>
+            <a:endParaRPr sz="2800" dirty="0"/>
+          </a:p>
+          <a:p>
+            <a:pPr>
+              <a:lnSpc>
+                <a:spcPct val="100000"/>
+              </a:lnSpc>
+            </a:pPr>
+            <a:r>
+              <a:rPr lang="en-US" sz="2800" dirty="0">
+                <a:solidFill>
+                  <a:srgbClr val="0DF501"/>
+                </a:solidFill>
+                <a:latin typeface="Trebuchet MS"/>
+              </a:rPr>
+              <a:t>   </a:t>
+            </a:r>
+            <a:r>
+              <a:rPr lang="en-US" sz="2800" dirty="0">
+                <a:solidFill>
+                  <a:srgbClr val="323232"/>
+                </a:solidFill>
+                <a:latin typeface="Trebuchet MS"/>
+              </a:rPr>
+              <a:t>Go through the different settings.</a:t>
+            </a:r>
+            <a:endParaRPr sz="2800" dirty="0"/>
+          </a:p>
+          <a:p>
+            <a:pPr>
+              <a:lnSpc>
+                <a:spcPct val="100000"/>
+              </a:lnSpc>
+            </a:pPr>
             <a:endParaRPr dirty="0"/>
           </a:p>
           <a:p>
@@ -9687,6 +9971,101 @@
 </p:sld>
 </file>
 
+<file path=ppt/slides/slide23.xml><?xml version="1.0" encoding="utf-8"?>
+<p:sld xmlns:a="http://schemas.openxmlformats.org/drawingml/2006/main" xmlns:r="http://schemas.openxmlformats.org/officeDocument/2006/relationships" xmlns:mc="http://schemas.openxmlformats.org/markup-compatibility/2006" xmlns:mv="urn:schemas-microsoft-com:mac:vml" xmlns:p="http://schemas.openxmlformats.org/presentationml/2006/main" mc:Ignorable="mv" mc:PreserveAttributes="mv:*">
+  <p:cSld>
+    <p:spTree>
+      <p:nvGrpSpPr>
+        <p:cNvPr id="1" name=""/>
+        <p:cNvGrpSpPr/>
+        <p:nvPr/>
+      </p:nvGrpSpPr>
+      <p:grpSpPr>
+        <a:xfrm>
+          <a:off x="0" y="0"/>
+          <a:ext cx="0" cy="0"/>
+          <a:chOff x="0" y="0"/>
+          <a:chExt cx="0" cy="0"/>
+        </a:xfrm>
+      </p:grpSpPr>
+      <p:pic>
+        <p:nvPicPr>
+          <p:cNvPr id="5" name="Picture 4" descr="Screen Shot 2015-05-19 at 12.00.36 PM.png"/>
+          <p:cNvPicPr>
+            <a:picLocks noChangeAspect="1"/>
+          </p:cNvPicPr>
+          <p:nvPr/>
+        </p:nvPicPr>
+        <p:blipFill>
+          <a:blip r:embed="rId2"/>
+          <a:srcRect l="2841"/>
+          <a:stretch>
+            <a:fillRect/>
+          </a:stretch>
+        </p:blipFill>
+        <p:spPr>
+          <a:xfrm>
+            <a:off x="-1" y="0"/>
+            <a:ext cx="12254657" cy="6858000"/>
+          </a:xfrm>
+          <a:prstGeom prst="rect">
+            <a:avLst/>
+          </a:prstGeom>
+        </p:spPr>
+      </p:pic>
+      <p:sp>
+        <p:nvSpPr>
+          <p:cNvPr id="6" name="Up Arrow 5"/>
+          <p:cNvSpPr/>
+          <p:nvPr/>
+        </p:nvSpPr>
+        <p:spPr>
+          <a:xfrm flipH="1">
+            <a:off x="10332774" y="3637073"/>
+            <a:ext cx="269383" cy="1193114"/>
+          </a:xfrm>
+          <a:prstGeom prst="upArrow">
+            <a:avLst/>
+          </a:prstGeom>
+        </p:spPr>
+        <p:style>
+          <a:lnRef idx="1">
+            <a:schemeClr val="accent1"/>
+          </a:lnRef>
+          <a:fillRef idx="3">
+            <a:schemeClr val="accent1"/>
+          </a:fillRef>
+          <a:effectRef idx="2">
+            <a:schemeClr val="accent1"/>
+          </a:effectRef>
+          <a:fontRef idx="minor">
+            <a:schemeClr val="lt1"/>
+          </a:fontRef>
+        </p:style>
+        <p:txBody>
+          <a:bodyPr rtlCol="0" anchor="ctr"/>
+          <a:lstStyle/>
+          <a:p>
+            <a:pPr algn="ctr"/>
+            <a:endParaRPr lang="en-US" dirty="0"/>
+          </a:p>
+        </p:txBody>
+      </p:sp>
+    </p:spTree>
+  </p:cSld>
+  <p:clrMapOvr>
+    <a:masterClrMapping/>
+  </p:clrMapOvr>
+  <p:timing>
+    <p:tnLst>
+      <p:par>
+        <p:cTn id="1" dur="indefinite" restart="never" nodeType="tmRoot"/>
+      </p:par>
+    </p:tnLst>
+  </p:timing>
+</p:sld>
+</file>
+
 <file path=ppt/slides/slide3.xml><?xml version="1.0" encoding="utf-8"?>
 <p:sld xmlns:a="http://schemas.openxmlformats.org/drawingml/2006/main" xmlns:r="http://schemas.openxmlformats.org/officeDocument/2006/relationships" xmlns:mc="http://schemas.openxmlformats.org/markup-compatibility/2006" xmlns:mv="urn:schemas-microsoft-com:mac:vml" xmlns:p="http://schemas.openxmlformats.org/presentationml/2006/main" mc:Ignorable="mv" mc:PreserveAttributes="mv:*">
   <p:cSld>
@@ -9729,7 +10108,7 @@
               </a:lnSpc>
             </a:pPr>
             <a:r>
-              <a:rPr lang="en-US" sz="3600">
+              <a:rPr lang="en-US" sz="3600" dirty="0">
                 <a:solidFill>
                   <a:srgbClr val="A5300F"/>
                 </a:solidFill>
@@ -9784,25 +10163,7 @@
                 </a:solidFill>
                 <a:latin typeface="Trebuchet MS"/>
               </a:rPr>
-              <a:t> is a web-based </a:t>
-            </a:r>
-            <a:r>
-              <a:rPr lang="en-US" sz="2400" dirty="0" err="1">
-                <a:solidFill>
-                  <a:srgbClr val="404040"/>
-                </a:solidFill>
-                <a:latin typeface="Trebuchet MS"/>
-              </a:rPr>
-              <a:t>Git</a:t>
-            </a:r>
-            <a:r>
-              <a:rPr lang="en-US" sz="2400" dirty="0">
-                <a:solidFill>
-                  <a:srgbClr val="404040"/>
-                </a:solidFill>
-                <a:latin typeface="Trebuchet MS"/>
-              </a:rPr>
-              <a:t> repository hosting service</a:t>
+              <a:t> is a web-based Git repository hosting service</a:t>
             </a:r>
             <a:endParaRPr dirty="0"/>
           </a:p>
@@ -10014,22 +10375,13 @@
               </a:lnSpc>
             </a:pPr>
             <a:r>
-              <a:rPr lang="en-US" sz="3600" dirty="0" err="1">
+              <a:rPr lang="en-US" sz="3600" dirty="0">
                 <a:solidFill>
                   <a:srgbClr val="A5300F"/>
                 </a:solidFill>
                 <a:latin typeface="Trebuchet MS"/>
               </a:rPr>
-              <a:t>Git</a:t>
-            </a:r>
-            <a:r>
-              <a:rPr lang="en-US" sz="3600" dirty="0">
-                <a:solidFill>
-                  <a:srgbClr val="A5300F"/>
-                </a:solidFill>
-                <a:latin typeface="Trebuchet MS"/>
-              </a:rPr>
-              <a:t> commands chart</a:t>
+              <a:t>Git commands chart</a:t>
             </a:r>
             <a:endParaRPr dirty="0"/>
           </a:p>
@@ -12068,7 +12420,7 @@
               </a:lnSpc>
             </a:pPr>
             <a:r>
-              <a:rPr lang="en-US" sz="4000">
+              <a:rPr lang="en-US" sz="4000" dirty="0">
                 <a:solidFill>
                   <a:srgbClr val="A5300F"/>
                 </a:solidFill>
@@ -12077,7 +12429,7 @@
               <a:t>Local clone of an online repository</a:t>
             </a:r>
             <a:r>
-              <a:rPr lang="en-US" sz="3600">
+              <a:rPr lang="en-US" sz="3600" dirty="0">
                 <a:solidFill>
                   <a:srgbClr val="A5300F"/>
                 </a:solidFill>
@@ -12086,7 +12438,7 @@
               <a:t>
 </a:t>
             </a:r>
-            <a:endParaRPr/>
+            <a:endParaRPr dirty="0"/>
           </a:p>
         </p:txBody>
       </p:sp>
@@ -12661,31 +13013,6 @@
           <a:chExt cx="0" cy="0"/>
         </a:xfrm>
       </p:grpSpPr>
-      <p:pic>
-        <p:nvPicPr>
-          <p:cNvPr id="293" name="Picture 7"/>
-          <p:cNvPicPr/>
-          <p:nvPr/>
-        </p:nvPicPr>
-        <p:blipFill>
-          <a:blip r:embed="rId2"/>
-          <a:stretch>
-            <a:fillRect/>
-          </a:stretch>
-        </p:blipFill>
-        <p:spPr>
-          <a:xfrm>
-            <a:off x="0" y="999000"/>
-            <a:ext cx="11836080" cy="5858640"/>
-          </a:xfrm>
-          <a:prstGeom prst="rect">
-            <a:avLst/>
-          </a:prstGeom>
-          <a:ln>
-            <a:noFill/>
-          </a:ln>
-        </p:spPr>
-      </p:pic>
       <p:sp>
         <p:nvSpPr>
           <p:cNvPr id="294" name="TextShape 1"/>
@@ -12694,7 +13021,7 @@
         </p:nvSpPr>
         <p:spPr>
           <a:xfrm>
-            <a:off x="423360" y="304920"/>
+            <a:off x="0" y="0"/>
             <a:ext cx="8596440" cy="1320480"/>
           </a:xfrm>
           <a:prstGeom prst="rect">
@@ -12711,7 +13038,7 @@
               </a:lnSpc>
             </a:pPr>
             <a:r>
-              <a:rPr lang="en-US" sz="3600">
+              <a:rPr lang="en-US" sz="3600" dirty="0">
                 <a:solidFill>
                   <a:srgbClr val="A5300F"/>
                 </a:solidFill>
@@ -12719,20 +13046,45 @@
               </a:rPr>
               <a:t>After cloning…</a:t>
             </a:r>
-            <a:endParaRPr/>
-          </a:p>
-        </p:txBody>
-      </p:sp>
-      <p:sp>
-        <p:nvSpPr>
-          <p:cNvPr id="295" name="CustomShape 2"/>
+            <a:endParaRPr dirty="0"/>
+          </a:p>
+        </p:txBody>
+      </p:sp>
+      <p:pic>
+        <p:nvPicPr>
+          <p:cNvPr id="8" name="Picture 7" descr="Commit, push, pull 1.png"/>
+          <p:cNvPicPr>
+            <a:picLocks noChangeAspect="1"/>
+          </p:cNvPicPr>
+          <p:nvPr/>
+        </p:nvPicPr>
+        <p:blipFill>
+          <a:blip r:embed="rId2"/>
+          <a:srcRect r="4243" b="12347"/>
+          <a:stretch>
+            <a:fillRect/>
+          </a:stretch>
+        </p:blipFill>
+        <p:spPr>
+          <a:xfrm>
+            <a:off x="0" y="846726"/>
+            <a:ext cx="9409174" cy="6011274"/>
+          </a:xfrm>
+          <a:prstGeom prst="rect">
+            <a:avLst/>
+          </a:prstGeom>
+        </p:spPr>
+      </p:pic>
+      <p:sp>
+        <p:nvSpPr>
+          <p:cNvPr id="297" name="CustomShape 4"/>
           <p:cNvSpPr/>
           <p:nvPr/>
         </p:nvSpPr>
         <p:spPr>
           <a:xfrm>
-            <a:off x="10389481" y="0"/>
-            <a:ext cx="5028840" cy="3580920"/>
+            <a:off x="2018852" y="4822828"/>
+            <a:ext cx="3225600" cy="1777680"/>
           </a:xfrm>
           <a:prstGeom prst="irregularSeal1">
             <a:avLst/>
@@ -12750,14 +13102,14 @@
       </p:sp>
       <p:sp>
         <p:nvSpPr>
-          <p:cNvPr id="296" name="CustomShape 3"/>
+          <p:cNvPr id="298" name="CustomShape 5"/>
           <p:cNvSpPr/>
           <p:nvPr/>
         </p:nvSpPr>
         <p:spPr>
           <a:xfrm>
-            <a:off x="11172863" y="998983"/>
-            <a:ext cx="2895120" cy="1552680"/>
+            <a:off x="2567278" y="5286344"/>
+            <a:ext cx="2031480" cy="821880"/>
           </a:xfrm>
           <a:prstGeom prst="rect">
             <a:avLst/>
@@ -12777,13 +13129,13 @@
               </a:lnSpc>
             </a:pPr>
             <a:r>
-              <a:rPr lang="en-ZA" sz="3200" b="1">
+              <a:rPr lang="en-ZA" sz="2400" b="1">
                 <a:solidFill>
                   <a:srgbClr val="000000"/>
                 </a:solidFill>
                 <a:latin typeface="Trebuchet MS"/>
               </a:rPr>
-              <a:t>Local Files have been modified</a:t>
+              <a:t>View Branches</a:t>
             </a:r>
             <a:endParaRPr/>
           </a:p>
@@ -12791,14 +13143,14 @@
       </p:sp>
       <p:sp>
         <p:nvSpPr>
-          <p:cNvPr id="297" name="CustomShape 4"/>
+          <p:cNvPr id="295" name="CustomShape 2"/>
           <p:cNvSpPr/>
           <p:nvPr/>
         </p:nvSpPr>
         <p:spPr>
           <a:xfrm>
-            <a:off x="-2695356" y="2109456"/>
-            <a:ext cx="3225600" cy="1777680"/>
+            <a:off x="7163160" y="2520934"/>
+            <a:ext cx="5028840" cy="3580920"/>
           </a:xfrm>
           <a:prstGeom prst="irregularSeal1">
             <a:avLst/>
@@ -12816,14 +13168,14 @@
       </p:sp>
       <p:sp>
         <p:nvSpPr>
-          <p:cNvPr id="298" name="CustomShape 5"/>
+          <p:cNvPr id="296" name="CustomShape 3"/>
           <p:cNvSpPr/>
           <p:nvPr/>
         </p:nvSpPr>
         <p:spPr>
           <a:xfrm>
-            <a:off x="-2031480" y="2572972"/>
-            <a:ext cx="2031480" cy="821880"/>
+            <a:off x="8171163" y="3539161"/>
+            <a:ext cx="2895120" cy="1552680"/>
           </a:xfrm>
           <a:prstGeom prst="rect">
             <a:avLst/>
@@ -12843,13 +13195,13 @@
               </a:lnSpc>
             </a:pPr>
             <a:r>
-              <a:rPr lang="en-ZA" sz="2400" b="1">
+              <a:rPr lang="en-ZA" sz="3200" b="1">
                 <a:solidFill>
                   <a:srgbClr val="000000"/>
                 </a:solidFill>
                 <a:latin typeface="Trebuchet MS"/>
               </a:rPr>
-              <a:t>View Branches</a:t>
+              <a:t>Local Files have been modified</a:t>
             </a:r>
             <a:endParaRPr/>
           </a:p>

--- a/IntroToGitHub&SmartGit-v4.1.pptx
+++ b/IntroToGitHub&SmartGit-v4.1.pptx
@@ -131,7 +131,7 @@
   </p:defaultTextStyle>
   <p:extLst>
     <p:ext uri="{EFAFB233-063F-42B5-8137-9DF3F51BA10A}">
-      <p15:sldGuideLst xmlns:p15="http://schemas.microsoft.com/office/powerpoint/2012/main" xmlns:p="http://schemas.openxmlformats.org/presentationml/2006/main" xmlns:r="http://schemas.openxmlformats.org/officeDocument/2006/relationships" xmlns:a="http://schemas.openxmlformats.org/drawingml/2006/main" xmlns=""/>
+      <p15:sldGuideLst xmlns="" xmlns:a="http://schemas.openxmlformats.org/drawingml/2006/main" xmlns:r="http://schemas.openxmlformats.org/officeDocument/2006/relationships" xmlns:p="http://schemas.openxmlformats.org/presentationml/2006/main" xmlns:p15="http://schemas.microsoft.com/office/powerpoint/2012/main" xmlns:mv="urn:schemas-microsoft-com:mac:vml" xmlns:mc="http://schemas.openxmlformats.org/markup-compatibility/2006"/>
     </p:ext>
   </p:extLst>
 </p:presentation>
@@ -330,7 +330,7 @@
     </p:spTree>
     <p:extLst>
       <p:ext uri="{BB962C8B-B14F-4D97-AF65-F5344CB8AC3E}">
-        <p14:creationId xmlns:p14="http://schemas.microsoft.com/office/powerpoint/2010/main" xmlns:p="http://schemas.openxmlformats.org/presentationml/2006/main" xmlns:r="http://schemas.openxmlformats.org/officeDocument/2006/relationships" xmlns:a="http://schemas.openxmlformats.org/drawingml/2006/main" xmlns="" val="241429818"/>
+        <p14:creationId xmlns="" xmlns:a="http://schemas.openxmlformats.org/drawingml/2006/main" xmlns:r="http://schemas.openxmlformats.org/officeDocument/2006/relationships" xmlns:p="http://schemas.openxmlformats.org/presentationml/2006/main" xmlns:p14="http://schemas.microsoft.com/office/powerpoint/2010/main" xmlns:mv="urn:schemas-microsoft-com:mac:vml" xmlns:mc="http://schemas.openxmlformats.org/markup-compatibility/2006" val="241429818"/>
       </p:ext>
     </p:extLst>
   </p:cSld>
@@ -522,7 +522,7 @@
     </p:spTree>
     <p:extLst>
       <p:ext uri="{BB962C8B-B14F-4D97-AF65-F5344CB8AC3E}">
-        <p14:creationId xmlns:p14="http://schemas.microsoft.com/office/powerpoint/2010/main" xmlns:p="http://schemas.openxmlformats.org/presentationml/2006/main" xmlns:r="http://schemas.openxmlformats.org/officeDocument/2006/relationships" xmlns:a="http://schemas.openxmlformats.org/drawingml/2006/main" xmlns="" val="1035143249"/>
+        <p14:creationId xmlns="" xmlns:a="http://schemas.openxmlformats.org/drawingml/2006/main" xmlns:r="http://schemas.openxmlformats.org/officeDocument/2006/relationships" xmlns:p="http://schemas.openxmlformats.org/presentationml/2006/main" xmlns:p14="http://schemas.microsoft.com/office/powerpoint/2010/main" xmlns:mv="urn:schemas-microsoft-com:mac:vml" xmlns:mc="http://schemas.openxmlformats.org/markup-compatibility/2006" val="1035143249"/>
       </p:ext>
     </p:extLst>
   </p:cSld>
@@ -622,7 +622,7 @@
     </p:spTree>
     <p:extLst>
       <p:ext uri="{BB962C8B-B14F-4D97-AF65-F5344CB8AC3E}">
-        <p14:creationId xmlns:p14="http://schemas.microsoft.com/office/powerpoint/2010/main" xmlns:p="http://schemas.openxmlformats.org/presentationml/2006/main" xmlns:r="http://schemas.openxmlformats.org/officeDocument/2006/relationships" xmlns:a="http://schemas.openxmlformats.org/drawingml/2006/main" xmlns="" val="2910537969"/>
+        <p14:creationId xmlns="" xmlns:a="http://schemas.openxmlformats.org/drawingml/2006/main" xmlns:r="http://schemas.openxmlformats.org/officeDocument/2006/relationships" xmlns:p="http://schemas.openxmlformats.org/presentationml/2006/main" xmlns:p14="http://schemas.microsoft.com/office/powerpoint/2010/main" xmlns:mv="urn:schemas-microsoft-com:mac:vml" xmlns:mc="http://schemas.openxmlformats.org/markup-compatibility/2006" val="2910537969"/>
       </p:ext>
     </p:extLst>
   </p:cSld>
@@ -722,7 +722,7 @@
     </p:spTree>
     <p:extLst>
       <p:ext uri="{BB962C8B-B14F-4D97-AF65-F5344CB8AC3E}">
-        <p14:creationId xmlns:p14="http://schemas.microsoft.com/office/powerpoint/2010/main" xmlns:p="http://schemas.openxmlformats.org/presentationml/2006/main" xmlns:r="http://schemas.openxmlformats.org/officeDocument/2006/relationships" xmlns:a="http://schemas.openxmlformats.org/drawingml/2006/main" xmlns="" val="2587382481"/>
+        <p14:creationId xmlns="" xmlns:a="http://schemas.openxmlformats.org/drawingml/2006/main" xmlns:r="http://schemas.openxmlformats.org/officeDocument/2006/relationships" xmlns:p="http://schemas.openxmlformats.org/presentationml/2006/main" xmlns:p14="http://schemas.microsoft.com/office/powerpoint/2010/main" xmlns:mv="urn:schemas-microsoft-com:mac:vml" xmlns:mc="http://schemas.openxmlformats.org/markup-compatibility/2006" val="2587382481"/>
       </p:ext>
     </p:extLst>
   </p:cSld>
@@ -822,7 +822,7 @@
     </p:spTree>
     <p:extLst>
       <p:ext uri="{BB962C8B-B14F-4D97-AF65-F5344CB8AC3E}">
-        <p14:creationId xmlns:p14="http://schemas.microsoft.com/office/powerpoint/2010/main" xmlns:p="http://schemas.openxmlformats.org/presentationml/2006/main" xmlns:r="http://schemas.openxmlformats.org/officeDocument/2006/relationships" xmlns:a="http://schemas.openxmlformats.org/drawingml/2006/main" xmlns="" val="1092528477"/>
+        <p14:creationId xmlns="" xmlns:a="http://schemas.openxmlformats.org/drawingml/2006/main" xmlns:r="http://schemas.openxmlformats.org/officeDocument/2006/relationships" xmlns:p="http://schemas.openxmlformats.org/presentationml/2006/main" xmlns:p14="http://schemas.microsoft.com/office/powerpoint/2010/main" xmlns:mv="urn:schemas-microsoft-com:mac:vml" xmlns:mc="http://schemas.openxmlformats.org/markup-compatibility/2006" val="1092528477"/>
       </p:ext>
     </p:extLst>
   </p:cSld>
@@ -922,7 +922,7 @@
     </p:spTree>
     <p:extLst>
       <p:ext uri="{BB962C8B-B14F-4D97-AF65-F5344CB8AC3E}">
-        <p14:creationId xmlns:p14="http://schemas.microsoft.com/office/powerpoint/2010/main" xmlns:p="http://schemas.openxmlformats.org/presentationml/2006/main" xmlns:r="http://schemas.openxmlformats.org/officeDocument/2006/relationships" xmlns:a="http://schemas.openxmlformats.org/drawingml/2006/main" xmlns="" val="1661121954"/>
+        <p14:creationId xmlns="" xmlns:a="http://schemas.openxmlformats.org/drawingml/2006/main" xmlns:r="http://schemas.openxmlformats.org/officeDocument/2006/relationships" xmlns:p="http://schemas.openxmlformats.org/presentationml/2006/main" xmlns:p14="http://schemas.microsoft.com/office/powerpoint/2010/main" xmlns:mv="urn:schemas-microsoft-com:mac:vml" xmlns:mc="http://schemas.openxmlformats.org/markup-compatibility/2006" val="1661121954"/>
       </p:ext>
     </p:extLst>
   </p:cSld>
@@ -1022,7 +1022,7 @@
     </p:spTree>
     <p:extLst>
       <p:ext uri="{BB962C8B-B14F-4D97-AF65-F5344CB8AC3E}">
-        <p14:creationId xmlns:p14="http://schemas.microsoft.com/office/powerpoint/2010/main" xmlns:p="http://schemas.openxmlformats.org/presentationml/2006/main" xmlns:r="http://schemas.openxmlformats.org/officeDocument/2006/relationships" xmlns:a="http://schemas.openxmlformats.org/drawingml/2006/main" xmlns="" val="1688920199"/>
+        <p14:creationId xmlns="" xmlns:a="http://schemas.openxmlformats.org/drawingml/2006/main" xmlns:r="http://schemas.openxmlformats.org/officeDocument/2006/relationships" xmlns:p="http://schemas.openxmlformats.org/presentationml/2006/main" xmlns:p14="http://schemas.microsoft.com/office/powerpoint/2010/main" xmlns:mv="urn:schemas-microsoft-com:mac:vml" xmlns:mc="http://schemas.openxmlformats.org/markup-compatibility/2006" val="1688920199"/>
       </p:ext>
     </p:extLst>
   </p:cSld>
@@ -1807,7 +1807,7 @@
     </p:spTree>
     <p:extLst>
       <p:ext uri="{BB962C8B-B14F-4D97-AF65-F5344CB8AC3E}">
-        <p14:creationId xmlns:p14="http://schemas.microsoft.com/office/powerpoint/2010/main" xmlns:p="http://schemas.openxmlformats.org/presentationml/2006/main" xmlns:r="http://schemas.openxmlformats.org/officeDocument/2006/relationships" xmlns:a="http://schemas.openxmlformats.org/drawingml/2006/main" xmlns="" val="624070842"/>
+        <p14:creationId xmlns="" xmlns:a="http://schemas.openxmlformats.org/drawingml/2006/main" xmlns:r="http://schemas.openxmlformats.org/officeDocument/2006/relationships" xmlns:p="http://schemas.openxmlformats.org/presentationml/2006/main" xmlns:p14="http://schemas.microsoft.com/office/powerpoint/2010/main" xmlns:mv="urn:schemas-microsoft-com:mac:vml" xmlns:mc="http://schemas.openxmlformats.org/markup-compatibility/2006" val="624070842"/>
       </p:ext>
     </p:extLst>
   </p:cSld>
@@ -2083,7 +2083,7 @@
     </p:spTree>
     <p:extLst>
       <p:ext uri="{BB962C8B-B14F-4D97-AF65-F5344CB8AC3E}">
-        <p14:creationId xmlns:p14="http://schemas.microsoft.com/office/powerpoint/2010/main" xmlns:p="http://schemas.openxmlformats.org/presentationml/2006/main" xmlns:r="http://schemas.openxmlformats.org/officeDocument/2006/relationships" xmlns:a="http://schemas.openxmlformats.org/drawingml/2006/main" xmlns="" val="4166250518"/>
+        <p14:creationId xmlns="" xmlns:a="http://schemas.openxmlformats.org/drawingml/2006/main" xmlns:r="http://schemas.openxmlformats.org/officeDocument/2006/relationships" xmlns:p="http://schemas.openxmlformats.org/presentationml/2006/main" xmlns:p14="http://schemas.microsoft.com/office/powerpoint/2010/main" xmlns:mv="urn:schemas-microsoft-com:mac:vml" xmlns:mc="http://schemas.openxmlformats.org/markup-compatibility/2006" val="4166250518"/>
       </p:ext>
     </p:extLst>
   </p:cSld>
@@ -2512,7 +2512,7 @@
     </p:spTree>
     <p:extLst>
       <p:ext uri="{BB962C8B-B14F-4D97-AF65-F5344CB8AC3E}">
-        <p14:creationId xmlns:p14="http://schemas.microsoft.com/office/powerpoint/2010/main" xmlns:p="http://schemas.openxmlformats.org/presentationml/2006/main" xmlns:r="http://schemas.openxmlformats.org/officeDocument/2006/relationships" xmlns:a="http://schemas.openxmlformats.org/drawingml/2006/main" xmlns="" val="1836846174"/>
+        <p14:creationId xmlns="" xmlns:a="http://schemas.openxmlformats.org/drawingml/2006/main" xmlns:r="http://schemas.openxmlformats.org/officeDocument/2006/relationships" xmlns:p="http://schemas.openxmlformats.org/presentationml/2006/main" xmlns:p14="http://schemas.microsoft.com/office/powerpoint/2010/main" xmlns:mv="urn:schemas-microsoft-com:mac:vml" xmlns:mc="http://schemas.openxmlformats.org/markup-compatibility/2006" val="1836846174"/>
       </p:ext>
     </p:extLst>
   </p:cSld>
@@ -2788,7 +2788,7 @@
     </p:spTree>
     <p:extLst>
       <p:ext uri="{BB962C8B-B14F-4D97-AF65-F5344CB8AC3E}">
-        <p14:creationId xmlns:p14="http://schemas.microsoft.com/office/powerpoint/2010/main" xmlns:p="http://schemas.openxmlformats.org/presentationml/2006/main" xmlns:r="http://schemas.openxmlformats.org/officeDocument/2006/relationships" xmlns:a="http://schemas.openxmlformats.org/drawingml/2006/main" xmlns="" val="2741947831"/>
+        <p14:creationId xmlns="" xmlns:a="http://schemas.openxmlformats.org/drawingml/2006/main" xmlns:r="http://schemas.openxmlformats.org/officeDocument/2006/relationships" xmlns:p="http://schemas.openxmlformats.org/presentationml/2006/main" xmlns:p14="http://schemas.microsoft.com/office/powerpoint/2010/main" xmlns:mv="urn:schemas-microsoft-com:mac:vml" xmlns:mc="http://schemas.openxmlformats.org/markup-compatibility/2006" val="2741947831"/>
       </p:ext>
     </p:extLst>
   </p:cSld>
@@ -3209,7 +3209,7 @@
     </p:spTree>
     <p:extLst>
       <p:ext uri="{BB962C8B-B14F-4D97-AF65-F5344CB8AC3E}">
-        <p14:creationId xmlns:p14="http://schemas.microsoft.com/office/powerpoint/2010/main" xmlns:p="http://schemas.openxmlformats.org/presentationml/2006/main" xmlns:r="http://schemas.openxmlformats.org/officeDocument/2006/relationships" xmlns:a="http://schemas.openxmlformats.org/drawingml/2006/main" xmlns="" val="1860616655"/>
+        <p14:creationId xmlns="" xmlns:a="http://schemas.openxmlformats.org/drawingml/2006/main" xmlns:r="http://schemas.openxmlformats.org/officeDocument/2006/relationships" xmlns:p="http://schemas.openxmlformats.org/presentationml/2006/main" xmlns:p14="http://schemas.microsoft.com/office/powerpoint/2010/main" xmlns:mv="urn:schemas-microsoft-com:mac:vml" xmlns:mc="http://schemas.openxmlformats.org/markup-compatibility/2006" val="1860616655"/>
       </p:ext>
     </p:extLst>
   </p:cSld>
@@ -3545,7 +3545,7 @@
     </p:spTree>
     <p:extLst>
       <p:ext uri="{BB962C8B-B14F-4D97-AF65-F5344CB8AC3E}">
-        <p14:creationId xmlns:p14="http://schemas.microsoft.com/office/powerpoint/2010/main" xmlns:p="http://schemas.openxmlformats.org/presentationml/2006/main" xmlns:r="http://schemas.openxmlformats.org/officeDocument/2006/relationships" xmlns:a="http://schemas.openxmlformats.org/drawingml/2006/main" xmlns="" val="760552747"/>
+        <p14:creationId xmlns="" xmlns:a="http://schemas.openxmlformats.org/drawingml/2006/main" xmlns:r="http://schemas.openxmlformats.org/officeDocument/2006/relationships" xmlns:p="http://schemas.openxmlformats.org/presentationml/2006/main" xmlns:p14="http://schemas.microsoft.com/office/powerpoint/2010/main" xmlns:mv="urn:schemas-microsoft-com:mac:vml" xmlns:mc="http://schemas.openxmlformats.org/markup-compatibility/2006" val="760552747"/>
       </p:ext>
     </p:extLst>
   </p:cSld>
@@ -3740,7 +3740,7 @@
     </p:spTree>
     <p:extLst>
       <p:ext uri="{BB962C8B-B14F-4D97-AF65-F5344CB8AC3E}">
-        <p14:creationId xmlns:p14="http://schemas.microsoft.com/office/powerpoint/2010/main" xmlns:p="http://schemas.openxmlformats.org/presentationml/2006/main" xmlns:r="http://schemas.openxmlformats.org/officeDocument/2006/relationships" xmlns:a="http://schemas.openxmlformats.org/drawingml/2006/main" xmlns="" val="4005121510"/>
+        <p14:creationId xmlns="" xmlns:a="http://schemas.openxmlformats.org/drawingml/2006/main" xmlns:r="http://schemas.openxmlformats.org/officeDocument/2006/relationships" xmlns:p="http://schemas.openxmlformats.org/presentationml/2006/main" xmlns:p14="http://schemas.microsoft.com/office/powerpoint/2010/main" xmlns:mv="urn:schemas-microsoft-com:mac:vml" xmlns:mc="http://schemas.openxmlformats.org/markup-compatibility/2006" val="4005121510"/>
       </p:ext>
     </p:extLst>
   </p:cSld>
@@ -3945,7 +3945,7 @@
     </p:spTree>
     <p:extLst>
       <p:ext uri="{BB962C8B-B14F-4D97-AF65-F5344CB8AC3E}">
-        <p14:creationId xmlns:p14="http://schemas.microsoft.com/office/powerpoint/2010/main" xmlns:p="http://schemas.openxmlformats.org/presentationml/2006/main" xmlns:r="http://schemas.openxmlformats.org/officeDocument/2006/relationships" xmlns:a="http://schemas.openxmlformats.org/drawingml/2006/main" xmlns="" val="4173657723"/>
+        <p14:creationId xmlns="" xmlns:a="http://schemas.openxmlformats.org/drawingml/2006/main" xmlns:r="http://schemas.openxmlformats.org/officeDocument/2006/relationships" xmlns:p="http://schemas.openxmlformats.org/presentationml/2006/main" xmlns:p14="http://schemas.microsoft.com/office/powerpoint/2010/main" xmlns:mv="urn:schemas-microsoft-com:mac:vml" xmlns:mc="http://schemas.openxmlformats.org/markup-compatibility/2006" val="4173657723"/>
       </p:ext>
     </p:extLst>
   </p:cSld>
@@ -4146,7 +4146,7 @@
     </p:spTree>
     <p:extLst>
       <p:ext uri="{BB962C8B-B14F-4D97-AF65-F5344CB8AC3E}">
-        <p14:creationId xmlns:p14="http://schemas.microsoft.com/office/powerpoint/2010/main" xmlns:p="http://schemas.openxmlformats.org/presentationml/2006/main" xmlns:r="http://schemas.openxmlformats.org/officeDocument/2006/relationships" xmlns:a="http://schemas.openxmlformats.org/drawingml/2006/main" xmlns="" val="1229514224"/>
+        <p14:creationId xmlns="" xmlns:a="http://schemas.openxmlformats.org/drawingml/2006/main" xmlns:r="http://schemas.openxmlformats.org/officeDocument/2006/relationships" xmlns:p="http://schemas.openxmlformats.org/presentationml/2006/main" xmlns:p14="http://schemas.microsoft.com/office/powerpoint/2010/main" xmlns:mv="urn:schemas-microsoft-com:mac:vml" xmlns:mc="http://schemas.openxmlformats.org/markup-compatibility/2006" val="1229514224"/>
       </p:ext>
     </p:extLst>
   </p:cSld>
@@ -4418,7 +4418,7 @@
     </p:spTree>
     <p:extLst>
       <p:ext uri="{BB962C8B-B14F-4D97-AF65-F5344CB8AC3E}">
-        <p14:creationId xmlns:p14="http://schemas.microsoft.com/office/powerpoint/2010/main" xmlns:p="http://schemas.openxmlformats.org/presentationml/2006/main" xmlns:r="http://schemas.openxmlformats.org/officeDocument/2006/relationships" xmlns:a="http://schemas.openxmlformats.org/drawingml/2006/main" xmlns="" val="1333608137"/>
+        <p14:creationId xmlns="" xmlns:a="http://schemas.openxmlformats.org/drawingml/2006/main" xmlns:r="http://schemas.openxmlformats.org/officeDocument/2006/relationships" xmlns:p="http://schemas.openxmlformats.org/presentationml/2006/main" xmlns:p14="http://schemas.microsoft.com/office/powerpoint/2010/main" xmlns:mv="urn:schemas-microsoft-com:mac:vml" xmlns:mc="http://schemas.openxmlformats.org/markup-compatibility/2006" val="1333608137"/>
       </p:ext>
     </p:extLst>
   </p:cSld>
@@ -4675,7 +4675,7 @@
     </p:spTree>
     <p:extLst>
       <p:ext uri="{BB962C8B-B14F-4D97-AF65-F5344CB8AC3E}">
-        <p14:creationId xmlns:p14="http://schemas.microsoft.com/office/powerpoint/2010/main" xmlns:p="http://schemas.openxmlformats.org/presentationml/2006/main" xmlns:r="http://schemas.openxmlformats.org/officeDocument/2006/relationships" xmlns:a="http://schemas.openxmlformats.org/drawingml/2006/main" xmlns="" val="4201345582"/>
+        <p14:creationId xmlns="" xmlns:a="http://schemas.openxmlformats.org/drawingml/2006/main" xmlns:r="http://schemas.openxmlformats.org/officeDocument/2006/relationships" xmlns:p="http://schemas.openxmlformats.org/presentationml/2006/main" xmlns:p14="http://schemas.microsoft.com/office/powerpoint/2010/main" xmlns:mv="urn:schemas-microsoft-com:mac:vml" xmlns:mc="http://schemas.openxmlformats.org/markup-compatibility/2006" val="4201345582"/>
       </p:ext>
     </p:extLst>
   </p:cSld>
@@ -5074,7 +5074,7 @@
     </p:spTree>
     <p:extLst>
       <p:ext uri="{BB962C8B-B14F-4D97-AF65-F5344CB8AC3E}">
-        <p14:creationId xmlns:p14="http://schemas.microsoft.com/office/powerpoint/2010/main" xmlns:p="http://schemas.openxmlformats.org/presentationml/2006/main" xmlns:r="http://schemas.openxmlformats.org/officeDocument/2006/relationships" xmlns:a="http://schemas.openxmlformats.org/drawingml/2006/main" xmlns="" val="3029459635"/>
+        <p14:creationId xmlns="" xmlns:a="http://schemas.openxmlformats.org/drawingml/2006/main" xmlns:r="http://schemas.openxmlformats.org/officeDocument/2006/relationships" xmlns:p="http://schemas.openxmlformats.org/presentationml/2006/main" xmlns:p14="http://schemas.microsoft.com/office/powerpoint/2010/main" xmlns:mv="urn:schemas-microsoft-com:mac:vml" xmlns:mc="http://schemas.openxmlformats.org/markup-compatibility/2006" val="3029459635"/>
       </p:ext>
     </p:extLst>
   </p:cSld>
@@ -5199,7 +5199,7 @@
     </p:spTree>
     <p:extLst>
       <p:ext uri="{BB962C8B-B14F-4D97-AF65-F5344CB8AC3E}">
-        <p14:creationId xmlns:p14="http://schemas.microsoft.com/office/powerpoint/2010/main" xmlns:p="http://schemas.openxmlformats.org/presentationml/2006/main" xmlns:r="http://schemas.openxmlformats.org/officeDocument/2006/relationships" xmlns:a="http://schemas.openxmlformats.org/drawingml/2006/main" xmlns="" val="976045021"/>
+        <p14:creationId xmlns="" xmlns:a="http://schemas.openxmlformats.org/drawingml/2006/main" xmlns:r="http://schemas.openxmlformats.org/officeDocument/2006/relationships" xmlns:p="http://schemas.openxmlformats.org/presentationml/2006/main" xmlns:p14="http://schemas.microsoft.com/office/powerpoint/2010/main" xmlns:mv="urn:schemas-microsoft-com:mac:vml" xmlns:mc="http://schemas.openxmlformats.org/markup-compatibility/2006" val="976045021"/>
       </p:ext>
     </p:extLst>
   </p:cSld>
@@ -5319,7 +5319,7 @@
     </p:spTree>
     <p:extLst>
       <p:ext uri="{BB962C8B-B14F-4D97-AF65-F5344CB8AC3E}">
-        <p14:creationId xmlns:p14="http://schemas.microsoft.com/office/powerpoint/2010/main" xmlns:p="http://schemas.openxmlformats.org/presentationml/2006/main" xmlns:r="http://schemas.openxmlformats.org/officeDocument/2006/relationships" xmlns:a="http://schemas.openxmlformats.org/drawingml/2006/main" xmlns="" val="922579189"/>
+        <p14:creationId xmlns="" xmlns:a="http://schemas.openxmlformats.org/drawingml/2006/main" xmlns:r="http://schemas.openxmlformats.org/officeDocument/2006/relationships" xmlns:p="http://schemas.openxmlformats.org/presentationml/2006/main" xmlns:p14="http://schemas.microsoft.com/office/powerpoint/2010/main" xmlns:mv="urn:schemas-microsoft-com:mac:vml" xmlns:mc="http://schemas.openxmlformats.org/markup-compatibility/2006" val="922579189"/>
       </p:ext>
     </p:extLst>
   </p:cSld>
@@ -5599,7 +5599,7 @@
     </p:spTree>
     <p:extLst>
       <p:ext uri="{BB962C8B-B14F-4D97-AF65-F5344CB8AC3E}">
-        <p14:creationId xmlns:p14="http://schemas.microsoft.com/office/powerpoint/2010/main" xmlns:p="http://schemas.openxmlformats.org/presentationml/2006/main" xmlns:r="http://schemas.openxmlformats.org/officeDocument/2006/relationships" xmlns:a="http://schemas.openxmlformats.org/drawingml/2006/main" xmlns="" val="3983644491"/>
+        <p14:creationId xmlns="" xmlns:a="http://schemas.openxmlformats.org/drawingml/2006/main" xmlns:r="http://schemas.openxmlformats.org/officeDocument/2006/relationships" xmlns:p="http://schemas.openxmlformats.org/presentationml/2006/main" xmlns:p14="http://schemas.microsoft.com/office/powerpoint/2010/main" xmlns:mv="urn:schemas-microsoft-com:mac:vml" xmlns:mc="http://schemas.openxmlformats.org/markup-compatibility/2006" val="3983644491"/>
       </p:ext>
     </p:extLst>
   </p:cSld>
@@ -5887,7 +5887,7 @@
     </p:spTree>
     <p:extLst>
       <p:ext uri="{BB962C8B-B14F-4D97-AF65-F5344CB8AC3E}">
-        <p14:creationId xmlns:p14="http://schemas.microsoft.com/office/powerpoint/2010/main" xmlns:p="http://schemas.openxmlformats.org/presentationml/2006/main" xmlns:r="http://schemas.openxmlformats.org/officeDocument/2006/relationships" xmlns:a="http://schemas.openxmlformats.org/drawingml/2006/main" xmlns="" val="2691023631"/>
+        <p14:creationId xmlns="" xmlns:a="http://schemas.openxmlformats.org/drawingml/2006/main" xmlns:r="http://schemas.openxmlformats.org/officeDocument/2006/relationships" xmlns:p="http://schemas.openxmlformats.org/presentationml/2006/main" xmlns:p14="http://schemas.microsoft.com/office/powerpoint/2010/main" xmlns:mv="urn:schemas-microsoft-com:mac:vml" xmlns:mc="http://schemas.openxmlformats.org/markup-compatibility/2006" val="2691023631"/>
       </p:ext>
     </p:extLst>
   </p:cSld>
@@ -6689,7 +6689,7 @@
     </p:spTree>
     <p:extLst>
       <p:ext uri="{BB962C8B-B14F-4D97-AF65-F5344CB8AC3E}">
-        <p14:creationId xmlns:p14="http://schemas.microsoft.com/office/powerpoint/2010/main" xmlns:p="http://schemas.openxmlformats.org/presentationml/2006/main" xmlns:r="http://schemas.openxmlformats.org/officeDocument/2006/relationships" xmlns:a="http://schemas.openxmlformats.org/drawingml/2006/main" xmlns="" val="3586329599"/>
+        <p14:creationId xmlns="" xmlns:a="http://schemas.openxmlformats.org/drawingml/2006/main" xmlns:r="http://schemas.openxmlformats.org/officeDocument/2006/relationships" xmlns:p="http://schemas.openxmlformats.org/presentationml/2006/main" xmlns:p14="http://schemas.microsoft.com/office/powerpoint/2010/main" xmlns:mv="urn:schemas-microsoft-com:mac:vml" xmlns:mc="http://schemas.openxmlformats.org/markup-compatibility/2006" val="3586329599"/>
       </p:ext>
     </p:extLst>
   </p:cSld>
@@ -8886,7 +8886,7 @@
     </p:spTree>
     <p:extLst>
       <p:ext uri="{BB962C8B-B14F-4D97-AF65-F5344CB8AC3E}">
-        <p14:creationId xmlns:p14="http://schemas.microsoft.com/office/powerpoint/2010/main" xmlns:p="http://schemas.openxmlformats.org/presentationml/2006/main" xmlns:r="http://schemas.openxmlformats.org/officeDocument/2006/relationships" xmlns:a="http://schemas.openxmlformats.org/drawingml/2006/main" xmlns="" val="1926353899"/>
+        <p14:creationId xmlns="" xmlns:a="http://schemas.openxmlformats.org/drawingml/2006/main" xmlns:r="http://schemas.openxmlformats.org/officeDocument/2006/relationships" xmlns:p="http://schemas.openxmlformats.org/presentationml/2006/main" xmlns:p14="http://schemas.microsoft.com/office/powerpoint/2010/main" xmlns:mv="urn:schemas-microsoft-com:mac:vml" xmlns:mc="http://schemas.openxmlformats.org/markup-compatibility/2006" val="1926353899"/>
       </p:ext>
     </p:extLst>
   </p:cSld>
@@ -9007,7 +9007,7 @@
     </p:spTree>
     <p:extLst>
       <p:ext uri="{BB962C8B-B14F-4D97-AF65-F5344CB8AC3E}">
-        <p14:creationId xmlns:p14="http://schemas.microsoft.com/office/powerpoint/2010/main" xmlns:p="http://schemas.openxmlformats.org/presentationml/2006/main" xmlns:r="http://schemas.openxmlformats.org/officeDocument/2006/relationships" xmlns:a="http://schemas.openxmlformats.org/drawingml/2006/main" xmlns="" val="2664379960"/>
+        <p14:creationId xmlns="" xmlns:a="http://schemas.openxmlformats.org/drawingml/2006/main" xmlns:r="http://schemas.openxmlformats.org/officeDocument/2006/relationships" xmlns:p="http://schemas.openxmlformats.org/presentationml/2006/main" xmlns:p14="http://schemas.microsoft.com/office/powerpoint/2010/main" xmlns:mv="urn:schemas-microsoft-com:mac:vml" xmlns:mc="http://schemas.openxmlformats.org/markup-compatibility/2006" val="2664379960"/>
       </p:ext>
     </p:extLst>
   </p:cSld>
@@ -12872,7 +12872,7 @@
       </p:grpSpPr>
       <p:pic>
         <p:nvPicPr>
-          <p:cNvPr id="5" name="Picture 4" descr="Clone 4.png"/>
+          <p:cNvPr id="6" name="Picture 5" descr="Screen Shot 2015-05-19 at 12.42.23 PM.png"/>
           <p:cNvPicPr>
             <a:picLocks noChangeAspect="1"/>
           </p:cNvPicPr>
@@ -12880,15 +12880,14 @@
         </p:nvPicPr>
         <p:blipFill>
           <a:blip r:embed="rId2"/>
-          <a:srcRect r="953" b="5171"/>
           <a:stretch>
             <a:fillRect/>
           </a:stretch>
         </p:blipFill>
         <p:spPr>
           <a:xfrm>
-            <a:off x="-1" y="0"/>
-            <a:ext cx="12182827" cy="5061113"/>
+            <a:off x="0" y="0"/>
+            <a:ext cx="12268034" cy="5272794"/>
           </a:xfrm>
           <a:prstGeom prst="rect">
             <a:avLst/>
@@ -12903,7 +12902,7 @@
         </p:nvSpPr>
         <p:spPr>
           <a:xfrm>
-            <a:off x="3781802" y="4218840"/>
+            <a:off x="3743319" y="4218840"/>
             <a:ext cx="4283280" cy="2639160"/>
           </a:xfrm>
           <a:prstGeom prst="irregularSeal1">
@@ -12928,7 +12927,7 @@
         </p:nvSpPr>
         <p:spPr>
           <a:xfrm>
-            <a:off x="4957133" y="5149709"/>
+            <a:off x="4995617" y="5226684"/>
             <a:ext cx="1786320" cy="639000"/>
           </a:xfrm>
           <a:prstGeom prst="rect">
@@ -13493,7 +13492,7 @@
   <a:extraClrSchemeLst/>
   <a:extLst>
     <a:ext uri="{05A4C25C-085E-4340-85A3-A5531E510DB2}">
-      <thm15:themeFamily xmlns:thm15="http://schemas.microsoft.com/office/thememl/2012/main" xmlns:a="http://schemas.openxmlformats.org/drawingml/2006/main" xmlns="" name="Facet" id="{C0C680CD-088A-49FC-A102-D699147F32B2}" vid="{CFBC31BA-B70F-4F30-BCAA-4F3011E16C4D}"/>
+      <thm15:themeFamily xmlns="" xmlns:a="http://schemas.openxmlformats.org/drawingml/2006/main" xmlns:thm15="http://schemas.microsoft.com/office/thememl/2012/main" name="Facet" id="{C0C680CD-088A-49FC-A102-D699147F32B2}" vid="{CFBC31BA-B70F-4F30-BCAA-4F3011E16C4D}"/>
     </a:ext>
   </a:extLst>
 </a:theme>

--- a/IntroToGitHub&SmartGit-v4.1.pptx
+++ b/IntroToGitHub&SmartGit-v4.1.pptx
@@ -1,6 +1,6 @@
 
 <file path=ppt/presentation.xml><?xml version="1.0" encoding="utf-8"?>
-<p:presentation xmlns:a="http://schemas.openxmlformats.org/drawingml/2006/main" xmlns:r="http://schemas.openxmlformats.org/officeDocument/2006/relationships" xmlns:mc="http://schemas.openxmlformats.org/markup-compatibility/2006" xmlns:mv="urn:schemas-microsoft-com:mac:vml" xmlns:p="http://schemas.openxmlformats.org/presentationml/2006/main" mc:Ignorable="mv" mc:PreserveAttributes="mv:*">
+<p:presentation xmlns:a="http://schemas.openxmlformats.org/drawingml/2006/main" xmlns:r="http://schemas.openxmlformats.org/officeDocument/2006/relationships" xmlns:p="http://schemas.openxmlformats.org/presentationml/2006/main">
   <p:sldMasterIdLst>
     <p:sldMasterId id="2147483713" r:id="rId1"/>
   </p:sldMasterIdLst>
@@ -131,14 +131,25 @@
   </p:defaultTextStyle>
   <p:extLst>
     <p:ext uri="{EFAFB233-063F-42B5-8137-9DF3F51BA10A}">
-      <p15:sldGuideLst xmlns="" xmlns:a="http://schemas.openxmlformats.org/drawingml/2006/main" xmlns:r="http://schemas.openxmlformats.org/officeDocument/2006/relationships" xmlns:p="http://schemas.openxmlformats.org/presentationml/2006/main" xmlns:p15="http://schemas.microsoft.com/office/powerpoint/2012/main" xmlns:mv="urn:schemas-microsoft-com:mac:vml" xmlns:mc="http://schemas.openxmlformats.org/markup-compatibility/2006"/>
+      <p15:sldGuideLst xmlns:p15="http://schemas.microsoft.com/office/powerpoint/2012/main">
+        <p15:guide id="1" orient="horz" pos="2160">
+          <p15:clr>
+            <a:srgbClr val="A4A3A4"/>
+          </p15:clr>
+        </p15:guide>
+        <p15:guide id="2" pos="3840">
+          <p15:clr>
+            <a:srgbClr val="A4A3A4"/>
+          </p15:clr>
+        </p15:guide>
+      </p15:sldGuideLst>
     </p:ext>
   </p:extLst>
 </p:presentation>
 </file>
 
 <file path=ppt/notesMasters/notesMaster1.xml><?xml version="1.0" encoding="utf-8"?>
-<p:notesMaster xmlns:a="http://schemas.openxmlformats.org/drawingml/2006/main" xmlns:r="http://schemas.openxmlformats.org/officeDocument/2006/relationships" xmlns:mc="http://schemas.openxmlformats.org/markup-compatibility/2006" xmlns:mv="urn:schemas-microsoft-com:mac:vml" xmlns:p="http://schemas.openxmlformats.org/presentationml/2006/main" mc:Ignorable="mv" mc:PreserveAttributes="mv:*">
+<p:notesMaster xmlns:a="http://schemas.openxmlformats.org/drawingml/2006/main" xmlns:r="http://schemas.openxmlformats.org/officeDocument/2006/relationships" xmlns:p="http://schemas.openxmlformats.org/presentationml/2006/main">
   <p:cSld>
     <p:bg>
       <p:bgRef idx="1001">
@@ -330,7 +341,7 @@
     </p:spTree>
     <p:extLst>
       <p:ext uri="{BB962C8B-B14F-4D97-AF65-F5344CB8AC3E}">
-        <p14:creationId xmlns="" xmlns:a="http://schemas.openxmlformats.org/drawingml/2006/main" xmlns:r="http://schemas.openxmlformats.org/officeDocument/2006/relationships" xmlns:p="http://schemas.openxmlformats.org/presentationml/2006/main" xmlns:p14="http://schemas.microsoft.com/office/powerpoint/2010/main" xmlns:mv="urn:schemas-microsoft-com:mac:vml" xmlns:mc="http://schemas.openxmlformats.org/markup-compatibility/2006" val="241429818"/>
+        <p14:creationId xmlns:p14="http://schemas.microsoft.com/office/powerpoint/2010/main" val="241429818"/>
       </p:ext>
     </p:extLst>
   </p:cSld>
@@ -431,7 +442,7 @@
 </file>
 
 <file path=ppt/notesSlides/notesSlide1.xml><?xml version="1.0" encoding="utf-8"?>
-<p:notes xmlns:a="http://schemas.openxmlformats.org/drawingml/2006/main" xmlns:r="http://schemas.openxmlformats.org/officeDocument/2006/relationships" xmlns:mc="http://schemas.openxmlformats.org/markup-compatibility/2006" xmlns:mv="urn:schemas-microsoft-com:mac:vml" xmlns:p="http://schemas.openxmlformats.org/presentationml/2006/main" mc:Ignorable="mv" mc:PreserveAttributes="mv:*">
+<p:notes xmlns:a="http://schemas.openxmlformats.org/drawingml/2006/main" xmlns:r="http://schemas.openxmlformats.org/officeDocument/2006/relationships" xmlns:p="http://schemas.openxmlformats.org/presentationml/2006/main">
   <p:cSld>
     <p:spTree>
       <p:nvGrpSpPr>
@@ -522,7 +533,7 @@
     </p:spTree>
     <p:extLst>
       <p:ext uri="{BB962C8B-B14F-4D97-AF65-F5344CB8AC3E}">
-        <p14:creationId xmlns="" xmlns:a="http://schemas.openxmlformats.org/drawingml/2006/main" xmlns:r="http://schemas.openxmlformats.org/officeDocument/2006/relationships" xmlns:p="http://schemas.openxmlformats.org/presentationml/2006/main" xmlns:p14="http://schemas.microsoft.com/office/powerpoint/2010/main" xmlns:mv="urn:schemas-microsoft-com:mac:vml" xmlns:mc="http://schemas.openxmlformats.org/markup-compatibility/2006" val="1035143249"/>
+        <p14:creationId xmlns:p14="http://schemas.microsoft.com/office/powerpoint/2010/main" val="1035143249"/>
       </p:ext>
     </p:extLst>
   </p:cSld>
@@ -533,7 +544,7 @@
 </file>
 
 <file path=ppt/notesSlides/notesSlide2.xml><?xml version="1.0" encoding="utf-8"?>
-<p:notes xmlns:a="http://schemas.openxmlformats.org/drawingml/2006/main" xmlns:r="http://schemas.openxmlformats.org/officeDocument/2006/relationships" xmlns:mc="http://schemas.openxmlformats.org/markup-compatibility/2006" xmlns:mv="urn:schemas-microsoft-com:mac:vml" xmlns:p="http://schemas.openxmlformats.org/presentationml/2006/main" mc:Ignorable="mv" mc:PreserveAttributes="mv:*">
+<p:notes xmlns:a="http://schemas.openxmlformats.org/drawingml/2006/main" xmlns:r="http://schemas.openxmlformats.org/officeDocument/2006/relationships" xmlns:p="http://schemas.openxmlformats.org/presentationml/2006/main">
   <p:cSld>
     <p:spTree>
       <p:nvGrpSpPr>
@@ -622,7 +633,7 @@
     </p:spTree>
     <p:extLst>
       <p:ext uri="{BB962C8B-B14F-4D97-AF65-F5344CB8AC3E}">
-        <p14:creationId xmlns="" xmlns:a="http://schemas.openxmlformats.org/drawingml/2006/main" xmlns:r="http://schemas.openxmlformats.org/officeDocument/2006/relationships" xmlns:p="http://schemas.openxmlformats.org/presentationml/2006/main" xmlns:p14="http://schemas.microsoft.com/office/powerpoint/2010/main" xmlns:mv="urn:schemas-microsoft-com:mac:vml" xmlns:mc="http://schemas.openxmlformats.org/markup-compatibility/2006" val="2910537969"/>
+        <p14:creationId xmlns:p14="http://schemas.microsoft.com/office/powerpoint/2010/main" val="2910537969"/>
       </p:ext>
     </p:extLst>
   </p:cSld>
@@ -633,7 +644,7 @@
 </file>
 
 <file path=ppt/notesSlides/notesSlide3.xml><?xml version="1.0" encoding="utf-8"?>
-<p:notes xmlns:a="http://schemas.openxmlformats.org/drawingml/2006/main" xmlns:r="http://schemas.openxmlformats.org/officeDocument/2006/relationships" xmlns:mc="http://schemas.openxmlformats.org/markup-compatibility/2006" xmlns:mv="urn:schemas-microsoft-com:mac:vml" xmlns:p="http://schemas.openxmlformats.org/presentationml/2006/main" mc:Ignorable="mv" mc:PreserveAttributes="mv:*">
+<p:notes xmlns:a="http://schemas.openxmlformats.org/drawingml/2006/main" xmlns:r="http://schemas.openxmlformats.org/officeDocument/2006/relationships" xmlns:p="http://schemas.openxmlformats.org/presentationml/2006/main">
   <p:cSld>
     <p:spTree>
       <p:nvGrpSpPr>
@@ -722,7 +733,7 @@
     </p:spTree>
     <p:extLst>
       <p:ext uri="{BB962C8B-B14F-4D97-AF65-F5344CB8AC3E}">
-        <p14:creationId xmlns="" xmlns:a="http://schemas.openxmlformats.org/drawingml/2006/main" xmlns:r="http://schemas.openxmlformats.org/officeDocument/2006/relationships" xmlns:p="http://schemas.openxmlformats.org/presentationml/2006/main" xmlns:p14="http://schemas.microsoft.com/office/powerpoint/2010/main" xmlns:mv="urn:schemas-microsoft-com:mac:vml" xmlns:mc="http://schemas.openxmlformats.org/markup-compatibility/2006" val="2587382481"/>
+        <p14:creationId xmlns:p14="http://schemas.microsoft.com/office/powerpoint/2010/main" val="2587382481"/>
       </p:ext>
     </p:extLst>
   </p:cSld>
@@ -733,7 +744,7 @@
 </file>
 
 <file path=ppt/notesSlides/notesSlide4.xml><?xml version="1.0" encoding="utf-8"?>
-<p:notes xmlns:a="http://schemas.openxmlformats.org/drawingml/2006/main" xmlns:r="http://schemas.openxmlformats.org/officeDocument/2006/relationships" xmlns:mc="http://schemas.openxmlformats.org/markup-compatibility/2006" xmlns:mv="urn:schemas-microsoft-com:mac:vml" xmlns:p="http://schemas.openxmlformats.org/presentationml/2006/main" mc:Ignorable="mv" mc:PreserveAttributes="mv:*">
+<p:notes xmlns:a="http://schemas.openxmlformats.org/drawingml/2006/main" xmlns:r="http://schemas.openxmlformats.org/officeDocument/2006/relationships" xmlns:p="http://schemas.openxmlformats.org/presentationml/2006/main">
   <p:cSld>
     <p:spTree>
       <p:nvGrpSpPr>
@@ -822,7 +833,7 @@
     </p:spTree>
     <p:extLst>
       <p:ext uri="{BB962C8B-B14F-4D97-AF65-F5344CB8AC3E}">
-        <p14:creationId xmlns="" xmlns:a="http://schemas.openxmlformats.org/drawingml/2006/main" xmlns:r="http://schemas.openxmlformats.org/officeDocument/2006/relationships" xmlns:p="http://schemas.openxmlformats.org/presentationml/2006/main" xmlns:p14="http://schemas.microsoft.com/office/powerpoint/2010/main" xmlns:mv="urn:schemas-microsoft-com:mac:vml" xmlns:mc="http://schemas.openxmlformats.org/markup-compatibility/2006" val="1092528477"/>
+        <p14:creationId xmlns:p14="http://schemas.microsoft.com/office/powerpoint/2010/main" val="1092528477"/>
       </p:ext>
     </p:extLst>
   </p:cSld>
@@ -833,7 +844,7 @@
 </file>
 
 <file path=ppt/notesSlides/notesSlide5.xml><?xml version="1.0" encoding="utf-8"?>
-<p:notes xmlns:a="http://schemas.openxmlformats.org/drawingml/2006/main" xmlns:r="http://schemas.openxmlformats.org/officeDocument/2006/relationships" xmlns:mc="http://schemas.openxmlformats.org/markup-compatibility/2006" xmlns:mv="urn:schemas-microsoft-com:mac:vml" xmlns:p="http://schemas.openxmlformats.org/presentationml/2006/main" mc:Ignorable="mv" mc:PreserveAttributes="mv:*">
+<p:notes xmlns:a="http://schemas.openxmlformats.org/drawingml/2006/main" xmlns:r="http://schemas.openxmlformats.org/officeDocument/2006/relationships" xmlns:p="http://schemas.openxmlformats.org/presentationml/2006/main">
   <p:cSld>
     <p:spTree>
       <p:nvGrpSpPr>
@@ -922,7 +933,7 @@
     </p:spTree>
     <p:extLst>
       <p:ext uri="{BB962C8B-B14F-4D97-AF65-F5344CB8AC3E}">
-        <p14:creationId xmlns="" xmlns:a="http://schemas.openxmlformats.org/drawingml/2006/main" xmlns:r="http://schemas.openxmlformats.org/officeDocument/2006/relationships" xmlns:p="http://schemas.openxmlformats.org/presentationml/2006/main" xmlns:p14="http://schemas.microsoft.com/office/powerpoint/2010/main" xmlns:mv="urn:schemas-microsoft-com:mac:vml" xmlns:mc="http://schemas.openxmlformats.org/markup-compatibility/2006" val="1661121954"/>
+        <p14:creationId xmlns:p14="http://schemas.microsoft.com/office/powerpoint/2010/main" val="1661121954"/>
       </p:ext>
     </p:extLst>
   </p:cSld>
@@ -933,7 +944,7 @@
 </file>
 
 <file path=ppt/notesSlides/notesSlide6.xml><?xml version="1.0" encoding="utf-8"?>
-<p:notes xmlns:a="http://schemas.openxmlformats.org/drawingml/2006/main" xmlns:r="http://schemas.openxmlformats.org/officeDocument/2006/relationships" xmlns:mc="http://schemas.openxmlformats.org/markup-compatibility/2006" xmlns:mv="urn:schemas-microsoft-com:mac:vml" xmlns:p="http://schemas.openxmlformats.org/presentationml/2006/main" mc:Ignorable="mv" mc:PreserveAttributes="mv:*">
+<p:notes xmlns:a="http://schemas.openxmlformats.org/drawingml/2006/main" xmlns:r="http://schemas.openxmlformats.org/officeDocument/2006/relationships" xmlns:p="http://schemas.openxmlformats.org/presentationml/2006/main">
   <p:cSld>
     <p:spTree>
       <p:nvGrpSpPr>
@@ -1022,7 +1033,7 @@
     </p:spTree>
     <p:extLst>
       <p:ext uri="{BB962C8B-B14F-4D97-AF65-F5344CB8AC3E}">
-        <p14:creationId xmlns="" xmlns:a="http://schemas.openxmlformats.org/drawingml/2006/main" xmlns:r="http://schemas.openxmlformats.org/officeDocument/2006/relationships" xmlns:p="http://schemas.openxmlformats.org/presentationml/2006/main" xmlns:p14="http://schemas.microsoft.com/office/powerpoint/2010/main" xmlns:mv="urn:schemas-microsoft-com:mac:vml" xmlns:mc="http://schemas.openxmlformats.org/markup-compatibility/2006" val="1688920199"/>
+        <p14:creationId xmlns:p14="http://schemas.microsoft.com/office/powerpoint/2010/main" val="1688920199"/>
       </p:ext>
     </p:extLst>
   </p:cSld>
@@ -1033,7 +1044,7 @@
 </file>
 
 <file path=ppt/slideLayouts/slideLayout1.xml><?xml version="1.0" encoding="utf-8"?>
-<p:sldLayout xmlns:a="http://schemas.openxmlformats.org/drawingml/2006/main" xmlns:r="http://schemas.openxmlformats.org/officeDocument/2006/relationships" xmlns:mc="http://schemas.openxmlformats.org/markup-compatibility/2006" xmlns:mv="urn:schemas-microsoft-com:mac:vml" xmlns:p="http://schemas.openxmlformats.org/presentationml/2006/main" mc:Ignorable="mv" mc:PreserveAttributes="mv:*" showMasterSp="0" type="title" preserve="1">
+<p:sldLayout xmlns:a="http://schemas.openxmlformats.org/drawingml/2006/main" xmlns:r="http://schemas.openxmlformats.org/officeDocument/2006/relationships" xmlns:p="http://schemas.openxmlformats.org/presentationml/2006/main" showMasterSp="0" type="title" preserve="1">
   <p:cSld name="Title Slide">
     <p:spTree>
       <p:nvGrpSpPr>
@@ -1755,7 +1766,7 @@
             <a:fld id="{B61BEF0D-F0BB-DE4B-95CE-6DB70DBA9567}" type="datetimeFigureOut">
               <a:rPr lang="en-US" dirty="0"/>
               <a:pPr/>
-              <a:t>5/19/15</a:t>
+              <a:t>5/20/2015</a:t>
             </a:fld>
             <a:endParaRPr lang="en-US" dirty="0"/>
           </a:p>
@@ -1807,7 +1818,7 @@
     </p:spTree>
     <p:extLst>
       <p:ext uri="{BB962C8B-B14F-4D97-AF65-F5344CB8AC3E}">
-        <p14:creationId xmlns="" xmlns:a="http://schemas.openxmlformats.org/drawingml/2006/main" xmlns:r="http://schemas.openxmlformats.org/officeDocument/2006/relationships" xmlns:p="http://schemas.openxmlformats.org/presentationml/2006/main" xmlns:p14="http://schemas.microsoft.com/office/powerpoint/2010/main" xmlns:mv="urn:schemas-microsoft-com:mac:vml" xmlns:mc="http://schemas.openxmlformats.org/markup-compatibility/2006" val="624070842"/>
+        <p14:creationId xmlns:p14="http://schemas.microsoft.com/office/powerpoint/2010/main" val="624070842"/>
       </p:ext>
     </p:extLst>
   </p:cSld>
@@ -1818,7 +1829,7 @@
 </file>
 
 <file path=ppt/slideLayouts/slideLayout10.xml><?xml version="1.0" encoding="utf-8"?>
-<p:sldLayout xmlns:a="http://schemas.openxmlformats.org/drawingml/2006/main" xmlns:r="http://schemas.openxmlformats.org/officeDocument/2006/relationships" xmlns:mc="http://schemas.openxmlformats.org/markup-compatibility/2006" xmlns:mv="urn:schemas-microsoft-com:mac:vml" xmlns:p="http://schemas.openxmlformats.org/presentationml/2006/main" mc:Ignorable="mv" mc:PreserveAttributes="mv:*" preserve="1">
+<p:sldLayout xmlns:a="http://schemas.openxmlformats.org/drawingml/2006/main" xmlns:r="http://schemas.openxmlformats.org/officeDocument/2006/relationships" xmlns:p="http://schemas.openxmlformats.org/presentationml/2006/main" preserve="1">
   <p:cSld name="Title and Caption">
     <p:spTree>
       <p:nvGrpSpPr>
@@ -2083,7 +2094,7 @@
     </p:spTree>
     <p:extLst>
       <p:ext uri="{BB962C8B-B14F-4D97-AF65-F5344CB8AC3E}">
-        <p14:creationId xmlns="" xmlns:a="http://schemas.openxmlformats.org/drawingml/2006/main" xmlns:r="http://schemas.openxmlformats.org/officeDocument/2006/relationships" xmlns:p="http://schemas.openxmlformats.org/presentationml/2006/main" xmlns:p14="http://schemas.microsoft.com/office/powerpoint/2010/main" xmlns:mv="urn:schemas-microsoft-com:mac:vml" xmlns:mc="http://schemas.openxmlformats.org/markup-compatibility/2006" val="4166250518"/>
+        <p14:creationId xmlns:p14="http://schemas.microsoft.com/office/powerpoint/2010/main" val="4166250518"/>
       </p:ext>
     </p:extLst>
   </p:cSld>
@@ -2094,7 +2105,7 @@
 </file>
 
 <file path=ppt/slideLayouts/slideLayout11.xml><?xml version="1.0" encoding="utf-8"?>
-<p:sldLayout xmlns:a="http://schemas.openxmlformats.org/drawingml/2006/main" xmlns:r="http://schemas.openxmlformats.org/officeDocument/2006/relationships" xmlns:mc="http://schemas.openxmlformats.org/markup-compatibility/2006" xmlns:mv="urn:schemas-microsoft-com:mac:vml" xmlns:p="http://schemas.openxmlformats.org/presentationml/2006/main" mc:Ignorable="mv" mc:PreserveAttributes="mv:*" preserve="1">
+<p:sldLayout xmlns:a="http://schemas.openxmlformats.org/drawingml/2006/main" xmlns:r="http://schemas.openxmlformats.org/officeDocument/2006/relationships" xmlns:p="http://schemas.openxmlformats.org/presentationml/2006/main" preserve="1">
   <p:cSld name="Quote with Caption">
     <p:spTree>
       <p:nvGrpSpPr>
@@ -2512,7 +2523,7 @@
     </p:spTree>
     <p:extLst>
       <p:ext uri="{BB962C8B-B14F-4D97-AF65-F5344CB8AC3E}">
-        <p14:creationId xmlns="" xmlns:a="http://schemas.openxmlformats.org/drawingml/2006/main" xmlns:r="http://schemas.openxmlformats.org/officeDocument/2006/relationships" xmlns:p="http://schemas.openxmlformats.org/presentationml/2006/main" xmlns:p14="http://schemas.microsoft.com/office/powerpoint/2010/main" xmlns:mv="urn:schemas-microsoft-com:mac:vml" xmlns:mc="http://schemas.openxmlformats.org/markup-compatibility/2006" val="1836846174"/>
+        <p14:creationId xmlns:p14="http://schemas.microsoft.com/office/powerpoint/2010/main" val="1836846174"/>
       </p:ext>
     </p:extLst>
   </p:cSld>
@@ -2523,7 +2534,7 @@
 </file>
 
 <file path=ppt/slideLayouts/slideLayout12.xml><?xml version="1.0" encoding="utf-8"?>
-<p:sldLayout xmlns:a="http://schemas.openxmlformats.org/drawingml/2006/main" xmlns:r="http://schemas.openxmlformats.org/officeDocument/2006/relationships" xmlns:mc="http://schemas.openxmlformats.org/markup-compatibility/2006" xmlns:mv="urn:schemas-microsoft-com:mac:vml" xmlns:p="http://schemas.openxmlformats.org/presentationml/2006/main" mc:Ignorable="mv" mc:PreserveAttributes="mv:*" preserve="1">
+<p:sldLayout xmlns:a="http://schemas.openxmlformats.org/drawingml/2006/main" xmlns:r="http://schemas.openxmlformats.org/officeDocument/2006/relationships" xmlns:p="http://schemas.openxmlformats.org/presentationml/2006/main" preserve="1">
   <p:cSld name="Name Card">
     <p:spTree>
       <p:nvGrpSpPr>
@@ -2788,7 +2799,7 @@
     </p:spTree>
     <p:extLst>
       <p:ext uri="{BB962C8B-B14F-4D97-AF65-F5344CB8AC3E}">
-        <p14:creationId xmlns="" xmlns:a="http://schemas.openxmlformats.org/drawingml/2006/main" xmlns:r="http://schemas.openxmlformats.org/officeDocument/2006/relationships" xmlns:p="http://schemas.openxmlformats.org/presentationml/2006/main" xmlns:p14="http://schemas.microsoft.com/office/powerpoint/2010/main" xmlns:mv="urn:schemas-microsoft-com:mac:vml" xmlns:mc="http://schemas.openxmlformats.org/markup-compatibility/2006" val="2741947831"/>
+        <p14:creationId xmlns:p14="http://schemas.microsoft.com/office/powerpoint/2010/main" val="2741947831"/>
       </p:ext>
     </p:extLst>
   </p:cSld>
@@ -2799,7 +2810,7 @@
 </file>
 
 <file path=ppt/slideLayouts/slideLayout13.xml><?xml version="1.0" encoding="utf-8"?>
-<p:sldLayout xmlns:a="http://schemas.openxmlformats.org/drawingml/2006/main" xmlns:r="http://schemas.openxmlformats.org/officeDocument/2006/relationships" xmlns:mc="http://schemas.openxmlformats.org/markup-compatibility/2006" xmlns:mv="urn:schemas-microsoft-com:mac:vml" xmlns:p="http://schemas.openxmlformats.org/presentationml/2006/main" mc:Ignorable="mv" mc:PreserveAttributes="mv:*" preserve="1">
+<p:sldLayout xmlns:a="http://schemas.openxmlformats.org/drawingml/2006/main" xmlns:r="http://schemas.openxmlformats.org/officeDocument/2006/relationships" xmlns:p="http://schemas.openxmlformats.org/presentationml/2006/main" preserve="1">
   <p:cSld name="Quote Name Card">
     <p:spTree>
       <p:nvGrpSpPr>
@@ -3209,7 +3220,7 @@
     </p:spTree>
     <p:extLst>
       <p:ext uri="{BB962C8B-B14F-4D97-AF65-F5344CB8AC3E}">
-        <p14:creationId xmlns="" xmlns:a="http://schemas.openxmlformats.org/drawingml/2006/main" xmlns:r="http://schemas.openxmlformats.org/officeDocument/2006/relationships" xmlns:p="http://schemas.openxmlformats.org/presentationml/2006/main" xmlns:p14="http://schemas.microsoft.com/office/powerpoint/2010/main" xmlns:mv="urn:schemas-microsoft-com:mac:vml" xmlns:mc="http://schemas.openxmlformats.org/markup-compatibility/2006" val="1860616655"/>
+        <p14:creationId xmlns:p14="http://schemas.microsoft.com/office/powerpoint/2010/main" val="1860616655"/>
       </p:ext>
     </p:extLst>
   </p:cSld>
@@ -3220,7 +3231,7 @@
 </file>
 
 <file path=ppt/slideLayouts/slideLayout14.xml><?xml version="1.0" encoding="utf-8"?>
-<p:sldLayout xmlns:a="http://schemas.openxmlformats.org/drawingml/2006/main" xmlns:r="http://schemas.openxmlformats.org/officeDocument/2006/relationships" xmlns:mc="http://schemas.openxmlformats.org/markup-compatibility/2006" xmlns:mv="urn:schemas-microsoft-com:mac:vml" xmlns:p="http://schemas.openxmlformats.org/presentationml/2006/main" mc:Ignorable="mv" mc:PreserveAttributes="mv:*" preserve="1">
+<p:sldLayout xmlns:a="http://schemas.openxmlformats.org/drawingml/2006/main" xmlns:r="http://schemas.openxmlformats.org/officeDocument/2006/relationships" xmlns:p="http://schemas.openxmlformats.org/presentationml/2006/main" preserve="1">
   <p:cSld name="True or False">
     <p:spTree>
       <p:nvGrpSpPr>
@@ -3545,7 +3556,7 @@
     </p:spTree>
     <p:extLst>
       <p:ext uri="{BB962C8B-B14F-4D97-AF65-F5344CB8AC3E}">
-        <p14:creationId xmlns="" xmlns:a="http://schemas.openxmlformats.org/drawingml/2006/main" xmlns:r="http://schemas.openxmlformats.org/officeDocument/2006/relationships" xmlns:p="http://schemas.openxmlformats.org/presentationml/2006/main" xmlns:p14="http://schemas.microsoft.com/office/powerpoint/2010/main" xmlns:mv="urn:schemas-microsoft-com:mac:vml" xmlns:mc="http://schemas.openxmlformats.org/markup-compatibility/2006" val="760552747"/>
+        <p14:creationId xmlns:p14="http://schemas.microsoft.com/office/powerpoint/2010/main" val="760552747"/>
       </p:ext>
     </p:extLst>
   </p:cSld>
@@ -3556,7 +3567,7 @@
 </file>
 
 <file path=ppt/slideLayouts/slideLayout15.xml><?xml version="1.0" encoding="utf-8"?>
-<p:sldLayout xmlns:a="http://schemas.openxmlformats.org/drawingml/2006/main" xmlns:r="http://schemas.openxmlformats.org/officeDocument/2006/relationships" xmlns:mc="http://schemas.openxmlformats.org/markup-compatibility/2006" xmlns:mv="urn:schemas-microsoft-com:mac:vml" xmlns:p="http://schemas.openxmlformats.org/presentationml/2006/main" mc:Ignorable="mv" mc:PreserveAttributes="mv:*" type="vertTx" preserve="1">
+<p:sldLayout xmlns:a="http://schemas.openxmlformats.org/drawingml/2006/main" xmlns:r="http://schemas.openxmlformats.org/officeDocument/2006/relationships" xmlns:p="http://schemas.openxmlformats.org/presentationml/2006/main" type="vertTx" preserve="1">
   <p:cSld name="Title and Vertical Text">
     <p:spTree>
       <p:nvGrpSpPr>
@@ -3740,7 +3751,7 @@
     </p:spTree>
     <p:extLst>
       <p:ext uri="{BB962C8B-B14F-4D97-AF65-F5344CB8AC3E}">
-        <p14:creationId xmlns="" xmlns:a="http://schemas.openxmlformats.org/drawingml/2006/main" xmlns:r="http://schemas.openxmlformats.org/officeDocument/2006/relationships" xmlns:p="http://schemas.openxmlformats.org/presentationml/2006/main" xmlns:p14="http://schemas.microsoft.com/office/powerpoint/2010/main" xmlns:mv="urn:schemas-microsoft-com:mac:vml" xmlns:mc="http://schemas.openxmlformats.org/markup-compatibility/2006" val="4005121510"/>
+        <p14:creationId xmlns:p14="http://schemas.microsoft.com/office/powerpoint/2010/main" val="4005121510"/>
       </p:ext>
     </p:extLst>
   </p:cSld>
@@ -3751,7 +3762,7 @@
 </file>
 
 <file path=ppt/slideLayouts/slideLayout16.xml><?xml version="1.0" encoding="utf-8"?>
-<p:sldLayout xmlns:a="http://schemas.openxmlformats.org/drawingml/2006/main" xmlns:r="http://schemas.openxmlformats.org/officeDocument/2006/relationships" xmlns:mc="http://schemas.openxmlformats.org/markup-compatibility/2006" xmlns:mv="urn:schemas-microsoft-com:mac:vml" xmlns:p="http://schemas.openxmlformats.org/presentationml/2006/main" mc:Ignorable="mv" mc:PreserveAttributes="mv:*" type="vertTitleAndTx" preserve="1">
+<p:sldLayout xmlns:a="http://schemas.openxmlformats.org/drawingml/2006/main" xmlns:r="http://schemas.openxmlformats.org/officeDocument/2006/relationships" xmlns:p="http://schemas.openxmlformats.org/presentationml/2006/main" type="vertTitleAndTx" preserve="1">
   <p:cSld name="Vertical Title and Text">
     <p:spTree>
       <p:nvGrpSpPr>
@@ -3945,7 +3956,7 @@
     </p:spTree>
     <p:extLst>
       <p:ext uri="{BB962C8B-B14F-4D97-AF65-F5344CB8AC3E}">
-        <p14:creationId xmlns="" xmlns:a="http://schemas.openxmlformats.org/drawingml/2006/main" xmlns:r="http://schemas.openxmlformats.org/officeDocument/2006/relationships" xmlns:p="http://schemas.openxmlformats.org/presentationml/2006/main" xmlns:p14="http://schemas.microsoft.com/office/powerpoint/2010/main" xmlns:mv="urn:schemas-microsoft-com:mac:vml" xmlns:mc="http://schemas.openxmlformats.org/markup-compatibility/2006" val="4173657723"/>
+        <p14:creationId xmlns:p14="http://schemas.microsoft.com/office/powerpoint/2010/main" val="4173657723"/>
       </p:ext>
     </p:extLst>
   </p:cSld>
@@ -3956,7 +3967,7 @@
 </file>
 
 <file path=ppt/slideLayouts/slideLayout2.xml><?xml version="1.0" encoding="utf-8"?>
-<p:sldLayout xmlns:a="http://schemas.openxmlformats.org/drawingml/2006/main" xmlns:r="http://schemas.openxmlformats.org/officeDocument/2006/relationships" xmlns:mc="http://schemas.openxmlformats.org/markup-compatibility/2006" xmlns:mv="urn:schemas-microsoft-com:mac:vml" xmlns:p="http://schemas.openxmlformats.org/presentationml/2006/main" mc:Ignorable="mv" mc:PreserveAttributes="mv:*" type="obj" preserve="1">
+<p:sldLayout xmlns:a="http://schemas.openxmlformats.org/drawingml/2006/main" xmlns:r="http://schemas.openxmlformats.org/officeDocument/2006/relationships" xmlns:p="http://schemas.openxmlformats.org/presentationml/2006/main" type="obj" preserve="1">
   <p:cSld name="Title and Content">
     <p:spTree>
       <p:nvGrpSpPr>
@@ -4146,7 +4157,7 @@
     </p:spTree>
     <p:extLst>
       <p:ext uri="{BB962C8B-B14F-4D97-AF65-F5344CB8AC3E}">
-        <p14:creationId xmlns="" xmlns:a="http://schemas.openxmlformats.org/drawingml/2006/main" xmlns:r="http://schemas.openxmlformats.org/officeDocument/2006/relationships" xmlns:p="http://schemas.openxmlformats.org/presentationml/2006/main" xmlns:p14="http://schemas.microsoft.com/office/powerpoint/2010/main" xmlns:mv="urn:schemas-microsoft-com:mac:vml" xmlns:mc="http://schemas.openxmlformats.org/markup-compatibility/2006" val="1229514224"/>
+        <p14:creationId xmlns:p14="http://schemas.microsoft.com/office/powerpoint/2010/main" val="1229514224"/>
       </p:ext>
     </p:extLst>
   </p:cSld>
@@ -4157,7 +4168,7 @@
 </file>
 
 <file path=ppt/slideLayouts/slideLayout3.xml><?xml version="1.0" encoding="utf-8"?>
-<p:sldLayout xmlns:a="http://schemas.openxmlformats.org/drawingml/2006/main" xmlns:r="http://schemas.openxmlformats.org/officeDocument/2006/relationships" xmlns:mc="http://schemas.openxmlformats.org/markup-compatibility/2006" xmlns:mv="urn:schemas-microsoft-com:mac:vml" xmlns:p="http://schemas.openxmlformats.org/presentationml/2006/main" mc:Ignorable="mv" mc:PreserveAttributes="mv:*" type="secHead" preserve="1">
+<p:sldLayout xmlns:a="http://schemas.openxmlformats.org/drawingml/2006/main" xmlns:r="http://schemas.openxmlformats.org/officeDocument/2006/relationships" xmlns:p="http://schemas.openxmlformats.org/presentationml/2006/main" type="secHead" preserve="1">
   <p:cSld name="Section Header">
     <p:spTree>
       <p:nvGrpSpPr>
@@ -4418,7 +4429,7 @@
     </p:spTree>
     <p:extLst>
       <p:ext uri="{BB962C8B-B14F-4D97-AF65-F5344CB8AC3E}">
-        <p14:creationId xmlns="" xmlns:a="http://schemas.openxmlformats.org/drawingml/2006/main" xmlns:r="http://schemas.openxmlformats.org/officeDocument/2006/relationships" xmlns:p="http://schemas.openxmlformats.org/presentationml/2006/main" xmlns:p14="http://schemas.microsoft.com/office/powerpoint/2010/main" xmlns:mv="urn:schemas-microsoft-com:mac:vml" xmlns:mc="http://schemas.openxmlformats.org/markup-compatibility/2006" val="1333608137"/>
+        <p14:creationId xmlns:p14="http://schemas.microsoft.com/office/powerpoint/2010/main" val="1333608137"/>
       </p:ext>
     </p:extLst>
   </p:cSld>
@@ -4429,7 +4440,7 @@
 </file>
 
 <file path=ppt/slideLayouts/slideLayout4.xml><?xml version="1.0" encoding="utf-8"?>
-<p:sldLayout xmlns:a="http://schemas.openxmlformats.org/drawingml/2006/main" xmlns:r="http://schemas.openxmlformats.org/officeDocument/2006/relationships" xmlns:mc="http://schemas.openxmlformats.org/markup-compatibility/2006" xmlns:mv="urn:schemas-microsoft-com:mac:vml" xmlns:p="http://schemas.openxmlformats.org/presentationml/2006/main" mc:Ignorable="mv" mc:PreserveAttributes="mv:*" type="twoObj" preserve="1">
+<p:sldLayout xmlns:a="http://schemas.openxmlformats.org/drawingml/2006/main" xmlns:r="http://schemas.openxmlformats.org/officeDocument/2006/relationships" xmlns:p="http://schemas.openxmlformats.org/presentationml/2006/main" type="twoObj" preserve="1">
   <p:cSld name="Two Content">
     <p:spTree>
       <p:nvGrpSpPr>
@@ -4675,7 +4686,7 @@
     </p:spTree>
     <p:extLst>
       <p:ext uri="{BB962C8B-B14F-4D97-AF65-F5344CB8AC3E}">
-        <p14:creationId xmlns="" xmlns:a="http://schemas.openxmlformats.org/drawingml/2006/main" xmlns:r="http://schemas.openxmlformats.org/officeDocument/2006/relationships" xmlns:p="http://schemas.openxmlformats.org/presentationml/2006/main" xmlns:p14="http://schemas.microsoft.com/office/powerpoint/2010/main" xmlns:mv="urn:schemas-microsoft-com:mac:vml" xmlns:mc="http://schemas.openxmlformats.org/markup-compatibility/2006" val="4201345582"/>
+        <p14:creationId xmlns:p14="http://schemas.microsoft.com/office/powerpoint/2010/main" val="4201345582"/>
       </p:ext>
     </p:extLst>
   </p:cSld>
@@ -4686,7 +4697,7 @@
 </file>
 
 <file path=ppt/slideLayouts/slideLayout5.xml><?xml version="1.0" encoding="utf-8"?>
-<p:sldLayout xmlns:a="http://schemas.openxmlformats.org/drawingml/2006/main" xmlns:r="http://schemas.openxmlformats.org/officeDocument/2006/relationships" xmlns:mc="http://schemas.openxmlformats.org/markup-compatibility/2006" xmlns:mv="urn:schemas-microsoft-com:mac:vml" xmlns:p="http://schemas.openxmlformats.org/presentationml/2006/main" mc:Ignorable="mv" mc:PreserveAttributes="mv:*" type="twoTxTwoObj" preserve="1">
+<p:sldLayout xmlns:a="http://schemas.openxmlformats.org/drawingml/2006/main" xmlns:r="http://schemas.openxmlformats.org/officeDocument/2006/relationships" xmlns:p="http://schemas.openxmlformats.org/presentationml/2006/main" type="twoTxTwoObj" preserve="1">
   <p:cSld name="Comparison">
     <p:spTree>
       <p:nvGrpSpPr>
@@ -5074,7 +5085,7 @@
     </p:spTree>
     <p:extLst>
       <p:ext uri="{BB962C8B-B14F-4D97-AF65-F5344CB8AC3E}">
-        <p14:creationId xmlns="" xmlns:a="http://schemas.openxmlformats.org/drawingml/2006/main" xmlns:r="http://schemas.openxmlformats.org/officeDocument/2006/relationships" xmlns:p="http://schemas.openxmlformats.org/presentationml/2006/main" xmlns:p14="http://schemas.microsoft.com/office/powerpoint/2010/main" xmlns:mv="urn:schemas-microsoft-com:mac:vml" xmlns:mc="http://schemas.openxmlformats.org/markup-compatibility/2006" val="3029459635"/>
+        <p14:creationId xmlns:p14="http://schemas.microsoft.com/office/powerpoint/2010/main" val="3029459635"/>
       </p:ext>
     </p:extLst>
   </p:cSld>
@@ -5085,7 +5096,7 @@
 </file>
 
 <file path=ppt/slideLayouts/slideLayout6.xml><?xml version="1.0" encoding="utf-8"?>
-<p:sldLayout xmlns:a="http://schemas.openxmlformats.org/drawingml/2006/main" xmlns:r="http://schemas.openxmlformats.org/officeDocument/2006/relationships" xmlns:mc="http://schemas.openxmlformats.org/markup-compatibility/2006" xmlns:mv="urn:schemas-microsoft-com:mac:vml" xmlns:p="http://schemas.openxmlformats.org/presentationml/2006/main" mc:Ignorable="mv" mc:PreserveAttributes="mv:*" type="titleOnly" preserve="1">
+<p:sldLayout xmlns:a="http://schemas.openxmlformats.org/drawingml/2006/main" xmlns:r="http://schemas.openxmlformats.org/officeDocument/2006/relationships" xmlns:p="http://schemas.openxmlformats.org/presentationml/2006/main" type="titleOnly" preserve="1">
   <p:cSld name="Title Only">
     <p:spTree>
       <p:nvGrpSpPr>
@@ -5147,7 +5158,7 @@
             <a:fld id="{B61BEF0D-F0BB-DE4B-95CE-6DB70DBA9567}" type="datetimeFigureOut">
               <a:rPr lang="en-US" dirty="0"/>
               <a:pPr/>
-              <a:t>5/19/15</a:t>
+              <a:t>5/20/2015</a:t>
             </a:fld>
             <a:endParaRPr lang="en-US" dirty="0"/>
           </a:p>
@@ -5199,7 +5210,7 @@
     </p:spTree>
     <p:extLst>
       <p:ext uri="{BB962C8B-B14F-4D97-AF65-F5344CB8AC3E}">
-        <p14:creationId xmlns="" xmlns:a="http://schemas.openxmlformats.org/drawingml/2006/main" xmlns:r="http://schemas.openxmlformats.org/officeDocument/2006/relationships" xmlns:p="http://schemas.openxmlformats.org/presentationml/2006/main" xmlns:p14="http://schemas.microsoft.com/office/powerpoint/2010/main" xmlns:mv="urn:schemas-microsoft-com:mac:vml" xmlns:mc="http://schemas.openxmlformats.org/markup-compatibility/2006" val="976045021"/>
+        <p14:creationId xmlns:p14="http://schemas.microsoft.com/office/powerpoint/2010/main" val="976045021"/>
       </p:ext>
     </p:extLst>
   </p:cSld>
@@ -5210,7 +5221,7 @@
 </file>
 
 <file path=ppt/slideLayouts/slideLayout7.xml><?xml version="1.0" encoding="utf-8"?>
-<p:sldLayout xmlns:a="http://schemas.openxmlformats.org/drawingml/2006/main" xmlns:r="http://schemas.openxmlformats.org/officeDocument/2006/relationships" xmlns:mc="http://schemas.openxmlformats.org/markup-compatibility/2006" xmlns:mv="urn:schemas-microsoft-com:mac:vml" xmlns:p="http://schemas.openxmlformats.org/presentationml/2006/main" mc:Ignorable="mv" mc:PreserveAttributes="mv:*" type="blank" preserve="1">
+<p:sldLayout xmlns:a="http://schemas.openxmlformats.org/drawingml/2006/main" xmlns:r="http://schemas.openxmlformats.org/officeDocument/2006/relationships" xmlns:p="http://schemas.openxmlformats.org/presentationml/2006/main" type="blank" preserve="1">
   <p:cSld name="Blank">
     <p:spTree>
       <p:nvGrpSpPr>
@@ -5319,7 +5330,7 @@
     </p:spTree>
     <p:extLst>
       <p:ext uri="{BB962C8B-B14F-4D97-AF65-F5344CB8AC3E}">
-        <p14:creationId xmlns="" xmlns:a="http://schemas.openxmlformats.org/drawingml/2006/main" xmlns:r="http://schemas.openxmlformats.org/officeDocument/2006/relationships" xmlns:p="http://schemas.openxmlformats.org/presentationml/2006/main" xmlns:p14="http://schemas.microsoft.com/office/powerpoint/2010/main" xmlns:mv="urn:schemas-microsoft-com:mac:vml" xmlns:mc="http://schemas.openxmlformats.org/markup-compatibility/2006" val="922579189"/>
+        <p14:creationId xmlns:p14="http://schemas.microsoft.com/office/powerpoint/2010/main" val="922579189"/>
       </p:ext>
     </p:extLst>
   </p:cSld>
@@ -5330,7 +5341,7 @@
 </file>
 
 <file path=ppt/slideLayouts/slideLayout8.xml><?xml version="1.0" encoding="utf-8"?>
-<p:sldLayout xmlns:a="http://schemas.openxmlformats.org/drawingml/2006/main" xmlns:r="http://schemas.openxmlformats.org/officeDocument/2006/relationships" xmlns:mc="http://schemas.openxmlformats.org/markup-compatibility/2006" xmlns:mv="urn:schemas-microsoft-com:mac:vml" xmlns:p="http://schemas.openxmlformats.org/presentationml/2006/main" mc:Ignorable="mv" mc:PreserveAttributes="mv:*" type="objTx" preserve="1">
+<p:sldLayout xmlns:a="http://schemas.openxmlformats.org/drawingml/2006/main" xmlns:r="http://schemas.openxmlformats.org/officeDocument/2006/relationships" xmlns:p="http://schemas.openxmlformats.org/presentationml/2006/main" type="objTx" preserve="1">
   <p:cSld name="Content with Caption">
     <p:spTree>
       <p:nvGrpSpPr>
@@ -5599,7 +5610,7 @@
     </p:spTree>
     <p:extLst>
       <p:ext uri="{BB962C8B-B14F-4D97-AF65-F5344CB8AC3E}">
-        <p14:creationId xmlns="" xmlns:a="http://schemas.openxmlformats.org/drawingml/2006/main" xmlns:r="http://schemas.openxmlformats.org/officeDocument/2006/relationships" xmlns:p="http://schemas.openxmlformats.org/presentationml/2006/main" xmlns:p14="http://schemas.microsoft.com/office/powerpoint/2010/main" xmlns:mv="urn:schemas-microsoft-com:mac:vml" xmlns:mc="http://schemas.openxmlformats.org/markup-compatibility/2006" val="3983644491"/>
+        <p14:creationId xmlns:p14="http://schemas.microsoft.com/office/powerpoint/2010/main" val="3983644491"/>
       </p:ext>
     </p:extLst>
   </p:cSld>
@@ -5610,7 +5621,7 @@
 </file>
 
 <file path=ppt/slideLayouts/slideLayout9.xml><?xml version="1.0" encoding="utf-8"?>
-<p:sldLayout xmlns:a="http://schemas.openxmlformats.org/drawingml/2006/main" xmlns:r="http://schemas.openxmlformats.org/officeDocument/2006/relationships" xmlns:mc="http://schemas.openxmlformats.org/markup-compatibility/2006" xmlns:mv="urn:schemas-microsoft-com:mac:vml" xmlns:p="http://schemas.openxmlformats.org/presentationml/2006/main" mc:Ignorable="mv" mc:PreserveAttributes="mv:*" type="picTx" preserve="1">
+<p:sldLayout xmlns:a="http://schemas.openxmlformats.org/drawingml/2006/main" xmlns:r="http://schemas.openxmlformats.org/officeDocument/2006/relationships" xmlns:p="http://schemas.openxmlformats.org/presentationml/2006/main" type="picTx" preserve="1">
   <p:cSld name="Picture with Caption">
     <p:spTree>
       <p:nvGrpSpPr>
@@ -5887,7 +5898,7 @@
     </p:spTree>
     <p:extLst>
       <p:ext uri="{BB962C8B-B14F-4D97-AF65-F5344CB8AC3E}">
-        <p14:creationId xmlns="" xmlns:a="http://schemas.openxmlformats.org/drawingml/2006/main" xmlns:r="http://schemas.openxmlformats.org/officeDocument/2006/relationships" xmlns:p="http://schemas.openxmlformats.org/presentationml/2006/main" xmlns:p14="http://schemas.microsoft.com/office/powerpoint/2010/main" xmlns:mv="urn:schemas-microsoft-com:mac:vml" xmlns:mc="http://schemas.openxmlformats.org/markup-compatibility/2006" val="2691023631"/>
+        <p14:creationId xmlns:p14="http://schemas.microsoft.com/office/powerpoint/2010/main" val="2691023631"/>
       </p:ext>
     </p:extLst>
   </p:cSld>
@@ -5898,7 +5909,7 @@
 </file>
 
 <file path=ppt/slideMasters/slideMaster1.xml><?xml version="1.0" encoding="utf-8"?>
-<p:sldMaster xmlns:a="http://schemas.openxmlformats.org/drawingml/2006/main" xmlns:r="http://schemas.openxmlformats.org/officeDocument/2006/relationships" xmlns:mc="http://schemas.openxmlformats.org/markup-compatibility/2006" xmlns:mv="urn:schemas-microsoft-com:mac:vml" xmlns:p="http://schemas.openxmlformats.org/presentationml/2006/main" mc:Ignorable="mv" mc:PreserveAttributes="mv:*">
+<p:sldMaster xmlns:a="http://schemas.openxmlformats.org/drawingml/2006/main" xmlns:r="http://schemas.openxmlformats.org/officeDocument/2006/relationships" xmlns:p="http://schemas.openxmlformats.org/presentationml/2006/main">
   <p:cSld>
     <p:bg>
       <p:bgRef idx="1001">
@@ -6689,7 +6700,7 @@
     </p:spTree>
     <p:extLst>
       <p:ext uri="{BB962C8B-B14F-4D97-AF65-F5344CB8AC3E}">
-        <p14:creationId xmlns="" xmlns:a="http://schemas.openxmlformats.org/drawingml/2006/main" xmlns:r="http://schemas.openxmlformats.org/officeDocument/2006/relationships" xmlns:p="http://schemas.openxmlformats.org/presentationml/2006/main" xmlns:p14="http://schemas.microsoft.com/office/powerpoint/2010/main" xmlns:mv="urn:schemas-microsoft-com:mac:vml" xmlns:mc="http://schemas.openxmlformats.org/markup-compatibility/2006" val="3586329599"/>
+        <p14:creationId xmlns:p14="http://schemas.microsoft.com/office/powerpoint/2010/main" val="3586329599"/>
       </p:ext>
     </p:extLst>
   </p:cSld>
@@ -7112,7 +7123,7 @@
 </file>
 
 <file path=ppt/slides/slide1.xml><?xml version="1.0" encoding="utf-8"?>
-<p:sld xmlns:a="http://schemas.openxmlformats.org/drawingml/2006/main" xmlns:r="http://schemas.openxmlformats.org/officeDocument/2006/relationships" xmlns:mc="http://schemas.openxmlformats.org/markup-compatibility/2006" xmlns:mv="urn:schemas-microsoft-com:mac:vml" xmlns:p="http://schemas.openxmlformats.org/presentationml/2006/main" mc:Ignorable="mv" mc:PreserveAttributes="mv:*">
+<p:sld xmlns:a="http://schemas.openxmlformats.org/drawingml/2006/main" xmlns:r="http://schemas.openxmlformats.org/officeDocument/2006/relationships" xmlns:p="http://schemas.openxmlformats.org/presentationml/2006/main">
   <p:cSld>
     <p:spTree>
       <p:nvGrpSpPr>
@@ -7289,7 +7300,7 @@
 </file>
 
 <file path=ppt/slides/slide10.xml><?xml version="1.0" encoding="utf-8"?>
-<p:sld xmlns:a="http://schemas.openxmlformats.org/drawingml/2006/main" xmlns:r="http://schemas.openxmlformats.org/officeDocument/2006/relationships" xmlns:mc="http://schemas.openxmlformats.org/markup-compatibility/2006" xmlns:mv="urn:schemas-microsoft-com:mac:vml" xmlns:p="http://schemas.openxmlformats.org/presentationml/2006/main" mc:Ignorable="mv" mc:PreserveAttributes="mv:*">
+<p:sld xmlns:a="http://schemas.openxmlformats.org/drawingml/2006/main" xmlns:r="http://schemas.openxmlformats.org/officeDocument/2006/relationships" xmlns:p="http://schemas.openxmlformats.org/presentationml/2006/main">
   <p:cSld>
     <p:spTree>
       <p:nvGrpSpPr>
@@ -7584,7 +7595,7 @@
 </file>
 
 <file path=ppt/slides/slide11.xml><?xml version="1.0" encoding="utf-8"?>
-<p:sld xmlns:a="http://schemas.openxmlformats.org/drawingml/2006/main" xmlns:r="http://schemas.openxmlformats.org/officeDocument/2006/relationships" xmlns:mc="http://schemas.openxmlformats.org/markup-compatibility/2006" xmlns:mv="urn:schemas-microsoft-com:mac:vml" xmlns:p="http://schemas.openxmlformats.org/presentationml/2006/main" mc:Ignorable="mv" mc:PreserveAttributes="mv:*">
+<p:sld xmlns:a="http://schemas.openxmlformats.org/drawingml/2006/main" xmlns:r="http://schemas.openxmlformats.org/officeDocument/2006/relationships" xmlns:p="http://schemas.openxmlformats.org/presentationml/2006/main">
   <p:cSld>
     <p:spTree>
       <p:nvGrpSpPr>
@@ -7726,7 +7737,7 @@
 </file>
 
 <file path=ppt/slides/slide12.xml><?xml version="1.0" encoding="utf-8"?>
-<p:sld xmlns:a="http://schemas.openxmlformats.org/drawingml/2006/main" xmlns:r="http://schemas.openxmlformats.org/officeDocument/2006/relationships" xmlns:mc="http://schemas.openxmlformats.org/markup-compatibility/2006" xmlns:mv="urn:schemas-microsoft-com:mac:vml" xmlns:p="http://schemas.openxmlformats.org/presentationml/2006/main" mc:Ignorable="mv" mc:PreserveAttributes="mv:*">
+<p:sld xmlns:a="http://schemas.openxmlformats.org/drawingml/2006/main" xmlns:r="http://schemas.openxmlformats.org/officeDocument/2006/relationships" xmlns:p="http://schemas.openxmlformats.org/presentationml/2006/main">
   <p:cSld>
     <p:spTree>
       <p:nvGrpSpPr>
@@ -7868,7 +7879,7 @@
 </file>
 
 <file path=ppt/slides/slide13.xml><?xml version="1.0" encoding="utf-8"?>
-<p:sld xmlns:a="http://schemas.openxmlformats.org/drawingml/2006/main" xmlns:r="http://schemas.openxmlformats.org/officeDocument/2006/relationships" xmlns:mc="http://schemas.openxmlformats.org/markup-compatibility/2006" xmlns:mv="urn:schemas-microsoft-com:mac:vml" xmlns:p="http://schemas.openxmlformats.org/presentationml/2006/main" mc:Ignorable="mv" mc:PreserveAttributes="mv:*">
+<p:sld xmlns:a="http://schemas.openxmlformats.org/drawingml/2006/main" xmlns:r="http://schemas.openxmlformats.org/officeDocument/2006/relationships" xmlns:p="http://schemas.openxmlformats.org/presentationml/2006/main">
   <p:cSld>
     <p:spTree>
       <p:nvGrpSpPr>
@@ -8010,7 +8021,7 @@
 </file>
 
 <file path=ppt/slides/slide14.xml><?xml version="1.0" encoding="utf-8"?>
-<p:sld xmlns:a="http://schemas.openxmlformats.org/drawingml/2006/main" xmlns:r="http://schemas.openxmlformats.org/officeDocument/2006/relationships" xmlns:mc="http://schemas.openxmlformats.org/markup-compatibility/2006" xmlns:mv="urn:schemas-microsoft-com:mac:vml" xmlns:p="http://schemas.openxmlformats.org/presentationml/2006/main" mc:Ignorable="mv" mc:PreserveAttributes="mv:*">
+<p:sld xmlns:a="http://schemas.openxmlformats.org/drawingml/2006/main" xmlns:r="http://schemas.openxmlformats.org/officeDocument/2006/relationships" xmlns:p="http://schemas.openxmlformats.org/presentationml/2006/main">
   <p:cSld>
     <p:spTree>
       <p:nvGrpSpPr>
@@ -8296,7 +8307,7 @@
 </file>
 
 <file path=ppt/slides/slide15.xml><?xml version="1.0" encoding="utf-8"?>
-<p:sld xmlns:a="http://schemas.openxmlformats.org/drawingml/2006/main" xmlns:r="http://schemas.openxmlformats.org/officeDocument/2006/relationships" xmlns:mc="http://schemas.openxmlformats.org/markup-compatibility/2006" xmlns:mv="urn:schemas-microsoft-com:mac:vml" xmlns:p="http://schemas.openxmlformats.org/presentationml/2006/main" mc:Ignorable="mv" mc:PreserveAttributes="mv:*">
+<p:sld xmlns:a="http://schemas.openxmlformats.org/drawingml/2006/main" xmlns:r="http://schemas.openxmlformats.org/officeDocument/2006/relationships" xmlns:p="http://schemas.openxmlformats.org/presentationml/2006/main">
   <p:cSld>
     <p:spTree>
       <p:nvGrpSpPr>
@@ -8446,7 +8457,7 @@
 </file>
 
 <file path=ppt/slides/slide16.xml><?xml version="1.0" encoding="utf-8"?>
-<p:sld xmlns:a="http://schemas.openxmlformats.org/drawingml/2006/main" xmlns:r="http://schemas.openxmlformats.org/officeDocument/2006/relationships" xmlns:mc="http://schemas.openxmlformats.org/markup-compatibility/2006" xmlns:mv="urn:schemas-microsoft-com:mac:vml" xmlns:p="http://schemas.openxmlformats.org/presentationml/2006/main" mc:Ignorable="mv" mc:PreserveAttributes="mv:*">
+<p:sld xmlns:a="http://schemas.openxmlformats.org/drawingml/2006/main" xmlns:r="http://schemas.openxmlformats.org/officeDocument/2006/relationships" xmlns:p="http://schemas.openxmlformats.org/presentationml/2006/main">
   <p:cSld>
     <p:spTree>
       <p:nvGrpSpPr>
@@ -8590,7 +8601,7 @@
 </file>
 
 <file path=ppt/slides/slide17.xml><?xml version="1.0" encoding="utf-8"?>
-<p:sld xmlns:a="http://schemas.openxmlformats.org/drawingml/2006/main" xmlns:r="http://schemas.openxmlformats.org/officeDocument/2006/relationships" xmlns:mc="http://schemas.openxmlformats.org/markup-compatibility/2006" xmlns:mv="urn:schemas-microsoft-com:mac:vml" xmlns:p="http://schemas.openxmlformats.org/presentationml/2006/main" mc:Ignorable="mv" mc:PreserveAttributes="mv:*">
+<p:sld xmlns:a="http://schemas.openxmlformats.org/drawingml/2006/main" xmlns:r="http://schemas.openxmlformats.org/officeDocument/2006/relationships" xmlns:p="http://schemas.openxmlformats.org/presentationml/2006/main">
   <p:cSld>
     <p:spTree>
       <p:nvGrpSpPr>
@@ -8719,7 +8730,7 @@
 </file>
 
 <file path=ppt/slides/slide18.xml><?xml version="1.0" encoding="utf-8"?>
-<p:sld xmlns:a="http://schemas.openxmlformats.org/drawingml/2006/main" xmlns:r="http://schemas.openxmlformats.org/officeDocument/2006/relationships" xmlns:mc="http://schemas.openxmlformats.org/markup-compatibility/2006" xmlns:mv="urn:schemas-microsoft-com:mac:vml" xmlns:p="http://schemas.openxmlformats.org/presentationml/2006/main" mc:Ignorable="mv" mc:PreserveAttributes="mv:*">
+<p:sld xmlns:a="http://schemas.openxmlformats.org/drawingml/2006/main" xmlns:r="http://schemas.openxmlformats.org/officeDocument/2006/relationships" xmlns:p="http://schemas.openxmlformats.org/presentationml/2006/main">
   <p:cSld>
     <p:spTree>
       <p:nvGrpSpPr>
@@ -8886,7 +8897,7 @@
     </p:spTree>
     <p:extLst>
       <p:ext uri="{BB962C8B-B14F-4D97-AF65-F5344CB8AC3E}">
-        <p14:creationId xmlns="" xmlns:a="http://schemas.openxmlformats.org/drawingml/2006/main" xmlns:r="http://schemas.openxmlformats.org/officeDocument/2006/relationships" xmlns:p="http://schemas.openxmlformats.org/presentationml/2006/main" xmlns:p14="http://schemas.microsoft.com/office/powerpoint/2010/main" xmlns:mv="urn:schemas-microsoft-com:mac:vml" xmlns:mc="http://schemas.openxmlformats.org/markup-compatibility/2006" val="1926353899"/>
+        <p14:creationId xmlns:p14="http://schemas.microsoft.com/office/powerpoint/2010/main" val="1926353899"/>
       </p:ext>
     </p:extLst>
   </p:cSld>
@@ -8904,7 +8915,7 @@
 </file>
 
 <file path=ppt/slides/slide19.xml><?xml version="1.0" encoding="utf-8"?>
-<p:sld xmlns:a="http://schemas.openxmlformats.org/drawingml/2006/main" xmlns:r="http://schemas.openxmlformats.org/officeDocument/2006/relationships" xmlns:mc="http://schemas.openxmlformats.org/markup-compatibility/2006" xmlns:mv="urn:schemas-microsoft-com:mac:vml" xmlns:p="http://schemas.openxmlformats.org/presentationml/2006/main" mc:Ignorable="mv" mc:PreserveAttributes="mv:*">
+<p:sld xmlns:a="http://schemas.openxmlformats.org/drawingml/2006/main" xmlns:r="http://schemas.openxmlformats.org/officeDocument/2006/relationships" xmlns:p="http://schemas.openxmlformats.org/presentationml/2006/main">
   <p:cSld>
     <p:spTree>
       <p:nvGrpSpPr>
@@ -9007,7 +9018,7 @@
     </p:spTree>
     <p:extLst>
       <p:ext uri="{BB962C8B-B14F-4D97-AF65-F5344CB8AC3E}">
-        <p14:creationId xmlns="" xmlns:a="http://schemas.openxmlformats.org/drawingml/2006/main" xmlns:r="http://schemas.openxmlformats.org/officeDocument/2006/relationships" xmlns:p="http://schemas.openxmlformats.org/presentationml/2006/main" xmlns:p14="http://schemas.microsoft.com/office/powerpoint/2010/main" xmlns:mv="urn:schemas-microsoft-com:mac:vml" xmlns:mc="http://schemas.openxmlformats.org/markup-compatibility/2006" val="2664379960"/>
+        <p14:creationId xmlns:p14="http://schemas.microsoft.com/office/powerpoint/2010/main" val="2664379960"/>
       </p:ext>
     </p:extLst>
   </p:cSld>
@@ -9025,7 +9036,7 @@
 </file>
 
 <file path=ppt/slides/slide2.xml><?xml version="1.0" encoding="utf-8"?>
-<p:sld xmlns:a="http://schemas.openxmlformats.org/drawingml/2006/main" xmlns:r="http://schemas.openxmlformats.org/officeDocument/2006/relationships" xmlns:mc="http://schemas.openxmlformats.org/markup-compatibility/2006" xmlns:mv="urn:schemas-microsoft-com:mac:vml" xmlns:p="http://schemas.openxmlformats.org/presentationml/2006/main" mc:Ignorable="mv" mc:PreserveAttributes="mv:*">
+<p:sld xmlns:a="http://schemas.openxmlformats.org/drawingml/2006/main" xmlns:r="http://schemas.openxmlformats.org/officeDocument/2006/relationships" xmlns:p="http://schemas.openxmlformats.org/presentationml/2006/main">
   <p:cSld>
     <p:spTree>
       <p:nvGrpSpPr>
@@ -9321,7 +9332,7 @@
 </file>
 
 <file path=ppt/slides/slide20.xml><?xml version="1.0" encoding="utf-8"?>
-<p:sld xmlns:a="http://schemas.openxmlformats.org/drawingml/2006/main" xmlns:r="http://schemas.openxmlformats.org/officeDocument/2006/relationships" xmlns:mc="http://schemas.openxmlformats.org/markup-compatibility/2006" xmlns:mv="urn:schemas-microsoft-com:mac:vml" xmlns:p="http://schemas.openxmlformats.org/presentationml/2006/main" mc:Ignorable="mv" mc:PreserveAttributes="mv:*">
+<p:sld xmlns:a="http://schemas.openxmlformats.org/drawingml/2006/main" xmlns:r="http://schemas.openxmlformats.org/officeDocument/2006/relationships" xmlns:p="http://schemas.openxmlformats.org/presentationml/2006/main">
   <p:cSld>
     <p:spTree>
       <p:nvGrpSpPr>
@@ -9445,7 +9456,7 @@
 </file>
 
 <file path=ppt/slides/slide21.xml><?xml version="1.0" encoding="utf-8"?>
-<p:sld xmlns:a="http://schemas.openxmlformats.org/drawingml/2006/main" xmlns:r="http://schemas.openxmlformats.org/officeDocument/2006/relationships" xmlns:mc="http://schemas.openxmlformats.org/markup-compatibility/2006" xmlns:mv="urn:schemas-microsoft-com:mac:vml" xmlns:p="http://schemas.openxmlformats.org/presentationml/2006/main" mc:Ignorable="mv" mc:PreserveAttributes="mv:*">
+<p:sld xmlns:a="http://schemas.openxmlformats.org/drawingml/2006/main" xmlns:r="http://schemas.openxmlformats.org/officeDocument/2006/relationships" xmlns:p="http://schemas.openxmlformats.org/presentationml/2006/main">
   <p:cSld>
     <p:spTree>
       <p:nvGrpSpPr>
@@ -9585,7 +9596,7 @@
 </file>
 
 <file path=ppt/slides/slide22.xml><?xml version="1.0" encoding="utf-8"?>
-<p:sld xmlns:a="http://schemas.openxmlformats.org/drawingml/2006/main" xmlns:r="http://schemas.openxmlformats.org/officeDocument/2006/relationships" xmlns:mc="http://schemas.openxmlformats.org/markup-compatibility/2006" xmlns:mv="urn:schemas-microsoft-com:mac:vml" xmlns:p="http://schemas.openxmlformats.org/presentationml/2006/main" mc:Ignorable="mv" mc:PreserveAttributes="mv:*">
+<p:sld xmlns:a="http://schemas.openxmlformats.org/drawingml/2006/main" xmlns:r="http://schemas.openxmlformats.org/officeDocument/2006/relationships" xmlns:p="http://schemas.openxmlformats.org/presentationml/2006/main">
   <p:cSld>
     <p:spTree>
       <p:nvGrpSpPr>
@@ -9972,7 +9983,7 @@
 </file>
 
 <file path=ppt/slides/slide23.xml><?xml version="1.0" encoding="utf-8"?>
-<p:sld xmlns:a="http://schemas.openxmlformats.org/drawingml/2006/main" xmlns:r="http://schemas.openxmlformats.org/officeDocument/2006/relationships" xmlns:mc="http://schemas.openxmlformats.org/markup-compatibility/2006" xmlns:mv="urn:schemas-microsoft-com:mac:vml" xmlns:p="http://schemas.openxmlformats.org/presentationml/2006/main" mc:Ignorable="mv" mc:PreserveAttributes="mv:*">
+<p:sld xmlns:a="http://schemas.openxmlformats.org/drawingml/2006/main" xmlns:r="http://schemas.openxmlformats.org/officeDocument/2006/relationships" xmlns:p="http://schemas.openxmlformats.org/presentationml/2006/main">
   <p:cSld>
     <p:spTree>
       <p:nvGrpSpPr>
@@ -10067,7 +10078,7 @@
 </file>
 
 <file path=ppt/slides/slide3.xml><?xml version="1.0" encoding="utf-8"?>
-<p:sld xmlns:a="http://schemas.openxmlformats.org/drawingml/2006/main" xmlns:r="http://schemas.openxmlformats.org/officeDocument/2006/relationships" xmlns:mc="http://schemas.openxmlformats.org/markup-compatibility/2006" xmlns:mv="urn:schemas-microsoft-com:mac:vml" xmlns:p="http://schemas.openxmlformats.org/presentationml/2006/main" mc:Ignorable="mv" mc:PreserveAttributes="mv:*">
+<p:sld xmlns:a="http://schemas.openxmlformats.org/drawingml/2006/main" xmlns:r="http://schemas.openxmlformats.org/officeDocument/2006/relationships" xmlns:p="http://schemas.openxmlformats.org/presentationml/2006/main">
   <p:cSld>
     <p:spTree>
       <p:nvGrpSpPr>
@@ -10334,7 +10345,7 @@
 </file>
 
 <file path=ppt/slides/slide4.xml><?xml version="1.0" encoding="utf-8"?>
-<p:sld xmlns:a="http://schemas.openxmlformats.org/drawingml/2006/main" xmlns:r="http://schemas.openxmlformats.org/officeDocument/2006/relationships" xmlns:mc="http://schemas.openxmlformats.org/markup-compatibility/2006" xmlns:mv="urn:schemas-microsoft-com:mac:vml" xmlns:p="http://schemas.openxmlformats.org/presentationml/2006/main" mc:Ignorable="mv" mc:PreserveAttributes="mv:*">
+<p:sld xmlns:a="http://schemas.openxmlformats.org/drawingml/2006/main" xmlns:r="http://schemas.openxmlformats.org/officeDocument/2006/relationships" xmlns:p="http://schemas.openxmlformats.org/presentationml/2006/main">
   <p:cSld>
     <p:spTree>
       <p:nvGrpSpPr>
@@ -10927,7 +10938,7 @@
                             </p:stCondLst>
                             <p:childTnLst>
                               <p:par>
-                                <p:cTn id="9" presetID="21" presetClass="entr" presetSubtype="1" fill="hold" grpId="0" nodeType="clickEffect">
+                                <p:cTn id="9" presetID="1" presetClass="entr" presetSubtype="0" fill="hold" grpId="0" nodeType="clickEffect">
                                   <p:stCondLst>
                                     <p:cond delay="0"/>
                                   </p:stCondLst>
@@ -10950,14 +10961,6 @@
                                         <p:strVal val="visible"/>
                                       </p:to>
                                     </p:set>
-                                    <p:animEffect transition="in" filter="wheel(1)">
-                                      <p:cBhvr>
-                                        <p:cTn id="11" dur="2000"/>
-                                        <p:tgtEl>
-                                          <p:spTgt spid="271"/>
-                                        </p:tgtEl>
-                                      </p:cBhvr>
-                                    </p:animEffect>
                                   </p:childTnLst>
                                 </p:cTn>
                               </p:par>
@@ -10968,26 +10971,26 @@
                     </p:cTn>
                   </p:par>
                   <p:par>
-                    <p:cTn id="12" fill="hold">
+                    <p:cTn id="11" fill="hold">
                       <p:stCondLst>
                         <p:cond delay="indefinite"/>
                       </p:stCondLst>
                       <p:childTnLst>
                         <p:par>
-                          <p:cTn id="13" fill="hold">
+                          <p:cTn id="12" fill="hold">
                             <p:stCondLst>
                               <p:cond delay="0"/>
                             </p:stCondLst>
                             <p:childTnLst>
                               <p:par>
-                                <p:cTn id="14" presetID="31" presetClass="entr" presetSubtype="0" fill="hold" grpId="0" nodeType="clickEffect">
+                                <p:cTn id="13" presetID="1" presetClass="entr" presetSubtype="0" fill="hold" grpId="0" nodeType="clickEffect">
                                   <p:stCondLst>
                                     <p:cond delay="0"/>
                                   </p:stCondLst>
                                   <p:childTnLst>
                                     <p:set>
                                       <p:cBhvr>
-                                        <p:cTn id="15" dur="1" fill="hold">
+                                        <p:cTn id="14" dur="1" fill="hold">
                                           <p:stCondLst>
                                             <p:cond delay="0"/>
                                           </p:stCondLst>
@@ -11003,83 +11006,6 @@
                                         <p:strVal val="visible"/>
                                       </p:to>
                                     </p:set>
-                                    <p:anim calcmode="lin" valueType="num">
-                                      <p:cBhvr>
-                                        <p:cTn id="16" dur="1000" fill="hold"/>
-                                        <p:tgtEl>
-                                          <p:spTgt spid="270"/>
-                                        </p:tgtEl>
-                                        <p:attrNameLst>
-                                          <p:attrName>ppt_w</p:attrName>
-                                        </p:attrNameLst>
-                                      </p:cBhvr>
-                                      <p:tavLst>
-                                        <p:tav tm="0">
-                                          <p:val>
-                                            <p:fltVal val="0"/>
-                                          </p:val>
-                                        </p:tav>
-                                        <p:tav tm="100000">
-                                          <p:val>
-                                            <p:strVal val="#ppt_w"/>
-                                          </p:val>
-                                        </p:tav>
-                                      </p:tavLst>
-                                    </p:anim>
-                                    <p:anim calcmode="lin" valueType="num">
-                                      <p:cBhvr>
-                                        <p:cTn id="17" dur="1000" fill="hold"/>
-                                        <p:tgtEl>
-                                          <p:spTgt spid="270"/>
-                                        </p:tgtEl>
-                                        <p:attrNameLst>
-                                          <p:attrName>ppt_h</p:attrName>
-                                        </p:attrNameLst>
-                                      </p:cBhvr>
-                                      <p:tavLst>
-                                        <p:tav tm="0">
-                                          <p:val>
-                                            <p:fltVal val="0"/>
-                                          </p:val>
-                                        </p:tav>
-                                        <p:tav tm="100000">
-                                          <p:val>
-                                            <p:strVal val="#ppt_h"/>
-                                          </p:val>
-                                        </p:tav>
-                                      </p:tavLst>
-                                    </p:anim>
-                                    <p:anim calcmode="lin" valueType="num">
-                                      <p:cBhvr>
-                                        <p:cTn id="18" dur="1000" fill="hold"/>
-                                        <p:tgtEl>
-                                          <p:spTgt spid="270"/>
-                                        </p:tgtEl>
-                                        <p:attrNameLst>
-                                          <p:attrName>style.rotation</p:attrName>
-                                        </p:attrNameLst>
-                                      </p:cBhvr>
-                                      <p:tavLst>
-                                        <p:tav tm="0">
-                                          <p:val>
-                                            <p:fltVal val="90"/>
-                                          </p:val>
-                                        </p:tav>
-                                        <p:tav tm="100000">
-                                          <p:val>
-                                            <p:fltVal val="0"/>
-                                          </p:val>
-                                        </p:tav>
-                                      </p:tavLst>
-                                    </p:anim>
-                                    <p:animEffect transition="in" filter="fade">
-                                      <p:cBhvr>
-                                        <p:cTn id="19" dur="1000"/>
-                                        <p:tgtEl>
-                                          <p:spTgt spid="270"/>
-                                        </p:tgtEl>
-                                      </p:cBhvr>
-                                    </p:animEffect>
                                   </p:childTnLst>
                                 </p:cTn>
                               </p:par>
@@ -11090,26 +11016,26 @@
                     </p:cTn>
                   </p:par>
                   <p:par>
-                    <p:cTn id="20" fill="hold">
+                    <p:cTn id="15" fill="hold">
                       <p:stCondLst>
                         <p:cond delay="indefinite"/>
                       </p:stCondLst>
                       <p:childTnLst>
                         <p:par>
-                          <p:cTn id="21" fill="hold">
+                          <p:cTn id="16" fill="hold">
                             <p:stCondLst>
                               <p:cond delay="0"/>
                             </p:stCondLst>
                             <p:childTnLst>
                               <p:par>
-                                <p:cTn id="22" presetID="2" presetClass="entr" presetSubtype="4" fill="hold" nodeType="clickEffect">
+                                <p:cTn id="17" presetID="1" presetClass="entr" presetSubtype="0" fill="hold" nodeType="clickEffect">
                                   <p:stCondLst>
                                     <p:cond delay="0"/>
                                   </p:stCondLst>
                                   <p:childTnLst>
                                     <p:set>
                                       <p:cBhvr>
-                                        <p:cTn id="23" dur="1" fill="hold">
+                                        <p:cTn id="18" dur="1" fill="hold">
                                           <p:stCondLst>
                                             <p:cond delay="0"/>
                                           </p:stCondLst>
@@ -11125,52 +11051,6 @@
                                         <p:strVal val="visible"/>
                                       </p:to>
                                     </p:set>
-                                    <p:anim calcmode="lin" valueType="num">
-                                      <p:cBhvr additive="base">
-                                        <p:cTn id="24" dur="500" fill="hold"/>
-                                        <p:tgtEl>
-                                          <p:spTgt spid="278"/>
-                                        </p:tgtEl>
-                                        <p:attrNameLst>
-                                          <p:attrName>ppt_x</p:attrName>
-                                        </p:attrNameLst>
-                                      </p:cBhvr>
-                                      <p:tavLst>
-                                        <p:tav tm="0">
-                                          <p:val>
-                                            <p:strVal val="#ppt_x"/>
-                                          </p:val>
-                                        </p:tav>
-                                        <p:tav tm="100000">
-                                          <p:val>
-                                            <p:strVal val="#ppt_x"/>
-                                          </p:val>
-                                        </p:tav>
-                                      </p:tavLst>
-                                    </p:anim>
-                                    <p:anim calcmode="lin" valueType="num">
-                                      <p:cBhvr additive="base">
-                                        <p:cTn id="25" dur="500" fill="hold"/>
-                                        <p:tgtEl>
-                                          <p:spTgt spid="278"/>
-                                        </p:tgtEl>
-                                        <p:attrNameLst>
-                                          <p:attrName>ppt_y</p:attrName>
-                                        </p:attrNameLst>
-                                      </p:cBhvr>
-                                      <p:tavLst>
-                                        <p:tav tm="0">
-                                          <p:val>
-                                            <p:strVal val="1+#ppt_h/2"/>
-                                          </p:val>
-                                        </p:tav>
-                                        <p:tav tm="100000">
-                                          <p:val>
-                                            <p:strVal val="#ppt_y"/>
-                                          </p:val>
-                                        </p:tav>
-                                      </p:tavLst>
-                                    </p:anim>
                                   </p:childTnLst>
                                 </p:cTn>
                               </p:par>
@@ -11178,20 +11058,20 @@
                           </p:cTn>
                         </p:par>
                         <p:par>
-                          <p:cTn id="26" fill="hold">
+                          <p:cTn id="19" fill="hold">
                             <p:stCondLst>
-                              <p:cond delay="500"/>
+                              <p:cond delay="0"/>
                             </p:stCondLst>
                             <p:childTnLst>
                               <p:par>
-                                <p:cTn id="27" presetID="2" presetClass="entr" presetSubtype="4" fill="hold" nodeType="afterEffect">
+                                <p:cTn id="20" presetID="1" presetClass="entr" presetSubtype="0" fill="hold" nodeType="afterEffect">
                                   <p:stCondLst>
                                     <p:cond delay="0"/>
                                   </p:stCondLst>
                                   <p:childTnLst>
                                     <p:set>
                                       <p:cBhvr>
-                                        <p:cTn id="28" dur="1" fill="hold">
+                                        <p:cTn id="21" dur="1" fill="hold">
                                           <p:stCondLst>
                                             <p:cond delay="0"/>
                                           </p:stCondLst>
@@ -11207,52 +11087,6 @@
                                         <p:strVal val="visible"/>
                                       </p:to>
                                     </p:set>
-                                    <p:anim calcmode="lin" valueType="num">
-                                      <p:cBhvr additive="base">
-                                        <p:cTn id="29" dur="500" fill="hold"/>
-                                        <p:tgtEl>
-                                          <p:spTgt spid="279"/>
-                                        </p:tgtEl>
-                                        <p:attrNameLst>
-                                          <p:attrName>ppt_x</p:attrName>
-                                        </p:attrNameLst>
-                                      </p:cBhvr>
-                                      <p:tavLst>
-                                        <p:tav tm="0">
-                                          <p:val>
-                                            <p:strVal val="#ppt_x"/>
-                                          </p:val>
-                                        </p:tav>
-                                        <p:tav tm="100000">
-                                          <p:val>
-                                            <p:strVal val="#ppt_x"/>
-                                          </p:val>
-                                        </p:tav>
-                                      </p:tavLst>
-                                    </p:anim>
-                                    <p:anim calcmode="lin" valueType="num">
-                                      <p:cBhvr additive="base">
-                                        <p:cTn id="30" dur="500" fill="hold"/>
-                                        <p:tgtEl>
-                                          <p:spTgt spid="279"/>
-                                        </p:tgtEl>
-                                        <p:attrNameLst>
-                                          <p:attrName>ppt_y</p:attrName>
-                                        </p:attrNameLst>
-                                      </p:cBhvr>
-                                      <p:tavLst>
-                                        <p:tav tm="0">
-                                          <p:val>
-                                            <p:strVal val="1+#ppt_h/2"/>
-                                          </p:val>
-                                        </p:tav>
-                                        <p:tav tm="100000">
-                                          <p:val>
-                                            <p:strVal val="#ppt_y"/>
-                                          </p:val>
-                                        </p:tav>
-                                      </p:tavLst>
-                                    </p:anim>
                                   </p:childTnLst>
                                 </p:cTn>
                               </p:par>
@@ -11263,26 +11097,26 @@
                     </p:cTn>
                   </p:par>
                   <p:par>
-                    <p:cTn id="31" fill="hold">
+                    <p:cTn id="22" fill="hold">
                       <p:stCondLst>
                         <p:cond delay="indefinite"/>
                       </p:stCondLst>
                       <p:childTnLst>
                         <p:par>
-                          <p:cTn id="32" fill="hold">
+                          <p:cTn id="23" fill="hold">
                             <p:stCondLst>
                               <p:cond delay="0"/>
                             </p:stCondLst>
                             <p:childTnLst>
                               <p:par>
-                                <p:cTn id="33" presetID="14" presetClass="entr" presetSubtype="10" fill="hold" grpId="0" nodeType="clickEffect">
+                                <p:cTn id="24" presetID="1" presetClass="entr" presetSubtype="0" fill="hold" grpId="0" nodeType="clickEffect">
                                   <p:stCondLst>
                                     <p:cond delay="0"/>
                                   </p:stCondLst>
                                   <p:childTnLst>
                                     <p:set>
                                       <p:cBhvr>
-                                        <p:cTn id="34" dur="1" fill="hold">
+                                        <p:cTn id="25" dur="1" fill="hold">
                                           <p:stCondLst>
                                             <p:cond delay="0"/>
                                           </p:stCondLst>
@@ -11298,14 +11132,6 @@
                                         <p:strVal val="visible"/>
                                       </p:to>
                                     </p:set>
-                                    <p:animEffect transition="in" filter="randombar(horizontal)">
-                                      <p:cBhvr>
-                                        <p:cTn id="35" dur="500"/>
-                                        <p:tgtEl>
-                                          <p:spTgt spid="274"/>
-                                        </p:tgtEl>
-                                      </p:cBhvr>
-                                    </p:animEffect>
                                   </p:childTnLst>
                                 </p:cTn>
                               </p:par>
@@ -11316,26 +11142,26 @@
                     </p:cTn>
                   </p:par>
                   <p:par>
-                    <p:cTn id="36" fill="hold">
+                    <p:cTn id="26" fill="hold">
                       <p:stCondLst>
                         <p:cond delay="indefinite"/>
                       </p:stCondLst>
                       <p:childTnLst>
                         <p:par>
-                          <p:cTn id="37" fill="hold">
+                          <p:cTn id="27" fill="hold">
                             <p:stCondLst>
                               <p:cond delay="0"/>
                             </p:stCondLst>
                             <p:childTnLst>
                               <p:par>
-                                <p:cTn id="38" presetID="45" presetClass="entr" presetSubtype="0" fill="hold" grpId="0" nodeType="clickEffect">
+                                <p:cTn id="28" presetID="1" presetClass="entr" presetSubtype="0" fill="hold" grpId="0" nodeType="clickEffect">
                                   <p:stCondLst>
                                     <p:cond delay="0"/>
                                   </p:stCondLst>
                                   <p:childTnLst>
                                     <p:set>
                                       <p:cBhvr>
-                                        <p:cTn id="39" dur="1" fill="hold">
+                                        <p:cTn id="29" dur="1" fill="hold">
                                           <p:stCondLst>
                                             <p:cond delay="0"/>
                                           </p:stCondLst>
@@ -11351,60 +11177,6 @@
                                         <p:strVal val="visible"/>
                                       </p:to>
                                     </p:set>
-                                    <p:animEffect transition="in" filter="fade">
-                                      <p:cBhvr>
-                                        <p:cTn id="40" dur="2000"/>
-                                        <p:tgtEl>
-                                          <p:spTgt spid="272"/>
-                                        </p:tgtEl>
-                                      </p:cBhvr>
-                                    </p:animEffect>
-                                    <p:anim calcmode="lin" valueType="num">
-                                      <p:cBhvr>
-                                        <p:cTn id="41" dur="2000" fill="hold"/>
-                                        <p:tgtEl>
-                                          <p:spTgt spid="272"/>
-                                        </p:tgtEl>
-                                        <p:attrNameLst>
-                                          <p:attrName>ppt_w</p:attrName>
-                                        </p:attrNameLst>
-                                      </p:cBhvr>
-                                      <p:tavLst>
-                                        <p:tav tm="0" fmla="#ppt_w*sin(2.5*pi*$)">
-                                          <p:val>
-                                            <p:fltVal val="0"/>
-                                          </p:val>
-                                        </p:tav>
-                                        <p:tav tm="100000">
-                                          <p:val>
-                                            <p:fltVal val="1"/>
-                                          </p:val>
-                                        </p:tav>
-                                      </p:tavLst>
-                                    </p:anim>
-                                    <p:anim calcmode="lin" valueType="num">
-                                      <p:cBhvr>
-                                        <p:cTn id="42" dur="2000" fill="hold"/>
-                                        <p:tgtEl>
-                                          <p:spTgt spid="272"/>
-                                        </p:tgtEl>
-                                        <p:attrNameLst>
-                                          <p:attrName>ppt_h</p:attrName>
-                                        </p:attrNameLst>
-                                      </p:cBhvr>
-                                      <p:tavLst>
-                                        <p:tav tm="0">
-                                          <p:val>
-                                            <p:strVal val="#ppt_h"/>
-                                          </p:val>
-                                        </p:tav>
-                                        <p:tav tm="100000">
-                                          <p:val>
-                                            <p:strVal val="#ppt_h"/>
-                                          </p:val>
-                                        </p:tav>
-                                      </p:tavLst>
-                                    </p:anim>
                                   </p:childTnLst>
                                 </p:cTn>
                               </p:par>
@@ -11415,26 +11187,26 @@
                     </p:cTn>
                   </p:par>
                   <p:par>
-                    <p:cTn id="43" fill="hold">
+                    <p:cTn id="30" fill="hold">
                       <p:stCondLst>
                         <p:cond delay="indefinite"/>
                       </p:stCondLst>
                       <p:childTnLst>
                         <p:par>
-                          <p:cTn id="44" fill="hold">
+                          <p:cTn id="31" fill="hold">
                             <p:stCondLst>
                               <p:cond delay="0"/>
                             </p:stCondLst>
                             <p:childTnLst>
                               <p:par>
-                                <p:cTn id="45" presetID="2" presetClass="entr" presetSubtype="4" fill="hold" nodeType="clickEffect">
+                                <p:cTn id="32" presetID="1" presetClass="entr" presetSubtype="0" fill="hold" nodeType="clickEffect">
                                   <p:stCondLst>
                                     <p:cond delay="0"/>
                                   </p:stCondLst>
                                   <p:childTnLst>
                                     <p:set>
                                       <p:cBhvr>
-                                        <p:cTn id="46" dur="1" fill="hold">
+                                        <p:cTn id="33" dur="1" fill="hold">
                                           <p:stCondLst>
                                             <p:cond delay="0"/>
                                           </p:stCondLst>
@@ -11450,52 +11222,6 @@
                                         <p:strVal val="visible"/>
                                       </p:to>
                                     </p:set>
-                                    <p:anim calcmode="lin" valueType="num">
-                                      <p:cBhvr additive="base">
-                                        <p:cTn id="47" dur="500" fill="hold"/>
-                                        <p:tgtEl>
-                                          <p:spTgt spid="277"/>
-                                        </p:tgtEl>
-                                        <p:attrNameLst>
-                                          <p:attrName>ppt_x</p:attrName>
-                                        </p:attrNameLst>
-                                      </p:cBhvr>
-                                      <p:tavLst>
-                                        <p:tav tm="0">
-                                          <p:val>
-                                            <p:strVal val="#ppt_x"/>
-                                          </p:val>
-                                        </p:tav>
-                                        <p:tav tm="100000">
-                                          <p:val>
-                                            <p:strVal val="#ppt_x"/>
-                                          </p:val>
-                                        </p:tav>
-                                      </p:tavLst>
-                                    </p:anim>
-                                    <p:anim calcmode="lin" valueType="num">
-                                      <p:cBhvr additive="base">
-                                        <p:cTn id="48" dur="500" fill="hold"/>
-                                        <p:tgtEl>
-                                          <p:spTgt spid="277"/>
-                                        </p:tgtEl>
-                                        <p:attrNameLst>
-                                          <p:attrName>ppt_y</p:attrName>
-                                        </p:attrNameLst>
-                                      </p:cBhvr>
-                                      <p:tavLst>
-                                        <p:tav tm="0">
-                                          <p:val>
-                                            <p:strVal val="1+#ppt_h/2"/>
-                                          </p:val>
-                                        </p:tav>
-                                        <p:tav tm="100000">
-                                          <p:val>
-                                            <p:strVal val="#ppt_y"/>
-                                          </p:val>
-                                        </p:tav>
-                                      </p:tavLst>
-                                    </p:anim>
                                   </p:childTnLst>
                                 </p:cTn>
                               </p:par>
@@ -11506,26 +11232,26 @@
                     </p:cTn>
                   </p:par>
                   <p:par>
-                    <p:cTn id="49" fill="hold">
+                    <p:cTn id="34" fill="hold">
                       <p:stCondLst>
                         <p:cond delay="indefinite"/>
                       </p:stCondLst>
                       <p:childTnLst>
                         <p:par>
-                          <p:cTn id="50" fill="hold">
+                          <p:cTn id="35" fill="hold">
                             <p:stCondLst>
                               <p:cond delay="0"/>
                             </p:stCondLst>
                             <p:childTnLst>
                               <p:par>
-                                <p:cTn id="51" presetID="26" presetClass="entr" presetSubtype="0" fill="hold" grpId="0" nodeType="clickEffect">
+                                <p:cTn id="36" presetID="1" presetClass="entr" presetSubtype="0" fill="hold" grpId="0" nodeType="clickEffect">
                                   <p:stCondLst>
                                     <p:cond delay="0"/>
                                   </p:stCondLst>
                                   <p:childTnLst>
                                     <p:set>
                                       <p:cBhvr>
-                                        <p:cTn id="52" dur="1" fill="hold">
+                                        <p:cTn id="37" dur="1" fill="hold">
                                           <p:stCondLst>
                                             <p:cond delay="0"/>
                                           </p:stCondLst>
@@ -11541,257 +11267,6 @@
                                         <p:strVal val="visible"/>
                                       </p:to>
                                     </p:set>
-                                    <p:animEffect transition="in" filter="wipe(down)">
-                                      <p:cBhvr>
-                                        <p:cTn id="53" dur="145">
-                                          <p:stCondLst>
-                                            <p:cond delay="0"/>
-                                          </p:stCondLst>
-                                        </p:cTn>
-                                        <p:tgtEl>
-                                          <p:spTgt spid="276"/>
-                                        </p:tgtEl>
-                                      </p:cBhvr>
-                                    </p:animEffect>
-                                    <p:anim calcmode="lin" valueType="num">
-                                      <p:cBhvr>
-                                        <p:cTn id="54" dur="456" tmFilter="0,0; 0.14,0.36; 0.43,0.73; 0.71,0.91; 1.0,1.0">
-                                          <p:stCondLst>
-                                            <p:cond delay="0"/>
-                                          </p:stCondLst>
-                                        </p:cTn>
-                                        <p:tgtEl>
-                                          <p:spTgt spid="276"/>
-                                        </p:tgtEl>
-                                        <p:attrNameLst>
-                                          <p:attrName>ppt_x</p:attrName>
-                                        </p:attrNameLst>
-                                      </p:cBhvr>
-                                      <p:tavLst>
-                                        <p:tav tm="0">
-                                          <p:val>
-                                            <p:strVal val="#ppt_x-0.25"/>
-                                          </p:val>
-                                        </p:tav>
-                                        <p:tav tm="100000">
-                                          <p:val>
-                                            <p:strVal val="#ppt_x"/>
-                                          </p:val>
-                                        </p:tav>
-                                      </p:tavLst>
-                                    </p:anim>
-                                    <p:anim calcmode="lin" valueType="num">
-                                      <p:cBhvr>
-                                        <p:cTn id="55" dur="166" tmFilter="0.0,0.0; 0.25,0.07; 0.50,0.2; 0.75,0.467; 1.0,1.0">
-                                          <p:stCondLst>
-                                            <p:cond delay="0"/>
-                                          </p:stCondLst>
-                                        </p:cTn>
-                                        <p:tgtEl>
-                                          <p:spTgt spid="276"/>
-                                        </p:tgtEl>
-                                        <p:attrNameLst>
-                                          <p:attrName>ppt_y</p:attrName>
-                                        </p:attrNameLst>
-                                      </p:cBhvr>
-                                      <p:tavLst>
-                                        <p:tav tm="0" fmla="#ppt_y-sin(pi*$)/3">
-                                          <p:val>
-                                            <p:fltVal val="0.5"/>
-                                          </p:val>
-                                        </p:tav>
-                                        <p:tav tm="100000">
-                                          <p:val>
-                                            <p:fltVal val="1"/>
-                                          </p:val>
-                                        </p:tav>
-                                      </p:tavLst>
-                                    </p:anim>
-                                    <p:anim calcmode="lin" valueType="num">
-                                      <p:cBhvr>
-                                        <p:cTn id="56" dur="166" tmFilter="0, 0; 0.125,0.2665; 0.25,0.4; 0.375,0.465; 0.5,0.5;  0.625,0.535; 0.75,0.6; 0.875,0.7335; 1,1">
-                                          <p:stCondLst>
-                                            <p:cond delay="166"/>
-                                          </p:stCondLst>
-                                        </p:cTn>
-                                        <p:tgtEl>
-                                          <p:spTgt spid="276"/>
-                                        </p:tgtEl>
-                                        <p:attrNameLst>
-                                          <p:attrName>ppt_y</p:attrName>
-                                        </p:attrNameLst>
-                                      </p:cBhvr>
-                                      <p:tavLst>
-                                        <p:tav tm="0" fmla="#ppt_y-sin(pi*$)/9">
-                                          <p:val>
-                                            <p:fltVal val="0"/>
-                                          </p:val>
-                                        </p:tav>
-                                        <p:tav tm="100000">
-                                          <p:val>
-                                            <p:fltVal val="1"/>
-                                          </p:val>
-                                        </p:tav>
-                                      </p:tavLst>
-                                    </p:anim>
-                                    <p:anim calcmode="lin" valueType="num">
-                                      <p:cBhvr>
-                                        <p:cTn id="57" dur="83" tmFilter="0, 0; 0.125,0.2665; 0.25,0.4; 0.375,0.465; 0.5,0.5;  0.625,0.535; 0.75,0.6; 0.875,0.7335; 1,1">
-                                          <p:stCondLst>
-                                            <p:cond delay="331"/>
-                                          </p:stCondLst>
-                                        </p:cTn>
-                                        <p:tgtEl>
-                                          <p:spTgt spid="276"/>
-                                        </p:tgtEl>
-                                        <p:attrNameLst>
-                                          <p:attrName>ppt_y</p:attrName>
-                                        </p:attrNameLst>
-                                      </p:cBhvr>
-                                      <p:tavLst>
-                                        <p:tav tm="0" fmla="#ppt_y-sin(pi*$)/27">
-                                          <p:val>
-                                            <p:fltVal val="0"/>
-                                          </p:val>
-                                        </p:tav>
-                                        <p:tav tm="100000">
-                                          <p:val>
-                                            <p:fltVal val="1"/>
-                                          </p:val>
-                                        </p:tav>
-                                      </p:tavLst>
-                                    </p:anim>
-                                    <p:anim calcmode="lin" valueType="num">
-                                      <p:cBhvr>
-                                        <p:cTn id="58" dur="41" tmFilter="0, 0; 0.125,0.2665; 0.25,0.4; 0.375,0.465; 0.5,0.5;  0.625,0.535; 0.75,0.6; 0.875,0.7335; 1,1">
-                                          <p:stCondLst>
-                                            <p:cond delay="414"/>
-                                          </p:stCondLst>
-                                        </p:cTn>
-                                        <p:tgtEl>
-                                          <p:spTgt spid="276"/>
-                                        </p:tgtEl>
-                                        <p:attrNameLst>
-                                          <p:attrName>ppt_y</p:attrName>
-                                        </p:attrNameLst>
-                                      </p:cBhvr>
-                                      <p:tavLst>
-                                        <p:tav tm="0" fmla="#ppt_y-sin(pi*$)/81">
-                                          <p:val>
-                                            <p:fltVal val="0"/>
-                                          </p:val>
-                                        </p:tav>
-                                        <p:tav tm="100000">
-                                          <p:val>
-                                            <p:fltVal val="1"/>
-                                          </p:val>
-                                        </p:tav>
-                                      </p:tavLst>
-                                    </p:anim>
-                                    <p:animScale>
-                                      <p:cBhvr>
-                                        <p:cTn id="59" dur="7">
-                                          <p:stCondLst>
-                                            <p:cond delay="163"/>
-                                          </p:stCondLst>
-                                        </p:cTn>
-                                        <p:tgtEl>
-                                          <p:spTgt spid="276"/>
-                                        </p:tgtEl>
-                                      </p:cBhvr>
-                                      <p:to x="100000" y="60000"/>
-                                    </p:animScale>
-                                    <p:animScale>
-                                      <p:cBhvr>
-                                        <p:cTn id="60" dur="42" decel="50000">
-                                          <p:stCondLst>
-                                            <p:cond delay="169"/>
-                                          </p:stCondLst>
-                                        </p:cTn>
-                                        <p:tgtEl>
-                                          <p:spTgt spid="276"/>
-                                        </p:tgtEl>
-                                      </p:cBhvr>
-                                      <p:to x="100000" y="100000"/>
-                                    </p:animScale>
-                                    <p:animScale>
-                                      <p:cBhvr>
-                                        <p:cTn id="61" dur="7">
-                                          <p:stCondLst>
-                                            <p:cond delay="328"/>
-                                          </p:stCondLst>
-                                        </p:cTn>
-                                        <p:tgtEl>
-                                          <p:spTgt spid="276"/>
-                                        </p:tgtEl>
-                                      </p:cBhvr>
-                                      <p:to x="100000" y="80000"/>
-                                    </p:animScale>
-                                    <p:animScale>
-                                      <p:cBhvr>
-                                        <p:cTn id="62" dur="42" decel="50000">
-                                          <p:stCondLst>
-                                            <p:cond delay="335"/>
-                                          </p:stCondLst>
-                                        </p:cTn>
-                                        <p:tgtEl>
-                                          <p:spTgt spid="276"/>
-                                        </p:tgtEl>
-                                      </p:cBhvr>
-                                      <p:to x="100000" y="100000"/>
-                                    </p:animScale>
-                                    <p:animScale>
-                                      <p:cBhvr>
-                                        <p:cTn id="63" dur="7">
-                                          <p:stCondLst>
-                                            <p:cond delay="411"/>
-                                          </p:stCondLst>
-                                        </p:cTn>
-                                        <p:tgtEl>
-                                          <p:spTgt spid="276"/>
-                                        </p:tgtEl>
-                                      </p:cBhvr>
-                                      <p:to x="100000" y="90000"/>
-                                    </p:animScale>
-                                    <p:animScale>
-                                      <p:cBhvr>
-                                        <p:cTn id="64" dur="42" decel="50000">
-                                          <p:stCondLst>
-                                            <p:cond delay="417"/>
-                                          </p:stCondLst>
-                                        </p:cTn>
-                                        <p:tgtEl>
-                                          <p:spTgt spid="276"/>
-                                        </p:tgtEl>
-                                      </p:cBhvr>
-                                      <p:to x="100000" y="100000"/>
-                                    </p:animScale>
-                                    <p:animScale>
-                                      <p:cBhvr>
-                                        <p:cTn id="65" dur="7">
-                                          <p:stCondLst>
-                                            <p:cond delay="452"/>
-                                          </p:stCondLst>
-                                        </p:cTn>
-                                        <p:tgtEl>
-                                          <p:spTgt spid="276"/>
-                                        </p:tgtEl>
-                                      </p:cBhvr>
-                                      <p:to x="100000" y="95000"/>
-                                    </p:animScale>
-                                    <p:animScale>
-                                      <p:cBhvr>
-                                        <p:cTn id="66" dur="42" decel="50000">
-                                          <p:stCondLst>
-                                            <p:cond delay="459"/>
-                                          </p:stCondLst>
-                                        </p:cTn>
-                                        <p:tgtEl>
-                                          <p:spTgt spid="276"/>
-                                        </p:tgtEl>
-                                      </p:cBhvr>
-                                      <p:to x="100000" y="100000"/>
-                                    </p:animScale>
                                   </p:childTnLst>
                                 </p:cTn>
                               </p:par>
@@ -11802,26 +11277,26 @@
                     </p:cTn>
                   </p:par>
                   <p:par>
-                    <p:cTn id="67" fill="hold">
+                    <p:cTn id="38" fill="hold">
                       <p:stCondLst>
                         <p:cond delay="indefinite"/>
                       </p:stCondLst>
                       <p:childTnLst>
                         <p:par>
-                          <p:cTn id="68" fill="hold">
+                          <p:cTn id="39" fill="hold">
                             <p:stCondLst>
                               <p:cond delay="0"/>
                             </p:stCondLst>
                             <p:childTnLst>
                               <p:par>
-                                <p:cTn id="69" presetID="42" presetClass="entr" presetSubtype="0" fill="hold" nodeType="clickEffect">
+                                <p:cTn id="40" presetID="1" presetClass="entr" presetSubtype="0" fill="hold" nodeType="clickEffect">
                                   <p:stCondLst>
                                     <p:cond delay="0"/>
                                   </p:stCondLst>
                                   <p:childTnLst>
                                     <p:set>
                                       <p:cBhvr>
-                                        <p:cTn id="70" dur="1" fill="hold">
+                                        <p:cTn id="41" dur="1" fill="hold">
                                           <p:stCondLst>
                                             <p:cond delay="0"/>
                                           </p:stCondLst>
@@ -11837,60 +11312,6 @@
                                         <p:strVal val="visible"/>
                                       </p:to>
                                     </p:set>
-                                    <p:animEffect transition="in" filter="fade">
-                                      <p:cBhvr>
-                                        <p:cTn id="71" dur="1000"/>
-                                        <p:tgtEl>
-                                          <p:spTgt spid="273"/>
-                                        </p:tgtEl>
-                                      </p:cBhvr>
-                                    </p:animEffect>
-                                    <p:anim calcmode="lin" valueType="num">
-                                      <p:cBhvr>
-                                        <p:cTn id="72" dur="1000" fill="hold"/>
-                                        <p:tgtEl>
-                                          <p:spTgt spid="273"/>
-                                        </p:tgtEl>
-                                        <p:attrNameLst>
-                                          <p:attrName>ppt_x</p:attrName>
-                                        </p:attrNameLst>
-                                      </p:cBhvr>
-                                      <p:tavLst>
-                                        <p:tav tm="0">
-                                          <p:val>
-                                            <p:strVal val="#ppt_x"/>
-                                          </p:val>
-                                        </p:tav>
-                                        <p:tav tm="100000">
-                                          <p:val>
-                                            <p:strVal val="#ppt_x"/>
-                                          </p:val>
-                                        </p:tav>
-                                      </p:tavLst>
-                                    </p:anim>
-                                    <p:anim calcmode="lin" valueType="num">
-                                      <p:cBhvr>
-                                        <p:cTn id="73" dur="1000" fill="hold"/>
-                                        <p:tgtEl>
-                                          <p:spTgt spid="273"/>
-                                        </p:tgtEl>
-                                        <p:attrNameLst>
-                                          <p:attrName>ppt_y</p:attrName>
-                                        </p:attrNameLst>
-                                      </p:cBhvr>
-                                      <p:tavLst>
-                                        <p:tav tm="0">
-                                          <p:val>
-                                            <p:strVal val="#ppt_y+.1"/>
-                                          </p:val>
-                                        </p:tav>
-                                        <p:tav tm="100000">
-                                          <p:val>
-                                            <p:strVal val="#ppt_y"/>
-                                          </p:val>
-                                        </p:tav>
-                                      </p:tavLst>
-                                    </p:anim>
                                   </p:childTnLst>
                                 </p:cTn>
                               </p:par>
@@ -11901,26 +11322,26 @@
                     </p:cTn>
                   </p:par>
                   <p:par>
-                    <p:cTn id="74" fill="hold">
+                    <p:cTn id="42" fill="hold">
                       <p:stCondLst>
                         <p:cond delay="indefinite"/>
                       </p:stCondLst>
                       <p:childTnLst>
                         <p:par>
-                          <p:cTn id="75" fill="hold">
+                          <p:cTn id="43" fill="hold">
                             <p:stCondLst>
                               <p:cond delay="0"/>
                             </p:stCondLst>
                             <p:childTnLst>
                               <p:par>
-                                <p:cTn id="76" presetID="31" presetClass="entr" presetSubtype="0" fill="hold" grpId="0" nodeType="clickEffect">
+                                <p:cTn id="44" presetID="1" presetClass="entr" presetSubtype="0" fill="hold" grpId="0" nodeType="clickEffect">
                                   <p:stCondLst>
                                     <p:cond delay="0"/>
                                   </p:stCondLst>
                                   <p:childTnLst>
                                     <p:set>
                                       <p:cBhvr>
-                                        <p:cTn id="77" dur="1" fill="hold">
+                                        <p:cTn id="45" dur="1" fill="hold">
                                           <p:stCondLst>
                                             <p:cond delay="0"/>
                                           </p:stCondLst>
@@ -11936,83 +11357,6 @@
                                         <p:strVal val="visible"/>
                                       </p:to>
                                     </p:set>
-                                    <p:anim calcmode="lin" valueType="num">
-                                      <p:cBhvr>
-                                        <p:cTn id="78" dur="1000" fill="hold"/>
-                                        <p:tgtEl>
-                                          <p:spTgt spid="275"/>
-                                        </p:tgtEl>
-                                        <p:attrNameLst>
-                                          <p:attrName>ppt_w</p:attrName>
-                                        </p:attrNameLst>
-                                      </p:cBhvr>
-                                      <p:tavLst>
-                                        <p:tav tm="0">
-                                          <p:val>
-                                            <p:fltVal val="0"/>
-                                          </p:val>
-                                        </p:tav>
-                                        <p:tav tm="100000">
-                                          <p:val>
-                                            <p:strVal val="#ppt_w"/>
-                                          </p:val>
-                                        </p:tav>
-                                      </p:tavLst>
-                                    </p:anim>
-                                    <p:anim calcmode="lin" valueType="num">
-                                      <p:cBhvr>
-                                        <p:cTn id="79" dur="1000" fill="hold"/>
-                                        <p:tgtEl>
-                                          <p:spTgt spid="275"/>
-                                        </p:tgtEl>
-                                        <p:attrNameLst>
-                                          <p:attrName>ppt_h</p:attrName>
-                                        </p:attrNameLst>
-                                      </p:cBhvr>
-                                      <p:tavLst>
-                                        <p:tav tm="0">
-                                          <p:val>
-                                            <p:fltVal val="0"/>
-                                          </p:val>
-                                        </p:tav>
-                                        <p:tav tm="100000">
-                                          <p:val>
-                                            <p:strVal val="#ppt_h"/>
-                                          </p:val>
-                                        </p:tav>
-                                      </p:tavLst>
-                                    </p:anim>
-                                    <p:anim calcmode="lin" valueType="num">
-                                      <p:cBhvr>
-                                        <p:cTn id="80" dur="1000" fill="hold"/>
-                                        <p:tgtEl>
-                                          <p:spTgt spid="275"/>
-                                        </p:tgtEl>
-                                        <p:attrNameLst>
-                                          <p:attrName>style.rotation</p:attrName>
-                                        </p:attrNameLst>
-                                      </p:cBhvr>
-                                      <p:tavLst>
-                                        <p:tav tm="0">
-                                          <p:val>
-                                            <p:fltVal val="90"/>
-                                          </p:val>
-                                        </p:tav>
-                                        <p:tav tm="100000">
-                                          <p:val>
-                                            <p:fltVal val="0"/>
-                                          </p:val>
-                                        </p:tav>
-                                      </p:tavLst>
-                                    </p:anim>
-                                    <p:animEffect transition="in" filter="fade">
-                                      <p:cBhvr>
-                                        <p:cTn id="81" dur="1000"/>
-                                        <p:tgtEl>
-                                          <p:spTgt spid="275"/>
-                                        </p:tgtEl>
-                                      </p:cBhvr>
-                                    </p:animEffect>
                                   </p:childTnLst>
                                 </p:cTn>
                               </p:par>
@@ -12023,26 +11367,26 @@
                     </p:cTn>
                   </p:par>
                   <p:par>
-                    <p:cTn id="82" fill="hold">
+                    <p:cTn id="46" fill="hold">
                       <p:stCondLst>
                         <p:cond delay="indefinite"/>
                       </p:stCondLst>
                       <p:childTnLst>
                         <p:par>
-                          <p:cTn id="83" fill="hold">
+                          <p:cTn id="47" fill="hold">
                             <p:stCondLst>
                               <p:cond delay="0"/>
                             </p:stCondLst>
                             <p:childTnLst>
                               <p:par>
-                                <p:cTn id="84" presetID="1" presetClass="entr" presetSubtype="0" fill="hold" grpId="1" nodeType="clickEffect">
+                                <p:cTn id="48" presetID="1" presetClass="entr" presetSubtype="0" fill="hold" grpId="1" nodeType="clickEffect">
                                   <p:stCondLst>
                                     <p:cond delay="0"/>
                                   </p:stCondLst>
                                   <p:childTnLst>
                                     <p:set>
                                       <p:cBhvr>
-                                        <p:cTn id="85" dur="1" fill="hold">
+                                        <p:cTn id="49" dur="1" fill="hold">
                                           <p:stCondLst>
                                             <p:cond delay="0"/>
                                           </p:stCondLst>
@@ -12062,14 +11406,14 @@
                                 </p:cTn>
                               </p:par>
                               <p:par>
-                                <p:cTn id="86" presetID="1" presetClass="entr" presetSubtype="0" fill="hold" grpId="1" nodeType="withEffect">
+                                <p:cTn id="50" presetID="1" presetClass="entr" presetSubtype="0" fill="hold" grpId="1" nodeType="withEffect">
                                   <p:stCondLst>
                                     <p:cond delay="0"/>
                                   </p:stCondLst>
                                   <p:childTnLst>
                                     <p:set>
                                       <p:cBhvr>
-                                        <p:cTn id="87" dur="1" fill="hold">
+                                        <p:cTn id="51" dur="1" fill="hold">
                                           <p:stCondLst>
                                             <p:cond delay="0"/>
                                           </p:stCondLst>
@@ -12089,14 +11433,14 @@
                                 </p:cTn>
                               </p:par>
                               <p:par>
-                                <p:cTn id="88" presetID="1" presetClass="entr" presetSubtype="0" fill="hold" grpId="1" nodeType="withEffect">
+                                <p:cTn id="52" presetID="1" presetClass="entr" presetSubtype="0" fill="hold" grpId="1" nodeType="withEffect">
                                   <p:stCondLst>
                                     <p:cond delay="0"/>
                                   </p:stCondLst>
                                   <p:childTnLst>
                                     <p:set>
                                       <p:cBhvr>
-                                        <p:cTn id="89" dur="1" fill="hold">
+                                        <p:cTn id="53" dur="1" fill="hold">
                                           <p:stCondLst>
                                             <p:cond delay="0"/>
                                           </p:stCondLst>
@@ -12116,14 +11460,14 @@
                                 </p:cTn>
                               </p:par>
                               <p:par>
-                                <p:cTn id="90" presetID="1" presetClass="entr" presetSubtype="0" fill="hold" nodeType="withEffect">
+                                <p:cTn id="54" presetID="1" presetClass="entr" presetSubtype="0" fill="hold" nodeType="withEffect">
                                   <p:stCondLst>
                                     <p:cond delay="0"/>
                                   </p:stCondLst>
                                   <p:childTnLst>
                                     <p:set>
                                       <p:cBhvr>
-                                        <p:cTn id="91" dur="1" fill="hold">
+                                        <p:cTn id="55" dur="1" fill="hold">
                                           <p:stCondLst>
                                             <p:cond delay="0"/>
                                           </p:stCondLst>
@@ -12143,14 +11487,14 @@
                                 </p:cTn>
                               </p:par>
                               <p:par>
-                                <p:cTn id="92" presetID="1" presetClass="entr" presetSubtype="0" fill="hold" nodeType="withEffect">
+                                <p:cTn id="56" presetID="1" presetClass="entr" presetSubtype="0" fill="hold" nodeType="withEffect">
                                   <p:stCondLst>
                                     <p:cond delay="0"/>
                                   </p:stCondLst>
                                   <p:childTnLst>
                                     <p:set>
                                       <p:cBhvr>
-                                        <p:cTn id="93" dur="1" fill="hold">
+                                        <p:cTn id="57" dur="1" fill="hold">
                                           <p:stCondLst>
                                             <p:cond delay="0"/>
                                           </p:stCondLst>
@@ -12170,14 +11514,14 @@
                                 </p:cTn>
                               </p:par>
                               <p:par>
-                                <p:cTn id="94" presetID="1" presetClass="entr" presetSubtype="0" fill="hold" grpId="1" nodeType="withEffect">
+                                <p:cTn id="58" presetID="1" presetClass="entr" presetSubtype="0" fill="hold" grpId="1" nodeType="withEffect">
                                   <p:stCondLst>
                                     <p:cond delay="0"/>
                                   </p:stCondLst>
                                   <p:childTnLst>
                                     <p:set>
                                       <p:cBhvr>
-                                        <p:cTn id="95" dur="1" fill="hold">
+                                        <p:cTn id="59" dur="1" fill="hold">
                                           <p:stCondLst>
                                             <p:cond delay="0"/>
                                           </p:stCondLst>
@@ -12197,14 +11541,14 @@
                                 </p:cTn>
                               </p:par>
                               <p:par>
-                                <p:cTn id="96" presetID="1" presetClass="entr" presetSubtype="0" fill="hold" grpId="1" nodeType="withEffect">
+                                <p:cTn id="60" presetID="1" presetClass="entr" presetSubtype="0" fill="hold" grpId="1" nodeType="withEffect">
                                   <p:stCondLst>
                                     <p:cond delay="0"/>
                                   </p:stCondLst>
                                   <p:childTnLst>
                                     <p:set>
                                       <p:cBhvr>
-                                        <p:cTn id="97" dur="1" fill="hold">
+                                        <p:cTn id="61" dur="1" fill="hold">
                                           <p:stCondLst>
                                             <p:cond delay="0"/>
                                           </p:stCondLst>
@@ -12224,14 +11568,14 @@
                                 </p:cTn>
                               </p:par>
                               <p:par>
-                                <p:cTn id="98" presetID="1" presetClass="entr" presetSubtype="0" fill="hold" nodeType="withEffect">
+                                <p:cTn id="62" presetID="1" presetClass="entr" presetSubtype="0" fill="hold" nodeType="withEffect">
                                   <p:stCondLst>
                                     <p:cond delay="0"/>
                                   </p:stCondLst>
                                   <p:childTnLst>
                                     <p:set>
                                       <p:cBhvr>
-                                        <p:cTn id="99" dur="1" fill="hold">
+                                        <p:cTn id="63" dur="1" fill="hold">
                                           <p:stCondLst>
                                             <p:cond delay="0"/>
                                           </p:stCondLst>
@@ -12251,14 +11595,14 @@
                                 </p:cTn>
                               </p:par>
                               <p:par>
-                                <p:cTn id="100" presetID="1" presetClass="entr" presetSubtype="0" fill="hold" grpId="1" nodeType="withEffect">
+                                <p:cTn id="64" presetID="1" presetClass="entr" presetSubtype="0" fill="hold" grpId="1" nodeType="withEffect">
                                   <p:stCondLst>
                                     <p:cond delay="0"/>
                                   </p:stCondLst>
                                   <p:childTnLst>
                                     <p:set>
                                       <p:cBhvr>
-                                        <p:cTn id="101" dur="1" fill="hold">
+                                        <p:cTn id="65" dur="1" fill="hold">
                                           <p:stCondLst>
                                             <p:cond delay="0"/>
                                           </p:stCondLst>
@@ -12278,14 +11622,14 @@
                                 </p:cTn>
                               </p:par>
                               <p:par>
-                                <p:cTn id="102" presetID="1" presetClass="entr" presetSubtype="0" fill="hold" nodeType="withEffect">
+                                <p:cTn id="66" presetID="1" presetClass="entr" presetSubtype="0" fill="hold" nodeType="withEffect">
                                   <p:stCondLst>
                                     <p:cond delay="0"/>
                                   </p:stCondLst>
                                   <p:childTnLst>
                                     <p:set>
                                       <p:cBhvr>
-                                        <p:cTn id="103" dur="1" fill="hold">
+                                        <p:cTn id="67" dur="1" fill="hold">
                                           <p:stCondLst>
                                             <p:cond delay="0"/>
                                           </p:stCondLst>
@@ -12305,14 +11649,14 @@
                                 </p:cTn>
                               </p:par>
                               <p:par>
-                                <p:cTn id="104" presetID="1" presetClass="entr" presetSubtype="0" fill="hold" grpId="1" nodeType="withEffect">
+                                <p:cTn id="68" presetID="1" presetClass="entr" presetSubtype="0" fill="hold" grpId="1" nodeType="withEffect">
                                   <p:stCondLst>
                                     <p:cond delay="0"/>
                                   </p:stCondLst>
                                   <p:childTnLst>
                                     <p:set>
                                       <p:cBhvr>
-                                        <p:cTn id="105" dur="1" fill="hold">
+                                        <p:cTn id="69" dur="1" fill="hold">
                                           <p:stCondLst>
                                             <p:cond delay="0"/>
                                           </p:stCondLst>
@@ -12379,7 +11723,7 @@
 </file>
 
 <file path=ppt/slides/slide5.xml><?xml version="1.0" encoding="utf-8"?>
-<p:sld xmlns:a="http://schemas.openxmlformats.org/drawingml/2006/main" xmlns:r="http://schemas.openxmlformats.org/officeDocument/2006/relationships" xmlns:mc="http://schemas.openxmlformats.org/markup-compatibility/2006" xmlns:mv="urn:schemas-microsoft-com:mac:vml" xmlns:p="http://schemas.openxmlformats.org/presentationml/2006/main" mc:Ignorable="mv" mc:PreserveAttributes="mv:*">
+<p:sld xmlns:a="http://schemas.openxmlformats.org/drawingml/2006/main" xmlns:r="http://schemas.openxmlformats.org/officeDocument/2006/relationships" xmlns:p="http://schemas.openxmlformats.org/presentationml/2006/main">
   <p:cSld>
     <p:spTree>
       <p:nvGrpSpPr>
@@ -12568,7 +11912,7 @@
 </file>
 
 <file path=ppt/slides/slide6.xml><?xml version="1.0" encoding="utf-8"?>
-<p:sld xmlns:a="http://schemas.openxmlformats.org/drawingml/2006/main" xmlns:r="http://schemas.openxmlformats.org/officeDocument/2006/relationships" xmlns:mc="http://schemas.openxmlformats.org/markup-compatibility/2006" xmlns:mv="urn:schemas-microsoft-com:mac:vml" xmlns:p="http://schemas.openxmlformats.org/presentationml/2006/main" mc:Ignorable="mv" mc:PreserveAttributes="mv:*">
+<p:sld xmlns:a="http://schemas.openxmlformats.org/drawingml/2006/main" xmlns:r="http://schemas.openxmlformats.org/officeDocument/2006/relationships" xmlns:p="http://schemas.openxmlformats.org/presentationml/2006/main">
   <p:cSld>
     <p:spTree>
       <p:nvGrpSpPr>
@@ -12711,7 +12055,7 @@
 </file>
 
 <file path=ppt/slides/slide7.xml><?xml version="1.0" encoding="utf-8"?>
-<p:sld xmlns:a="http://schemas.openxmlformats.org/drawingml/2006/main" xmlns:r="http://schemas.openxmlformats.org/officeDocument/2006/relationships" xmlns:mc="http://schemas.openxmlformats.org/markup-compatibility/2006" xmlns:mv="urn:schemas-microsoft-com:mac:vml" xmlns:p="http://schemas.openxmlformats.org/presentationml/2006/main" mc:Ignorable="mv" mc:PreserveAttributes="mv:*">
+<p:sld xmlns:a="http://schemas.openxmlformats.org/drawingml/2006/main" xmlns:r="http://schemas.openxmlformats.org/officeDocument/2006/relationships" xmlns:p="http://schemas.openxmlformats.org/presentationml/2006/main">
   <p:cSld>
     <p:spTree>
       <p:nvGrpSpPr>
@@ -12854,7 +12198,7 @@
 </file>
 
 <file path=ppt/slides/slide8.xml><?xml version="1.0" encoding="utf-8"?>
-<p:sld xmlns:a="http://schemas.openxmlformats.org/drawingml/2006/main" xmlns:r="http://schemas.openxmlformats.org/officeDocument/2006/relationships" xmlns:mc="http://schemas.openxmlformats.org/markup-compatibility/2006" xmlns:mv="urn:schemas-microsoft-com:mac:vml" xmlns:p="http://schemas.openxmlformats.org/presentationml/2006/main" mc:Ignorable="mv" mc:PreserveAttributes="mv:*">
+<p:sld xmlns:a="http://schemas.openxmlformats.org/drawingml/2006/main" xmlns:r="http://schemas.openxmlformats.org/officeDocument/2006/relationships" xmlns:p="http://schemas.openxmlformats.org/presentationml/2006/main">
   <p:cSld>
     <p:spTree>
       <p:nvGrpSpPr>
@@ -12996,7 +12340,7 @@
 </file>
 
 <file path=ppt/slides/slide9.xml><?xml version="1.0" encoding="utf-8"?>
-<p:sld xmlns:a="http://schemas.openxmlformats.org/drawingml/2006/main" xmlns:r="http://schemas.openxmlformats.org/officeDocument/2006/relationships" xmlns:mc="http://schemas.openxmlformats.org/markup-compatibility/2006" xmlns:mv="urn:schemas-microsoft-com:mac:vml" xmlns:p="http://schemas.openxmlformats.org/presentationml/2006/main" mc:Ignorable="mv" mc:PreserveAttributes="mv:*">
+<p:sld xmlns:a="http://schemas.openxmlformats.org/drawingml/2006/main" xmlns:r="http://schemas.openxmlformats.org/officeDocument/2006/relationships" xmlns:p="http://schemas.openxmlformats.org/presentationml/2006/main">
   <p:cSld>
     <p:spTree>
       <p:nvGrpSpPr>
@@ -13492,7 +12836,7 @@
   <a:extraClrSchemeLst/>
   <a:extLst>
     <a:ext uri="{05A4C25C-085E-4340-85A3-A5531E510DB2}">
-      <thm15:themeFamily xmlns="" xmlns:a="http://schemas.openxmlformats.org/drawingml/2006/main" xmlns:thm15="http://schemas.microsoft.com/office/thememl/2012/main" name="Facet" id="{C0C680CD-088A-49FC-A102-D699147F32B2}" vid="{CFBC31BA-B70F-4F30-BCAA-4F3011E16C4D}"/>
+      <thm15:themeFamily xmlns:thm15="http://schemas.microsoft.com/office/thememl/2012/main" name="Facet" id="{C0C680CD-088A-49FC-A102-D699147F32B2}" vid="{CFBC31BA-B70F-4F30-BCAA-4F3011E16C4D}"/>
     </a:ext>
   </a:extLst>
 </a:theme>
